--- a/ppt/SplunkFundamentals2v1_2.pptx
+++ b/ppt/SplunkFundamentals2v1_2.pptx
@@ -5,10 +5,10 @@
     <p:sldMasterId id="2147483660" r:id="rId4"/>
   </p:sldMasterIdLst>
   <p:notesMasterIdLst>
-    <p:notesMasterId r:id="rId100"/>
+    <p:notesMasterId r:id="rId104"/>
   </p:notesMasterIdLst>
   <p:handoutMasterIdLst>
-    <p:handoutMasterId r:id="rId101"/>
+    <p:handoutMasterId r:id="rId105"/>
   </p:handoutMasterIdLst>
   <p:sldIdLst>
     <p:sldId id="323" r:id="rId5"/>
@@ -105,7 +105,11 @@
     <p:sldId id="429" r:id="rId96"/>
     <p:sldId id="430" r:id="rId97"/>
     <p:sldId id="426" r:id="rId98"/>
-    <p:sldId id="340" r:id="rId99"/>
+    <p:sldId id="432" r:id="rId99"/>
+    <p:sldId id="433" r:id="rId100"/>
+    <p:sldId id="434" r:id="rId101"/>
+    <p:sldId id="435" r:id="rId102"/>
+    <p:sldId id="340" r:id="rId103"/>
   </p:sldIdLst>
   <p:sldSz cx="12192000" cy="6858000"/>
   <p:notesSz cx="9309100" cy="7053263"/>
@@ -359,6 +363,14 @@
             <p14:sldId id="426"/>
           </p14:sldIdLst>
         </p14:section>
+        <p14:section name="Appendix: Advanced Techniques" id="{860CF1E5-9751-4499-8A37-8347B142DB06}">
+          <p14:sldIdLst>
+            <p14:sldId id="432"/>
+            <p14:sldId id="433"/>
+            <p14:sldId id="434"/>
+            <p14:sldId id="435"/>
+          </p14:sldIdLst>
+        </p14:section>
         <p14:section name="Conclusion" id="{437119FA-B2B2-43B2-BA16-8275F50D5A56}">
           <p14:sldIdLst>
             <p14:sldId id="340"/>
@@ -520,7 +532,7 @@
               <a:pPr>
                 <a:defRPr/>
               </a:pPr>
-              <a:t>12/19/2019</a:t>
+              <a:t>1/21/2020</a:t>
             </a:fld>
             <a:endParaRPr lang="en-US"/>
           </a:p>
@@ -739,7 +751,7 @@
               <a:pPr>
                 <a:defRPr/>
               </a:pPr>
-              <a:t>12/19/2019</a:t>
+              <a:t>1/21/2020</a:t>
             </a:fld>
             <a:endParaRPr lang="en-US"/>
           </a:p>
@@ -2078,7 +2090,7 @@
           <a:p>
             <a:fld id="{4BDF68E2-58F2-4D09-BE8B-E3BD06533059}" type="datetimeFigureOut">
               <a:rPr lang="en-US" dirty="0"/>
-              <a:t>12/19/2019</a:t>
+              <a:t>1/21/2020</a:t>
             </a:fld>
             <a:endParaRPr lang="en-US" dirty="0"/>
           </a:p>
@@ -3273,7 +3285,7 @@
           <a:p>
             <a:fld id="{528FC5F6-F338-4AE4-BB23-26385BCFC423}" type="datetimeFigureOut">
               <a:rPr lang="en-US" dirty="0"/>
-              <a:t>12/19/2019</a:t>
+              <a:t>1/21/2020</a:t>
             </a:fld>
             <a:endParaRPr lang="en-US" dirty="0"/>
           </a:p>
@@ -9742,15 +9754,7 @@
           <a:p>
             <a:r>
               <a:rPr lang="en-US" dirty="0" smtClean="0"/>
-              <a:t>Duration: </a:t>
-            </a:r>
-            <a:r>
-              <a:rPr lang="en-US" dirty="0" smtClean="0"/>
-              <a:t>75 </a:t>
-            </a:r>
-            <a:r>
-              <a:rPr lang="en-US" dirty="0" smtClean="0"/>
-              <a:t>minutes</a:t>
+              <a:t>Duration: 75 minutes</a:t>
             </a:r>
             <a:endParaRPr lang="en-US" dirty="0"/>
           </a:p>
@@ -12683,15 +12687,7 @@
           <a:p>
             <a:r>
               <a:rPr lang="en-US" dirty="0" smtClean="0"/>
-              <a:t>Duration: </a:t>
-            </a:r>
-            <a:r>
-              <a:rPr lang="en-US" dirty="0" smtClean="0"/>
-              <a:t>75 </a:t>
-            </a:r>
-            <a:r>
-              <a:rPr lang="en-US" dirty="0" smtClean="0"/>
-              <a:t>minutes</a:t>
+              <a:t>Duration: 75 minutes</a:t>
             </a:r>
             <a:endParaRPr lang="en-US" dirty="0"/>
           </a:p>
@@ -12924,15 +12920,7 @@
           <a:p>
             <a:r>
               <a:rPr lang="en-US" dirty="0" smtClean="0"/>
-              <a:t>In the pipeline adds </a:t>
-            </a:r>
-            <a:r>
-              <a:rPr lang="en-US" dirty="0" smtClean="0"/>
-              <a:t>an inline </a:t>
-            </a:r>
-            <a:r>
-              <a:rPr lang="en-US" dirty="0" smtClean="0"/>
-              <a:t>filter, streaming</a:t>
+              <a:t>In the pipeline adds an inline filter, streaming</a:t>
             </a:r>
           </a:p>
           <a:p>
@@ -12941,7 +12929,6 @@
               <a:rPr lang="en-US" dirty="0" smtClean="0"/>
               <a:t>Allows for inline SPL semantics</a:t>
             </a:r>
-            <a:endParaRPr lang="en-US" dirty="0" smtClean="0"/>
           </a:p>
         </p:txBody>
       </p:sp>
@@ -13258,11 +13245,7 @@
           <a:p>
             <a:r>
               <a:rPr lang="en-US" dirty="0" smtClean="0"/>
-              <a:t>Another way of adding an inline </a:t>
-            </a:r>
-            <a:r>
-              <a:rPr lang="en-US" dirty="0" smtClean="0"/>
-              <a:t>filter</a:t>
+              <a:t>Another way of adding an inline filter</a:t>
             </a:r>
           </a:p>
           <a:p>
@@ -13276,7 +13259,6 @@
               <a:rPr lang="en-US" dirty="0" smtClean="0"/>
               <a:t>Case-sensitive</a:t>
             </a:r>
-            <a:endParaRPr lang="en-US" dirty="0" smtClean="0"/>
           </a:p>
         </p:txBody>
       </p:sp>
@@ -18450,7 +18432,6 @@
               <a:rPr lang="en-US" sz="1400" dirty="0"/>
               <a:t> In this lab you create an index that is populated by a scheduled job, which runs every hour. This means that no significant results will be observable at the end of the lab, as the job will not have had time to run yet.</a:t>
             </a:r>
-            <a:endParaRPr lang="en-US" sz="1400" dirty="0"/>
           </a:p>
           <a:p>
             <a:r>
@@ -18508,6 +18489,283 @@
 </file>
 
 <file path=ppt/slides/slide95.xml><?xml version="1.0" encoding="utf-8"?>
+<p:sld xmlns:a="http://schemas.openxmlformats.org/drawingml/2006/main" xmlns:r="http://schemas.openxmlformats.org/officeDocument/2006/relationships" xmlns:p="http://schemas.openxmlformats.org/presentationml/2006/main">
+  <p:cSld>
+    <p:spTree>
+      <p:nvGrpSpPr>
+        <p:cNvPr id="1" name=""/>
+        <p:cNvGrpSpPr/>
+        <p:nvPr/>
+      </p:nvGrpSpPr>
+      <p:grpSpPr>
+        <a:xfrm>
+          <a:off x="0" y="0"/>
+          <a:ext cx="0" cy="0"/>
+          <a:chOff x="0" y="0"/>
+          <a:chExt cx="0" cy="0"/>
+        </a:xfrm>
+      </p:grpSpPr>
+      <p:sp>
+        <p:nvSpPr>
+          <p:cNvPr id="2" name="Title 1"/>
+          <p:cNvSpPr>
+            <a:spLocks noGrp="1"/>
+          </p:cNvSpPr>
+          <p:nvPr>
+            <p:ph type="title"/>
+          </p:nvPr>
+        </p:nvSpPr>
+        <p:spPr/>
+        <p:txBody>
+          <a:bodyPr/>
+          <a:lstStyle/>
+          <a:p>
+            <a:r>
+              <a:rPr lang="en-US" dirty="0" smtClean="0"/>
+              <a:t>Appendix: Customization</a:t>
+            </a:r>
+            <a:endParaRPr lang="en-US" dirty="0"/>
+          </a:p>
+        </p:txBody>
+      </p:sp>
+    </p:spTree>
+    <p:extLst>
+      <p:ext uri="{BB962C8B-B14F-4D97-AF65-F5344CB8AC3E}">
+        <p14:creationId xmlns:p14="http://schemas.microsoft.com/office/powerpoint/2010/main" val="880001071"/>
+      </p:ext>
+    </p:extLst>
+  </p:cSld>
+  <p:clrMapOvr>
+    <a:masterClrMapping/>
+  </p:clrMapOvr>
+</p:sld>
+</file>
+
+<file path=ppt/slides/slide96.xml><?xml version="1.0" encoding="utf-8"?>
+<p:sld xmlns:a="http://schemas.openxmlformats.org/drawingml/2006/main" xmlns:r="http://schemas.openxmlformats.org/officeDocument/2006/relationships" xmlns:p="http://schemas.openxmlformats.org/presentationml/2006/main">
+  <p:cSld>
+    <p:spTree>
+      <p:nvGrpSpPr>
+        <p:cNvPr id="1" name=""/>
+        <p:cNvGrpSpPr/>
+        <p:nvPr/>
+      </p:nvGrpSpPr>
+      <p:grpSpPr>
+        <a:xfrm>
+          <a:off x="0" y="0"/>
+          <a:ext cx="0" cy="0"/>
+          <a:chOff x="0" y="0"/>
+          <a:chExt cx="0" cy="0"/>
+        </a:xfrm>
+      </p:grpSpPr>
+      <p:sp>
+        <p:nvSpPr>
+          <p:cNvPr id="3" name="Title 2"/>
+          <p:cNvSpPr>
+            <a:spLocks noGrp="1"/>
+          </p:cNvSpPr>
+          <p:nvPr>
+            <p:ph type="title"/>
+          </p:nvPr>
+        </p:nvSpPr>
+        <p:spPr/>
+        <p:txBody>
+          <a:bodyPr/>
+          <a:lstStyle/>
+          <a:p>
+            <a:r>
+              <a:rPr lang="en-US" dirty="0" smtClean="0"/>
+              <a:t>Customizing the application navigation</a:t>
+            </a:r>
+            <a:endParaRPr lang="en-US" dirty="0"/>
+          </a:p>
+        </p:txBody>
+      </p:sp>
+      <p:sp>
+        <p:nvSpPr>
+          <p:cNvPr id="4" name="Text Placeholder 3"/>
+          <p:cNvSpPr>
+            <a:spLocks noGrp="1"/>
+          </p:cNvSpPr>
+          <p:nvPr>
+            <p:ph type="body" sz="quarter" idx="10"/>
+          </p:nvPr>
+        </p:nvSpPr>
+        <p:spPr/>
+        <p:txBody>
+          <a:bodyPr/>
+          <a:lstStyle/>
+          <a:p>
+            <a:endParaRPr lang="en-US"/>
+          </a:p>
+        </p:txBody>
+      </p:sp>
+    </p:spTree>
+    <p:extLst>
+      <p:ext uri="{BB962C8B-B14F-4D97-AF65-F5344CB8AC3E}">
+        <p14:creationId xmlns:p14="http://schemas.microsoft.com/office/powerpoint/2010/main" val="3341250038"/>
+      </p:ext>
+    </p:extLst>
+  </p:cSld>
+  <p:clrMapOvr>
+    <a:masterClrMapping/>
+  </p:clrMapOvr>
+</p:sld>
+</file>
+
+<file path=ppt/slides/slide97.xml><?xml version="1.0" encoding="utf-8"?>
+<p:sld xmlns:a="http://schemas.openxmlformats.org/drawingml/2006/main" xmlns:r="http://schemas.openxmlformats.org/officeDocument/2006/relationships" xmlns:p="http://schemas.openxmlformats.org/presentationml/2006/main">
+  <p:cSld>
+    <p:spTree>
+      <p:nvGrpSpPr>
+        <p:cNvPr id="1" name=""/>
+        <p:cNvGrpSpPr/>
+        <p:nvPr/>
+      </p:nvGrpSpPr>
+      <p:grpSpPr>
+        <a:xfrm>
+          <a:off x="0" y="0"/>
+          <a:ext cx="0" cy="0"/>
+          <a:chOff x="0" y="0"/>
+          <a:chExt cx="0" cy="0"/>
+        </a:xfrm>
+      </p:grpSpPr>
+      <p:sp>
+        <p:nvSpPr>
+          <p:cNvPr id="2" name="Title 1"/>
+          <p:cNvSpPr>
+            <a:spLocks noGrp="1"/>
+          </p:cNvSpPr>
+          <p:nvPr>
+            <p:ph type="title"/>
+          </p:nvPr>
+        </p:nvSpPr>
+        <p:spPr/>
+        <p:txBody>
+          <a:bodyPr/>
+          <a:lstStyle/>
+          <a:p>
+            <a:r>
+              <a:rPr lang="en-US" dirty="0" smtClean="0"/>
+              <a:t>Custom visuals</a:t>
+            </a:r>
+            <a:endParaRPr lang="en-US" dirty="0"/>
+          </a:p>
+        </p:txBody>
+      </p:sp>
+      <p:sp>
+        <p:nvSpPr>
+          <p:cNvPr id="3" name="Text Placeholder 2"/>
+          <p:cNvSpPr>
+            <a:spLocks noGrp="1"/>
+          </p:cNvSpPr>
+          <p:nvPr>
+            <p:ph type="body" sz="quarter" idx="10"/>
+          </p:nvPr>
+        </p:nvSpPr>
+        <p:spPr/>
+        <p:txBody>
+          <a:bodyPr/>
+          <a:lstStyle/>
+          <a:p>
+            <a:endParaRPr lang="en-US"/>
+          </a:p>
+        </p:txBody>
+      </p:sp>
+    </p:spTree>
+    <p:extLst>
+      <p:ext uri="{BB962C8B-B14F-4D97-AF65-F5344CB8AC3E}">
+        <p14:creationId xmlns:p14="http://schemas.microsoft.com/office/powerpoint/2010/main" val="72432952"/>
+      </p:ext>
+    </p:extLst>
+  </p:cSld>
+  <p:clrMapOvr>
+    <a:masterClrMapping/>
+  </p:clrMapOvr>
+</p:sld>
+</file>
+
+<file path=ppt/slides/slide98.xml><?xml version="1.0" encoding="utf-8"?>
+<p:sld xmlns:a="http://schemas.openxmlformats.org/drawingml/2006/main" xmlns:r="http://schemas.openxmlformats.org/officeDocument/2006/relationships" xmlns:p="http://schemas.openxmlformats.org/presentationml/2006/main">
+  <p:cSld>
+    <p:spTree>
+      <p:nvGrpSpPr>
+        <p:cNvPr id="1" name=""/>
+        <p:cNvGrpSpPr/>
+        <p:nvPr/>
+      </p:nvGrpSpPr>
+      <p:grpSpPr>
+        <a:xfrm>
+          <a:off x="0" y="0"/>
+          <a:ext cx="0" cy="0"/>
+          <a:chOff x="0" y="0"/>
+          <a:chExt cx="0" cy="0"/>
+        </a:xfrm>
+      </p:grpSpPr>
+      <p:sp>
+        <p:nvSpPr>
+          <p:cNvPr id="2" name="Title 1"/>
+          <p:cNvSpPr>
+            <a:spLocks noGrp="1"/>
+          </p:cNvSpPr>
+          <p:nvPr>
+            <p:ph type="title"/>
+          </p:nvPr>
+        </p:nvSpPr>
+        <p:spPr/>
+        <p:txBody>
+          <a:bodyPr/>
+          <a:lstStyle/>
+          <a:p>
+            <a:r>
+              <a:rPr lang="en-US" dirty="0" smtClean="0"/>
+              <a:t>Remotely querying </a:t>
+            </a:r>
+            <a:r>
+              <a:rPr lang="en-US" dirty="0" err="1" smtClean="0"/>
+              <a:t>Splunk’s</a:t>
+            </a:r>
+            <a:r>
+              <a:rPr lang="en-US" smtClean="0"/>
+              <a:t> REST API</a:t>
+            </a:r>
+            <a:endParaRPr lang="en-US"/>
+          </a:p>
+        </p:txBody>
+      </p:sp>
+      <p:sp>
+        <p:nvSpPr>
+          <p:cNvPr id="3" name="Text Placeholder 2"/>
+          <p:cNvSpPr>
+            <a:spLocks noGrp="1"/>
+          </p:cNvSpPr>
+          <p:nvPr>
+            <p:ph type="body" sz="quarter" idx="10"/>
+          </p:nvPr>
+        </p:nvSpPr>
+        <p:spPr/>
+        <p:txBody>
+          <a:bodyPr/>
+          <a:lstStyle/>
+          <a:p>
+            <a:endParaRPr lang="en-US"/>
+          </a:p>
+        </p:txBody>
+      </p:sp>
+    </p:spTree>
+    <p:extLst>
+      <p:ext uri="{BB962C8B-B14F-4D97-AF65-F5344CB8AC3E}">
+        <p14:creationId xmlns:p14="http://schemas.microsoft.com/office/powerpoint/2010/main" val="2025764666"/>
+      </p:ext>
+    </p:extLst>
+  </p:cSld>
+  <p:clrMapOvr>
+    <a:masterClrMapping/>
+  </p:clrMapOvr>
+</p:sld>
+</file>
+
+<file path=ppt/slides/slide99.xml><?xml version="1.0" encoding="utf-8"?>
 <p:sld xmlns:a="http://schemas.openxmlformats.org/drawingml/2006/main" xmlns:r="http://schemas.openxmlformats.org/officeDocument/2006/relationships" xmlns:p="http://schemas.openxmlformats.org/presentationml/2006/main">
   <p:cSld>
     <p:spTree>

--- a/ppt/SplunkFundamentals2v1_2.pptx
+++ b/ppt/SplunkFundamentals2v1_2.pptx
@@ -5,10 +5,10 @@
     <p:sldMasterId id="2147483660" r:id="rId4"/>
   </p:sldMasterIdLst>
   <p:notesMasterIdLst>
-    <p:notesMasterId r:id="rId104"/>
+    <p:notesMasterId r:id="rId105"/>
   </p:notesMasterIdLst>
   <p:handoutMasterIdLst>
-    <p:handoutMasterId r:id="rId105"/>
+    <p:handoutMasterId r:id="rId106"/>
   </p:handoutMasterIdLst>
   <p:sldIdLst>
     <p:sldId id="323" r:id="rId5"/>
@@ -109,7 +109,8 @@
     <p:sldId id="433" r:id="rId100"/>
     <p:sldId id="434" r:id="rId101"/>
     <p:sldId id="435" r:id="rId102"/>
-    <p:sldId id="340" r:id="rId103"/>
+    <p:sldId id="436" r:id="rId103"/>
+    <p:sldId id="340" r:id="rId104"/>
   </p:sldIdLst>
   <p:sldSz cx="12192000" cy="6858000"/>
   <p:notesSz cx="9309100" cy="7053263"/>
@@ -369,6 +370,7 @@
             <p14:sldId id="433"/>
             <p14:sldId id="434"/>
             <p14:sldId id="435"/>
+            <p14:sldId id="436"/>
           </p14:sldIdLst>
         </p14:section>
         <p14:section name="Conclusion" id="{437119FA-B2B2-43B2-BA16-8275F50D5A56}">
@@ -532,7 +534,7 @@
               <a:pPr>
                 <a:defRPr/>
               </a:pPr>
-              <a:t>1/21/2020</a:t>
+              <a:t>1/22/2020</a:t>
             </a:fld>
             <a:endParaRPr lang="en-US"/>
           </a:p>
@@ -751,7 +753,7 @@
               <a:pPr>
                 <a:defRPr/>
               </a:pPr>
-              <a:t>1/21/2020</a:t>
+              <a:t>1/22/2020</a:t>
             </a:fld>
             <a:endParaRPr lang="en-US"/>
           </a:p>
@@ -2090,7 +2092,7 @@
           <a:p>
             <a:fld id="{4BDF68E2-58F2-4D09-BE8B-E3BD06533059}" type="datetimeFigureOut">
               <a:rPr lang="en-US" dirty="0"/>
-              <a:t>1/21/2020</a:t>
+              <a:t>1/22/2020</a:t>
             </a:fld>
             <a:endParaRPr lang="en-US" dirty="0"/>
           </a:p>
@@ -3285,7 +3287,7 @@
           <a:p>
             <a:fld id="{528FC5F6-F338-4AE4-BB23-26385BCFC423}" type="datetimeFigureOut">
               <a:rPr lang="en-US" dirty="0"/>
-              <a:t>1/21/2020</a:t>
+              <a:t>1/22/2020</a:t>
             </a:fld>
             <a:endParaRPr lang="en-US" dirty="0"/>
           </a:p>
@@ -3378,10 +3380,9 @@
           <a:p>
             <a:pPr lvl="0"/>
             <a:r>
-              <a:rPr lang="en-US" dirty="0" smtClean="0"/>
+              <a:rPr lang="en-US" dirty="0"/>
               <a:t>Duration: </a:t>
             </a:r>
-            <a:endParaRPr lang="en-US" dirty="0"/>
           </a:p>
         </p:txBody>
       </p:sp>
@@ -4731,13 +4732,6 @@
   <p:clrMapOvr>
     <a:masterClrMapping/>
   </p:clrMapOvr>
-  <p:timing>
-    <p:tnLst>
-      <p:par>
-        <p:cTn id="1" dur="indefinite" restart="never" nodeType="tmRoot"/>
-      </p:par>
-    </p:tnLst>
-  </p:timing>
 </p:sld>
 </file>
 
@@ -4774,10 +4768,9 @@
           <a:lstStyle/>
           <a:p>
             <a:r>
-              <a:rPr lang="en-US" dirty="0" smtClean="0"/>
+              <a:rPr lang="en-US" dirty="0"/>
               <a:t>Module 1: Introduction and Review</a:t>
             </a:r>
-            <a:endParaRPr lang="en-US" dirty="0"/>
           </a:p>
         </p:txBody>
       </p:sp>
@@ -4785,6 +4778,99 @@
     <p:extLst>
       <p:ext uri="{BB962C8B-B14F-4D97-AF65-F5344CB8AC3E}">
         <p14:creationId xmlns:p14="http://schemas.microsoft.com/office/powerpoint/2010/main" val="2877614898"/>
+      </p:ext>
+    </p:extLst>
+  </p:cSld>
+  <p:clrMapOvr>
+    <a:masterClrMapping/>
+  </p:clrMapOvr>
+</p:sld>
+</file>
+
+<file path=ppt/slides/slide100.xml><?xml version="1.0" encoding="utf-8"?>
+<p:sld xmlns:a="http://schemas.openxmlformats.org/drawingml/2006/main" xmlns:r="http://schemas.openxmlformats.org/officeDocument/2006/relationships" xmlns:p="http://schemas.openxmlformats.org/presentationml/2006/main">
+  <p:cSld>
+    <p:spTree>
+      <p:nvGrpSpPr>
+        <p:cNvPr id="1" name=""/>
+        <p:cNvGrpSpPr/>
+        <p:nvPr/>
+      </p:nvGrpSpPr>
+      <p:grpSpPr>
+        <a:xfrm>
+          <a:off x="0" y="0"/>
+          <a:ext cx="0" cy="0"/>
+          <a:chOff x="0" y="0"/>
+          <a:chExt cx="0" cy="0"/>
+        </a:xfrm>
+      </p:grpSpPr>
+      <p:sp>
+        <p:nvSpPr>
+          <p:cNvPr id="2" name="Title 1"/>
+          <p:cNvSpPr>
+            <a:spLocks noGrp="1"/>
+          </p:cNvSpPr>
+          <p:nvPr>
+            <p:ph type="ctrTitle"/>
+          </p:nvPr>
+        </p:nvSpPr>
+        <p:spPr/>
+        <p:txBody>
+          <a:bodyPr/>
+          <a:lstStyle/>
+          <a:p>
+            <a:r>
+              <a:rPr lang="en-US" dirty="0"/>
+              <a:t>Thank you!</a:t>
+            </a:r>
+          </a:p>
+        </p:txBody>
+      </p:sp>
+      <p:sp>
+        <p:nvSpPr>
+          <p:cNvPr id="5" name="Subtitle 4"/>
+          <p:cNvSpPr>
+            <a:spLocks noGrp="1"/>
+          </p:cNvSpPr>
+          <p:nvPr>
+            <p:ph type="subTitle" idx="1"/>
+          </p:nvPr>
+        </p:nvSpPr>
+        <p:spPr/>
+        <p:txBody>
+          <a:bodyPr/>
+          <a:lstStyle/>
+          <a:p>
+            <a:r>
+              <a:rPr lang="en-US" dirty="0"/>
+              <a:t>Questions?</a:t>
+            </a:r>
+          </a:p>
+          <a:p>
+            <a:r>
+              <a:rPr lang="en-US" dirty="0"/>
+              <a:t>Survey: http://</a:t>
+            </a:r>
+            <a:r>
+              <a:rPr lang="en-US" dirty="0" err="1"/>
+              <a:t>www.onlc.com</a:t>
+            </a:r>
+            <a:r>
+              <a:rPr lang="en-US" dirty="0"/>
+              <a:t>/</a:t>
+            </a:r>
+            <a:r>
+              <a:rPr lang="en-US" dirty="0" err="1"/>
+              <a:t>eval</a:t>
+            </a:r>
+            <a:endParaRPr lang="en-US" dirty="0"/>
+          </a:p>
+        </p:txBody>
+      </p:sp>
+    </p:spTree>
+    <p:extLst>
+      <p:ext uri="{BB962C8B-B14F-4D97-AF65-F5344CB8AC3E}">
+        <p14:creationId xmlns:p14="http://schemas.microsoft.com/office/powerpoint/2010/main" val="1768650418"/>
       </p:ext>
     </p:extLst>
   </p:cSld>
@@ -4827,10 +4913,9 @@
           <a:lstStyle/>
           <a:p>
             <a:r>
-              <a:rPr lang="en-US" dirty="0" smtClean="0"/>
+              <a:rPr lang="en-US" dirty="0"/>
               <a:t>Splunk Enterprise</a:t>
             </a:r>
-            <a:endParaRPr lang="en-US" dirty="0"/>
           </a:p>
         </p:txBody>
       </p:sp>
@@ -4850,22 +4935,21 @@
           <a:lstStyle/>
           <a:p>
             <a:r>
-              <a:rPr lang="en-US" dirty="0" smtClean="0"/>
+              <a:rPr lang="en-US" dirty="0"/>
               <a:t>Server-based software that enables indexing and search of enterprise data</a:t>
             </a:r>
           </a:p>
           <a:p>
             <a:r>
-              <a:rPr lang="en-US" dirty="0" smtClean="0"/>
+              <a:rPr lang="en-US" dirty="0"/>
               <a:t>Facilities for analysis and visualization</a:t>
             </a:r>
           </a:p>
           <a:p>
             <a:r>
-              <a:rPr lang="en-US" dirty="0" smtClean="0"/>
+              <a:rPr lang="en-US" dirty="0"/>
               <a:t>Flexible, extensible, multi-platform</a:t>
             </a:r>
-            <a:endParaRPr lang="en-US" dirty="0"/>
           </a:p>
         </p:txBody>
       </p:sp>
@@ -4915,10 +4999,9 @@
           <a:lstStyle/>
           <a:p>
             <a:r>
-              <a:rPr lang="en-US" dirty="0" smtClean="0"/>
+              <a:rPr lang="en-US" dirty="0"/>
               <a:t>Splunk Enterprise Features</a:t>
             </a:r>
-            <a:endParaRPr lang="en-US" dirty="0"/>
           </a:p>
         </p:txBody>
       </p:sp>
@@ -4943,13 +5026,8 @@
             </a:r>
             <a:r>
               <a:rPr lang="en-US" sz="2800" dirty="0"/>
-              <a:t>organize data from websites, applications, servers, databases, operating systems, etc. for quick summarization and </a:t>
-            </a:r>
-            <a:r>
-              <a:rPr lang="en-US" sz="2800" dirty="0" smtClean="0"/>
-              <a:t>retrieval</a:t>
-            </a:r>
-            <a:endParaRPr lang="en-US" sz="2800" dirty="0"/>
+              <a:t>organize data from websites, applications, servers, databases, operating systems, etc. for quick summarization and retrieval</a:t>
+            </a:r>
           </a:p>
           <a:p>
             <a:r>
@@ -4958,13 +5036,8 @@
             </a:r>
             <a:r>
               <a:rPr lang="en-US" sz="2800" dirty="0"/>
-              <a:t>query specified in Search Processing Language (SPL) to retrieve data from index. Searches can be saved for reuse</a:t>
-            </a:r>
-            <a:r>
-              <a:rPr lang="en-US" sz="2800" dirty="0" smtClean="0"/>
-              <a:t>.</a:t>
-            </a:r>
-            <a:endParaRPr lang="en-US" sz="2800" dirty="0"/>
+              <a:t>query specified in Search Processing Language (SPL) to retrieve data from index. Searches can be saved for reuse.</a:t>
+            </a:r>
           </a:p>
           <a:p>
             <a:r>
@@ -4973,11 +5046,7 @@
             </a:r>
             <a:r>
               <a:rPr lang="en-US" sz="2800" dirty="0"/>
-              <a:t>automated notification when search criteria are </a:t>
-            </a:r>
-            <a:r>
-              <a:rPr lang="en-US" sz="2800" dirty="0" smtClean="0"/>
-              <a:t>met</a:t>
+              <a:t>automated notification when search criteria are met</a:t>
             </a:r>
           </a:p>
           <a:p>
@@ -4987,13 +5056,8 @@
             </a:r>
             <a:r>
               <a:rPr lang="en-US" sz="2800" dirty="0"/>
-              <a:t>collections of panels of modules like search boxes, fields, charts, etc</a:t>
-            </a:r>
-            <a:r>
-              <a:rPr lang="en-US" sz="2800" dirty="0" smtClean="0"/>
-              <a:t>.</a:t>
-            </a:r>
-            <a:endParaRPr lang="en-US" sz="2800" dirty="0"/>
+              <a:t>collections of panels of modules like search boxes, fields, charts, etc.</a:t>
+            </a:r>
           </a:p>
         </p:txBody>
       </p:sp>
@@ -5043,12 +5107,8 @@
           <a:lstStyle/>
           <a:p>
             <a:r>
-              <a:rPr lang="en-US" dirty="0" smtClean="0"/>
-              <a:t>Splunk Enterprise Features </a:t>
-            </a:r>
-            <a:r>
-              <a:rPr lang="en-US" dirty="0"/>
-              <a:t>(</a:t>
+              <a:rPr lang="en-US" dirty="0"/>
+              <a:t>Splunk Enterprise Features (</a:t>
             </a:r>
             <a:r>
               <a:rPr lang="en-US" dirty="0" err="1"/>
@@ -5077,12 +5137,8 @@
           <a:lstStyle/>
           <a:p>
             <a:r>
-              <a:rPr lang="en-US" sz="2800" b="1" dirty="0" smtClean="0"/>
-              <a:t>Data </a:t>
-            </a:r>
-            <a:r>
               <a:rPr lang="en-US" sz="2800" b="1" dirty="0"/>
-              <a:t>models: </a:t>
+              <a:t>Data models: </a:t>
             </a:r>
             <a:r>
               <a:rPr lang="en-US" sz="2800" dirty="0"/>
@@ -5091,12 +5147,8 @@
           </a:p>
           <a:p>
             <a:r>
-              <a:rPr lang="en-US" sz="2800" b="1" dirty="0" smtClean="0"/>
-              <a:t>Pivots</a:t>
-            </a:r>
-            <a:r>
               <a:rPr lang="en-US" sz="2800" b="1" dirty="0"/>
-              <a:t>: </a:t>
+              <a:t>Pivots: </a:t>
             </a:r>
             <a:r>
               <a:rPr lang="en-US" sz="2800" dirty="0"/>
@@ -5105,22 +5157,13 @@
           </a:p>
           <a:p>
             <a:r>
-              <a:rPr lang="en-US" sz="2800" b="1" dirty="0" smtClean="0"/>
-              <a:t>Reports</a:t>
-            </a:r>
-            <a:r>
               <a:rPr lang="en-US" sz="2800" b="1" dirty="0"/>
-              <a:t>: </a:t>
+              <a:t>Reports: </a:t>
             </a:r>
             <a:r>
               <a:rPr lang="en-US" sz="2800" dirty="0"/>
-              <a:t>saved searches that can be run ad hoc or on a schedule, or can be embedded in one or more </a:t>
-            </a:r>
-            <a:r>
-              <a:rPr lang="en-US" sz="2800" dirty="0" smtClean="0"/>
-              <a:t>dashboards</a:t>
-            </a:r>
-            <a:endParaRPr lang="en-US" sz="2800" dirty="0"/>
+              <a:t>saved searches that can be run ad hoc or on a schedule, or can be embedded in one or more dashboards</a:t>
+            </a:r>
           </a:p>
         </p:txBody>
       </p:sp>
@@ -5170,63 +5213,62 @@
           <a:lstStyle/>
           <a:p>
             <a:r>
-              <a:rPr lang="en-US" dirty="0" smtClean="0"/>
+              <a:rPr lang="en-US" dirty="0"/>
               <a:t>Search Review</a:t>
             </a:r>
+          </a:p>
+        </p:txBody>
+      </p:sp>
+      <p:sp>
+        <p:nvSpPr>
+          <p:cNvPr id="3" name="Text Placeholder 2"/>
+          <p:cNvSpPr>
+            <a:spLocks noGrp="1"/>
+          </p:cNvSpPr>
+          <p:nvPr>
+            <p:ph type="body" sz="quarter" idx="10"/>
+          </p:nvPr>
+        </p:nvSpPr>
+        <p:spPr/>
+        <p:txBody>
+          <a:bodyPr/>
+          <a:lstStyle/>
+          <a:p>
+            <a:r>
+              <a:rPr lang="en-US" dirty="0"/>
+              <a:t>Keyword searches: search for terms in the raw data</a:t>
+            </a:r>
+          </a:p>
+          <a:p>
+            <a:r>
+              <a:rPr lang="en-US" dirty="0"/>
+              <a:t>Phrases: “enclosed in quotes”</a:t>
+            </a:r>
+          </a:p>
+          <a:p>
+            <a:r>
+              <a:rPr lang="en-US" dirty="0"/>
+              <a:t>Field searches: match value of specific field, e.g., </a:t>
+            </a:r>
+            <a:r>
+              <a:rPr lang="en-US" i="1" dirty="0" err="1"/>
+              <a:t>ip_address</a:t>
+            </a:r>
+            <a:r>
+              <a:rPr lang="en-US" i="1" dirty="0"/>
+              <a:t>=1.2.3.4</a:t>
+            </a:r>
             <a:endParaRPr lang="en-US" dirty="0"/>
           </a:p>
-        </p:txBody>
-      </p:sp>
-      <p:sp>
-        <p:nvSpPr>
-          <p:cNvPr id="3" name="Text Placeholder 2"/>
-          <p:cNvSpPr>
-            <a:spLocks noGrp="1"/>
-          </p:cNvSpPr>
-          <p:nvPr>
-            <p:ph type="body" sz="quarter" idx="10"/>
-          </p:nvPr>
-        </p:nvSpPr>
-        <p:spPr/>
-        <p:txBody>
-          <a:bodyPr/>
-          <a:lstStyle/>
-          <a:p>
-            <a:r>
-              <a:rPr lang="en-US" dirty="0" smtClean="0"/>
-              <a:t>Keyword searches: search for terms in the raw data</a:t>
-            </a:r>
-          </a:p>
-          <a:p>
-            <a:r>
-              <a:rPr lang="en-US" dirty="0" smtClean="0"/>
-              <a:t>Phrases: “enclosed in quotes”</a:t>
-            </a:r>
-          </a:p>
-          <a:p>
-            <a:r>
-              <a:rPr lang="en-US" dirty="0" smtClean="0"/>
-              <a:t>Field searches: match value of specific field, e.g., </a:t>
-            </a:r>
-            <a:r>
-              <a:rPr lang="en-US" i="1" dirty="0" err="1" smtClean="0"/>
-              <a:t>ip_address</a:t>
-            </a:r>
-            <a:r>
-              <a:rPr lang="en-US" i="1" dirty="0" smtClean="0"/>
-              <a:t>=1.2.3.4</a:t>
-            </a:r>
-            <a:endParaRPr lang="en-US" dirty="0" smtClean="0"/>
-          </a:p>
-          <a:p>
-            <a:r>
-              <a:rPr lang="en-US" dirty="0" smtClean="0"/>
+          <a:p>
+            <a:r>
+              <a:rPr lang="en-US" dirty="0"/>
               <a:t>Wildcard operator: *</a:t>
             </a:r>
           </a:p>
           <a:p>
             <a:r>
-              <a:rPr lang="en-US" dirty="0" smtClean="0"/>
+              <a:rPr lang="en-US" dirty="0"/>
               <a:t>Boolean operators: AND, OR, NOT (case-sensitive)</a:t>
             </a:r>
           </a:p>
@@ -5281,10 +5323,9 @@
           <a:lstStyle/>
           <a:p>
             <a:r>
-              <a:rPr lang="en-US" dirty="0" smtClean="0"/>
+              <a:rPr lang="en-US" dirty="0"/>
               <a:t>The Search pipeline</a:t>
             </a:r>
-            <a:endParaRPr lang="en-US" dirty="0"/>
           </a:p>
         </p:txBody>
       </p:sp>
@@ -5304,10 +5345,9 @@
           <a:lstStyle/>
           <a:p>
             <a:r>
-              <a:rPr lang="en-US" dirty="0" smtClean="0"/>
+              <a:rPr lang="en-US" dirty="0"/>
               <a:t>Output of one search phrase can be “piped” to the next using the | operator</a:t>
             </a:r>
-            <a:endParaRPr lang="en-US" dirty="0"/>
           </a:p>
         </p:txBody>
       </p:sp>
@@ -5383,10 +5423,9 @@
           <a:lstStyle/>
           <a:p>
             <a:r>
-              <a:rPr lang="en-US" dirty="0" smtClean="0"/>
+              <a:rPr lang="en-US" dirty="0"/>
               <a:t>Common commands</a:t>
             </a:r>
-            <a:endParaRPr lang="en-US" dirty="0"/>
           </a:p>
         </p:txBody>
       </p:sp>
@@ -5406,13 +5445,13 @@
           <a:lstStyle/>
           <a:p>
             <a:r>
-              <a:rPr lang="en-US" dirty="0" smtClean="0">
+              <a:rPr lang="en-US" dirty="0">
                 <a:latin typeface="Courier"/>
               </a:rPr>
               <a:t>table</a:t>
             </a:r>
             <a:r>
-              <a:rPr lang="en-US" dirty="0" smtClean="0"/>
+              <a:rPr lang="en-US" dirty="0"/>
               <a:t>: generates a table containing specified fields</a:t>
             </a:r>
           </a:p>
@@ -5424,7 +5463,7 @@
               <a:t>rename</a:t>
             </a:r>
             <a:r>
-              <a:rPr lang="en-US" dirty="0" smtClean="0"/>
+              <a:rPr lang="en-US" dirty="0"/>
               <a:t>: renames a field in results</a:t>
             </a:r>
           </a:p>
@@ -5436,7 +5475,7 @@
               <a:t>sort</a:t>
             </a:r>
             <a:r>
-              <a:rPr lang="en-US" dirty="0" smtClean="0"/>
+              <a:rPr lang="en-US" dirty="0"/>
               <a:t>: sorts results by specified field, ascending/descending</a:t>
             </a:r>
           </a:p>
@@ -5448,7 +5487,7 @@
               <a:t>fields</a:t>
             </a:r>
             <a:r>
-              <a:rPr lang="en-US" dirty="0" smtClean="0"/>
+              <a:rPr lang="en-US" dirty="0"/>
               <a:t>: includes or removes specified fields</a:t>
             </a:r>
           </a:p>
@@ -5460,7 +5499,7 @@
               <a:t>lookup</a:t>
             </a:r>
             <a:r>
-              <a:rPr lang="en-US" dirty="0" smtClean="0"/>
+              <a:rPr lang="en-US" dirty="0"/>
               <a:t>: looks up values from external data source</a:t>
             </a:r>
           </a:p>
@@ -5512,10 +5551,9 @@
           <a:lstStyle/>
           <a:p>
             <a:r>
-              <a:rPr lang="en-US" dirty="0" smtClean="0"/>
+              <a:rPr lang="en-US" dirty="0"/>
               <a:t>Transforming commands</a:t>
             </a:r>
-            <a:endParaRPr lang="en-US" dirty="0"/>
           </a:p>
         </p:txBody>
       </p:sp>
@@ -5535,22 +5573,16 @@
           <a:lstStyle/>
           <a:p>
             <a:r>
-              <a:rPr lang="en-US" dirty="0" smtClean="0"/>
+              <a:rPr lang="en-US" dirty="0"/>
               <a:t>Commands that convert results into a data table</a:t>
             </a:r>
           </a:p>
           <a:p>
-            <a:r>
-              <a:rPr lang="en-US" dirty="0" smtClean="0">
-                <a:latin typeface="Courier"/>
-              </a:rPr>
-              <a:t>chart</a:t>
-            </a:r>
             <a:r>
               <a:rPr lang="en-US" dirty="0">
                 <a:latin typeface="Courier"/>
               </a:rPr>
-              <a:t>, </a:t>
+              <a:t>chart, </a:t>
             </a:r>
             <a:r>
               <a:rPr lang="en-US" dirty="0" err="1">
@@ -5562,16 +5594,10 @@
               <a:rPr lang="en-US" dirty="0">
                 <a:latin typeface="Courier"/>
               </a:rPr>
-              <a:t>, stats, top, rare, contingency, </a:t>
-            </a:r>
-            <a:r>
-              <a:rPr lang="en-US" dirty="0" smtClean="0">
-                <a:latin typeface="Courier"/>
-              </a:rPr>
-              <a:t>highlight, </a:t>
-            </a:r>
-            <a:r>
-              <a:rPr lang="en-US" dirty="0" smtClean="0"/>
+              <a:t>, stats, top, rare, contingency, highlight, </a:t>
+            </a:r>
+            <a:r>
+              <a:rPr lang="en-US" dirty="0"/>
               <a:t>etc…</a:t>
             </a:r>
             <a:endParaRPr lang="en-US" dirty="0">
@@ -5626,10 +5652,9 @@
           <a:lstStyle/>
           <a:p>
             <a:r>
-              <a:rPr lang="en-US" dirty="0" smtClean="0"/>
+              <a:rPr lang="en-US" dirty="0"/>
               <a:t>Search mode</a:t>
             </a:r>
-            <a:endParaRPr lang="en-US" dirty="0"/>
           </a:p>
         </p:txBody>
       </p:sp>
@@ -5649,77 +5674,32 @@
           <a:lstStyle/>
           <a:p>
             <a:r>
-              <a:rPr lang="en-US" b="1" dirty="0" smtClean="0"/>
+              <a:rPr lang="en-US" b="1" dirty="0"/>
               <a:t>Fast:</a:t>
             </a:r>
             <a:r>
-              <a:rPr lang="en-US" dirty="0" smtClean="0"/>
-              <a:t> speeds </a:t>
-            </a:r>
-            <a:r>
-              <a:rPr lang="en-US" dirty="0"/>
-              <a:t>up searches by limiting </a:t>
-            </a:r>
-            <a:r>
-              <a:rPr lang="en-US" dirty="0" smtClean="0"/>
-              <a:t>types </a:t>
-            </a:r>
-            <a:r>
-              <a:rPr lang="en-US" dirty="0"/>
-              <a:t>of data returned </a:t>
-            </a:r>
-            <a:endParaRPr lang="en-US" dirty="0" smtClean="0"/>
-          </a:p>
-          <a:p>
-            <a:r>
-              <a:rPr lang="en-US" b="1" dirty="0" smtClean="0"/>
+              <a:rPr lang="en-US" dirty="0"/>
+              <a:t> speeds up searches by limiting types of data returned </a:t>
+            </a:r>
+          </a:p>
+          <a:p>
+            <a:r>
+              <a:rPr lang="en-US" b="1" dirty="0"/>
               <a:t>Verbose:</a:t>
             </a:r>
             <a:r>
-              <a:rPr lang="en-US" dirty="0" smtClean="0"/>
-              <a:t> returns </a:t>
-            </a:r>
-            <a:r>
-              <a:rPr lang="en-US" dirty="0"/>
-              <a:t>as much event information as </a:t>
-            </a:r>
-            <a:r>
-              <a:rPr lang="en-US" dirty="0" smtClean="0"/>
-              <a:t>possible, </a:t>
-            </a:r>
-            <a:r>
-              <a:rPr lang="en-US" dirty="0"/>
-              <a:t>slower </a:t>
-            </a:r>
-            <a:r>
-              <a:rPr lang="en-US" dirty="0" smtClean="0"/>
-              <a:t>performance</a:t>
-            </a:r>
-            <a:r>
-              <a:rPr lang="en-US" dirty="0"/>
-              <a:t>.</a:t>
-            </a:r>
-          </a:p>
-          <a:p>
-            <a:r>
-              <a:rPr lang="en-US" b="1" dirty="0" smtClean="0"/>
+              <a:rPr lang="en-US" dirty="0"/>
+              <a:t> returns as much event information as possible, slower performance.</a:t>
+            </a:r>
+          </a:p>
+          <a:p>
+            <a:r>
+              <a:rPr lang="en-US" b="1" dirty="0"/>
               <a:t>Smart:</a:t>
             </a:r>
             <a:r>
-              <a:rPr lang="en-US" dirty="0" smtClean="0"/>
-              <a:t> (default) toggles </a:t>
-            </a:r>
-            <a:r>
-              <a:rPr lang="en-US" dirty="0"/>
-              <a:t>search behavior based on whether </a:t>
-            </a:r>
-            <a:r>
-              <a:rPr lang="en-US" dirty="0" smtClean="0"/>
-              <a:t>the </a:t>
-            </a:r>
-            <a:r>
-              <a:rPr lang="en-US" dirty="0"/>
-              <a:t>search contains </a:t>
+              <a:rPr lang="en-US" dirty="0"/>
+              <a:t> (default) toggles search behavior based on whether the search contains </a:t>
             </a:r>
             <a:r>
               <a:rPr lang="en-US" b="1" dirty="0">
@@ -5728,24 +5708,23 @@
               <a:t>transforming commands</a:t>
             </a:r>
             <a:r>
-              <a:rPr lang="en-US" dirty="0" smtClean="0"/>
+              <a:rPr lang="en-US" dirty="0"/>
               <a:t>.</a:t>
             </a:r>
           </a:p>
           <a:p>
             <a:pPr lvl="1"/>
             <a:r>
-              <a:rPr lang="en-US" dirty="0" smtClean="0"/>
+              <a:rPr lang="en-US" dirty="0"/>
               <a:t>Transforming = fast</a:t>
             </a:r>
           </a:p>
           <a:p>
             <a:pPr lvl="1"/>
             <a:r>
-              <a:rPr lang="en-US" dirty="0" smtClean="0"/>
+              <a:rPr lang="en-US" dirty="0"/>
               <a:t>Non-transforming = verbose</a:t>
             </a:r>
-            <a:endParaRPr lang="en-US" dirty="0"/>
           </a:p>
           <a:p>
             <a:endParaRPr lang="en-US" dirty="0"/>
@@ -5762,13 +5741,6 @@
   <p:clrMapOvr>
     <a:masterClrMapping/>
   </p:clrMapOvr>
-  <p:timing>
-    <p:tnLst>
-      <p:par>
-        <p:cTn id="1" dur="indefinite" restart="never" nodeType="tmRoot"/>
-      </p:par>
-    </p:tnLst>
-  </p:timing>
 </p:sld>
 </file>
 
@@ -5805,10 +5777,9 @@
           <a:lstStyle/>
           <a:p>
             <a:r>
-              <a:rPr lang="en-US" dirty="0" smtClean="0"/>
+              <a:rPr lang="en-US" dirty="0"/>
               <a:t>Search best practices</a:t>
             </a:r>
-            <a:endParaRPr lang="en-US" dirty="0"/>
           </a:p>
         </p:txBody>
       </p:sp>
@@ -5828,71 +5799,50 @@
           <a:lstStyle/>
           <a:p>
             <a:r>
-              <a:rPr lang="en-US" sz="2800" dirty="0" smtClean="0"/>
-              <a:t>All events indexed by </a:t>
-            </a:r>
-            <a:r>
               <a:rPr lang="en-US" sz="2800" dirty="0"/>
-              <a:t>time </a:t>
-            </a:r>
-            <a:r>
-              <a:rPr lang="en-US" sz="2800" dirty="0" smtClean="0"/>
-              <a:t>∴ search by time whenever possible</a:t>
+              <a:t>All events indexed by time ∴ search by time whenever possible</a:t>
             </a:r>
           </a:p>
           <a:p>
             <a:r>
               <a:rPr lang="en-US" sz="2800" dirty="0"/>
-              <a:t>Limit </a:t>
-            </a:r>
-            <a:r>
-              <a:rPr lang="en-US" sz="2800" dirty="0" smtClean="0"/>
-              <a:t>I/O</a:t>
+              <a:t>Limit I/O</a:t>
             </a:r>
           </a:p>
           <a:p>
             <a:pPr lvl="1"/>
             <a:r>
               <a:rPr lang="en-US" sz="2400" dirty="0"/>
-              <a:t>Narrow the time </a:t>
-            </a:r>
-            <a:r>
-              <a:rPr lang="en-US" sz="2400" dirty="0" smtClean="0"/>
-              <a:t>window</a:t>
+              <a:t>Narrow the time window</a:t>
             </a:r>
           </a:p>
           <a:p>
             <a:pPr lvl="1"/>
             <a:r>
               <a:rPr lang="en-US" sz="2400" dirty="0"/>
-              <a:t>Specify the index, source, or source </a:t>
-            </a:r>
-            <a:r>
-              <a:rPr lang="en-US" sz="2400" dirty="0" smtClean="0"/>
-              <a:t>type</a:t>
+              <a:t>Specify the index, source, or source type</a:t>
             </a:r>
           </a:p>
           <a:p>
             <a:pPr lvl="1"/>
             <a:r>
-              <a:rPr lang="en-US" sz="2400" dirty="0" smtClean="0"/>
+              <a:rPr lang="en-US" sz="2400" dirty="0"/>
               <a:t>Be as specific as possible</a:t>
             </a:r>
           </a:p>
           <a:p>
             <a:pPr lvl="1"/>
             <a:r>
-              <a:rPr lang="en-US" sz="2400" dirty="0" smtClean="0"/>
+              <a:rPr lang="en-US" sz="2400" dirty="0"/>
               <a:t>Limit number of events queried</a:t>
             </a:r>
           </a:p>
           <a:p>
             <a:pPr lvl="1"/>
             <a:r>
-              <a:rPr lang="en-US" sz="2400" dirty="0" smtClean="0"/>
+              <a:rPr lang="en-US" sz="2400" dirty="0"/>
               <a:t>Avoid NOT</a:t>
             </a:r>
-            <a:endParaRPr lang="en-US" sz="2400" dirty="0"/>
           </a:p>
         </p:txBody>
       </p:sp>
@@ -5921,15 +5871,9 @@
               <a:rPr lang="en-US" sz="1600" dirty="0">
                 <a:hlinkClick r:id="rId2"/>
               </a:rPr>
-              <a:t>https://</a:t>
-            </a:r>
-            <a:r>
-              <a:rPr lang="en-US" sz="1600" dirty="0" smtClean="0">
-                <a:hlinkClick r:id="rId2"/>
-              </a:rPr>
-              <a:t>docs.splunk.com/Documentation/Splunk/8.0.0/Search/Quicktipsforoptimization</a:t>
-            </a:r>
-            <a:endParaRPr lang="en-US" sz="1600" dirty="0" smtClean="0"/>
+              <a:t>https://docs.splunk.com/Documentation/Splunk/8.0.0/Search/Quicktipsforoptimization</a:t>
+            </a:r>
+            <a:endParaRPr lang="en-US" sz="1600" dirty="0"/>
           </a:p>
         </p:txBody>
       </p:sp>
@@ -5995,13 +5939,6 @@
   <p:clrMapOvr>
     <a:masterClrMapping/>
   </p:clrMapOvr>
-  <p:timing>
-    <p:tnLst>
-      <p:par>
-        <p:cTn id="1" dur="indefinite" restart="never" nodeType="tmRoot"/>
-      </p:par>
-    </p:tnLst>
-  </p:timing>
 </p:sld>
 </file>
 
@@ -6038,18 +5975,17 @@
           <a:lstStyle/>
           <a:p>
             <a:r>
-              <a:rPr lang="en-US" dirty="0" smtClean="0"/>
+              <a:rPr lang="en-US" dirty="0"/>
               <a:t>Search best practices (</a:t>
             </a:r>
             <a:r>
-              <a:rPr lang="en-US" dirty="0" err="1" smtClean="0"/>
+              <a:rPr lang="en-US" dirty="0" err="1"/>
               <a:t>c’t’d</a:t>
             </a:r>
             <a:r>
-              <a:rPr lang="en-US" dirty="0" smtClean="0"/>
+              <a:rPr lang="en-US" dirty="0"/>
               <a:t>)</a:t>
             </a:r>
-            <a:endParaRPr lang="en-US" dirty="0"/>
           </a:p>
         </p:txBody>
       </p:sp>
@@ -6069,7 +6005,7 @@
           <a:lstStyle/>
           <a:p>
             <a:r>
-              <a:rPr lang="en-US" sz="2400" dirty="0" smtClean="0"/>
+              <a:rPr lang="en-US" sz="2400" dirty="0"/>
               <a:t>Filter Early</a:t>
             </a:r>
           </a:p>
@@ -6077,48 +6013,28 @@
             <a:pPr lvl="1"/>
             <a:r>
               <a:rPr lang="en-US" sz="2000" dirty="0"/>
-              <a:t>Use field-value pairs before the first </a:t>
-            </a:r>
-            <a:r>
-              <a:rPr lang="en-US" sz="2000" dirty="0" smtClean="0"/>
-              <a:t>pipe</a:t>
+              <a:t>Use field-value pairs before the first pipe</a:t>
             </a:r>
           </a:p>
           <a:p>
             <a:pPr lvl="1"/>
             <a:r>
               <a:rPr lang="en-US" sz="2000" dirty="0"/>
-              <a:t>Use filtering commands before calculating </a:t>
-            </a:r>
-            <a:r>
-              <a:rPr lang="en-US" sz="2000" dirty="0" smtClean="0"/>
-              <a:t>commands</a:t>
+              <a:t>Use filtering commands before calculating commands</a:t>
             </a:r>
           </a:p>
           <a:p>
             <a:pPr lvl="1"/>
             <a:r>
               <a:rPr lang="en-US" sz="2000" dirty="0"/>
-              <a:t>Filter unnecessary fields from search </a:t>
-            </a:r>
-            <a:r>
-              <a:rPr lang="en-US" sz="2000" dirty="0" smtClean="0"/>
-              <a:t>results</a:t>
+              <a:t>Filter unnecessary fields from search results</a:t>
             </a:r>
           </a:p>
           <a:p>
             <a:pPr lvl="1"/>
             <a:r>
               <a:rPr lang="en-US" sz="2000" dirty="0"/>
-              <a:t>Use </a:t>
-            </a:r>
-            <a:r>
-              <a:rPr lang="en-US" sz="2000" dirty="0" smtClean="0"/>
-              <a:t>non-streaming (blocking) </a:t>
-            </a:r>
-            <a:r>
-              <a:rPr lang="en-US" sz="2000" dirty="0"/>
-              <a:t>commands as late as possible</a:t>
+              <a:t>Use non-streaming (blocking) commands as late as possible</a:t>
             </a:r>
           </a:p>
         </p:txBody>
@@ -6148,15 +6064,9 @@
               <a:rPr lang="en-US" sz="1600" dirty="0">
                 <a:hlinkClick r:id="rId2"/>
               </a:rPr>
-              <a:t>https://</a:t>
-            </a:r>
-            <a:r>
-              <a:rPr lang="en-US" sz="1600" dirty="0" smtClean="0">
-                <a:hlinkClick r:id="rId2"/>
-              </a:rPr>
-              <a:t>docs.splunk.com/Documentation/Splunk/8.0.0/Search/Quicktipsforoptimization</a:t>
-            </a:r>
-            <a:endParaRPr lang="en-US" sz="1600" dirty="0" smtClean="0"/>
+              <a:t>https://docs.splunk.com/Documentation/Splunk/8.0.0/Search/Quicktipsforoptimization</a:t>
+            </a:r>
+            <a:endParaRPr lang="en-US" sz="1600" dirty="0"/>
           </a:p>
         </p:txBody>
       </p:sp>
@@ -6213,15 +6123,7 @@
           <a:p>
             <a:r>
               <a:rPr lang="en-US" dirty="0"/>
-              <a:t>Module </a:t>
-            </a:r>
-            <a:r>
-              <a:rPr lang="en-US" dirty="0" smtClean="0"/>
-              <a:t>2: </a:t>
-            </a:r>
-            <a:r>
-              <a:rPr lang="en-US" dirty="0"/>
-              <a:t>Getting Data Into Splunk</a:t>
+              <a:t>Module 2: Getting Data Into Splunk</a:t>
             </a:r>
           </a:p>
         </p:txBody>
@@ -6236,13 +6138,6 @@
   <p:clrMapOvr>
     <a:masterClrMapping/>
   </p:clrMapOvr>
-  <p:timing>
-    <p:tnLst>
-      <p:par>
-        <p:cTn id="1" dur="indefinite" restart="never" nodeType="tmRoot"/>
-      </p:par>
-    </p:tnLst>
-  </p:timing>
 </p:sld>
 </file>
 
@@ -6279,10 +6174,9 @@
           <a:lstStyle/>
           <a:p>
             <a:r>
-              <a:rPr lang="en-US" dirty="0" smtClean="0"/>
+              <a:rPr lang="en-US" dirty="0"/>
               <a:t>Data Inputs</a:t>
             </a:r>
-            <a:endParaRPr lang="en-US" dirty="0"/>
           </a:p>
         </p:txBody>
       </p:sp>
@@ -6307,16 +6201,15 @@
           <a:lstStyle/>
           <a:p>
             <a:r>
-              <a:rPr lang="en-US" dirty="0" smtClean="0"/>
+              <a:rPr lang="en-US" dirty="0"/>
               <a:t>Splunk provides flexible, extensible connectors for getting data from a wide variety of sources</a:t>
             </a:r>
           </a:p>
           <a:p>
             <a:r>
-              <a:rPr lang="en-US" dirty="0" smtClean="0"/>
+              <a:rPr lang="en-US" dirty="0"/>
               <a:t>Data may be directly consumed by the indexer or received from a forwarder</a:t>
             </a:r>
-            <a:endParaRPr lang="en-US" dirty="0"/>
           </a:p>
         </p:txBody>
       </p:sp>
@@ -6390,10 +6283,9 @@
           <a:lstStyle/>
           <a:p>
             <a:r>
-              <a:rPr lang="en-US" dirty="0" smtClean="0"/>
+              <a:rPr lang="en-US" dirty="0"/>
               <a:t>Indexing</a:t>
             </a:r>
-            <a:endParaRPr lang="en-US" dirty="0"/>
           </a:p>
         </p:txBody>
       </p:sp>
@@ -6413,44 +6305,44 @@
           <a:lstStyle/>
           <a:p>
             <a:r>
-              <a:rPr lang="en-US" dirty="0" smtClean="0"/>
+              <a:rPr lang="en-US" dirty="0"/>
               <a:t>Indexed data gets a </a:t>
             </a:r>
             <a:r>
-              <a:rPr lang="en-US" i="1" dirty="0" err="1" smtClean="0"/>
+              <a:rPr lang="en-US" i="1" dirty="0" err="1"/>
               <a:t>sourcetype</a:t>
             </a:r>
             <a:r>
-              <a:rPr lang="en-US" dirty="0" smtClean="0"/>
+              <a:rPr lang="en-US" dirty="0"/>
               <a:t> = specific schema for data</a:t>
             </a:r>
           </a:p>
           <a:p>
             <a:pPr lvl="1"/>
             <a:r>
-              <a:rPr lang="en-US" dirty="0" smtClean="0"/>
+              <a:rPr lang="en-US" dirty="0"/>
               <a:t>e.g. </a:t>
             </a:r>
             <a:r>
-              <a:rPr lang="en-US" dirty="0" err="1" smtClean="0">
+              <a:rPr lang="en-US" dirty="0" err="1">
                 <a:latin typeface="Courier"/>
               </a:rPr>
               <a:t>access_combined</a:t>
             </a:r>
             <a:r>
-              <a:rPr lang="en-US" dirty="0" smtClean="0">
+              <a:rPr lang="en-US" dirty="0">
                 <a:latin typeface="Courier"/>
               </a:rPr>
               <a:t>, </a:t>
             </a:r>
             <a:r>
-              <a:rPr lang="en-US" dirty="0" err="1" smtClean="0">
+              <a:rPr lang="en-US" dirty="0" err="1">
                 <a:latin typeface="Courier"/>
               </a:rPr>
               <a:t>cisco_syslog</a:t>
             </a:r>
             <a:r>
-              <a:rPr lang="en-US" dirty="0" smtClean="0">
+              <a:rPr lang="en-US" dirty="0">
                 <a:latin typeface="Courier"/>
               </a:rPr>
               <a:t>, log4j</a:t>
@@ -6458,25 +6350,25 @@
           </a:p>
           <a:p>
             <a:r>
-              <a:rPr lang="en-US" dirty="0" smtClean="0"/>
+              <a:rPr lang="en-US" dirty="0"/>
               <a:t>Splunk also collects certain </a:t>
             </a:r>
             <a:r>
-              <a:rPr lang="en-US" i="1" dirty="0" smtClean="0"/>
+              <a:rPr lang="en-US" i="1" dirty="0"/>
               <a:t>default fields</a:t>
             </a:r>
-            <a:endParaRPr lang="en-US" dirty="0" smtClean="0"/>
+            <a:endParaRPr lang="en-US" dirty="0"/>
           </a:p>
           <a:p>
             <a:pPr lvl="1"/>
             <a:r>
-              <a:rPr lang="en-US" dirty="0" smtClean="0">
+              <a:rPr lang="en-US" dirty="0">
                 <a:latin typeface="Courier"/>
               </a:rPr>
               <a:t>timestamp, host, source, </a:t>
             </a:r>
             <a:r>
-              <a:rPr lang="en-US" dirty="0" err="1" smtClean="0">
+              <a:rPr lang="en-US" dirty="0" err="1">
                 <a:latin typeface="Courier"/>
               </a:rPr>
               <a:t>sourcetype</a:t>
@@ -6531,10 +6423,9 @@
           <a:lstStyle/>
           <a:p>
             <a:r>
-              <a:rPr lang="en-US" dirty="0" smtClean="0"/>
+              <a:rPr lang="en-US" dirty="0"/>
               <a:t>Indexing files and directories</a:t>
             </a:r>
-            <a:endParaRPr lang="en-US" dirty="0"/>
           </a:p>
         </p:txBody>
       </p:sp>
@@ -6559,29 +6450,29 @@
           <a:lstStyle/>
           <a:p>
             <a:r>
-              <a:rPr lang="en-US" dirty="0" err="1" smtClean="0"/>
+              <a:rPr lang="en-US" dirty="0" err="1"/>
               <a:t>Settings</a:t>
             </a:r>
             <a:r>
-              <a:rPr lang="en-US" dirty="0" err="1" smtClean="0">
+              <a:rPr lang="en-US" dirty="0" err="1">
                 <a:sym typeface="Wingdings" panose="05000000000000000000" pitchFamily="2" charset="2"/>
               </a:rPr>
               <a:t>Data</a:t>
             </a:r>
             <a:r>
-              <a:rPr lang="en-US" dirty="0" smtClean="0">
+              <a:rPr lang="en-US" dirty="0">
                 <a:sym typeface="Wingdings" panose="05000000000000000000" pitchFamily="2" charset="2"/>
               </a:rPr>
               <a:t> </a:t>
             </a:r>
             <a:r>
-              <a:rPr lang="en-US" dirty="0" err="1" smtClean="0">
+              <a:rPr lang="en-US" dirty="0" err="1">
                 <a:sym typeface="Wingdings" panose="05000000000000000000" pitchFamily="2" charset="2"/>
               </a:rPr>
               <a:t>InputsFiles</a:t>
             </a:r>
             <a:r>
-              <a:rPr lang="en-US" dirty="0" smtClean="0">
+              <a:rPr lang="en-US" dirty="0">
                 <a:sym typeface="Wingdings" panose="05000000000000000000" pitchFamily="2" charset="2"/>
               </a:rPr>
               <a:t> &amp; directories  + Add New</a:t>
@@ -6589,27 +6480,26 @@
           </a:p>
           <a:p>
             <a:r>
-              <a:rPr lang="en-US" dirty="0" smtClean="0"/>
+              <a:rPr lang="en-US" dirty="0"/>
               <a:t>Browse to file or directory</a:t>
             </a:r>
           </a:p>
           <a:p>
             <a:r>
-              <a:rPr lang="en-US" dirty="0" smtClean="0"/>
+              <a:rPr lang="en-US" dirty="0"/>
               <a:t>Specify </a:t>
             </a:r>
             <a:r>
-              <a:rPr lang="en-US" dirty="0" err="1" smtClean="0"/>
+              <a:rPr lang="en-US" dirty="0" err="1"/>
               <a:t>sourcetype</a:t>
             </a:r>
-            <a:endParaRPr lang="en-US" dirty="0" smtClean="0"/>
-          </a:p>
-          <a:p>
-            <a:r>
-              <a:rPr lang="en-US" dirty="0" smtClean="0"/>
+            <a:endParaRPr lang="en-US" dirty="0"/>
+          </a:p>
+          <a:p>
+            <a:r>
+              <a:rPr lang="en-US" dirty="0"/>
               <a:t>Enter any additional settings </a:t>
             </a:r>
-            <a:endParaRPr lang="en-US" dirty="0"/>
           </a:p>
         </p:txBody>
       </p:sp>
@@ -6707,10 +6597,9 @@
           <a:lstStyle/>
           <a:p>
             <a:r>
-              <a:rPr lang="en-US" dirty="0" smtClean="0"/>
+              <a:rPr lang="en-US" dirty="0"/>
               <a:t>Adding a file or directory using the CLI</a:t>
             </a:r>
-            <a:endParaRPr lang="en-US" dirty="0"/>
           </a:p>
         </p:txBody>
       </p:sp>
@@ -6730,21 +6619,21 @@
           <a:lstStyle/>
           <a:p>
             <a:r>
-              <a:rPr lang="en-US" dirty="0" err="1" smtClean="0"/>
+              <a:rPr lang="en-US" dirty="0" err="1"/>
               <a:t>Splunk’s</a:t>
             </a:r>
             <a:r>
-              <a:rPr lang="en-US" dirty="0" smtClean="0"/>
+              <a:rPr lang="en-US" dirty="0"/>
               <a:t> “add monitor” operation</a:t>
             </a:r>
           </a:p>
           <a:p>
             <a:r>
-              <a:rPr lang="en-US" dirty="0" smtClean="0"/>
+              <a:rPr lang="en-US" dirty="0"/>
               <a:t>Parameters for choosing additional options, e.g., </a:t>
             </a:r>
             <a:r>
-              <a:rPr lang="en-US" dirty="0" err="1" smtClean="0"/>
+              <a:rPr lang="en-US" dirty="0" err="1"/>
               <a:t>sourcetype</a:t>
             </a:r>
             <a:endParaRPr lang="en-US" dirty="0"/>
@@ -6785,13 +6674,6 @@
   <p:clrMapOvr>
     <a:masterClrMapping/>
   </p:clrMapOvr>
-  <p:timing>
-    <p:tnLst>
-      <p:par>
-        <p:cTn id="1" dur="indefinite" restart="never" nodeType="tmRoot"/>
-      </p:par>
-    </p:tnLst>
-  </p:timing>
 </p:sld>
 </file>
 
@@ -6828,11 +6710,11 @@
           <a:lstStyle/>
           <a:p>
             <a:r>
-              <a:rPr lang="en-US" dirty="0" smtClean="0"/>
+              <a:rPr lang="en-US" dirty="0"/>
               <a:t>Adding a file or directory input using </a:t>
             </a:r>
             <a:r>
-              <a:rPr lang="en-US" dirty="0" err="1" smtClean="0"/>
+              <a:rPr lang="en-US" dirty="0" err="1"/>
               <a:t>inputs.conf</a:t>
             </a:r>
             <a:endParaRPr lang="en-US" dirty="0"/>
@@ -6855,16 +6737,16 @@
           <a:lstStyle/>
           <a:p>
             <a:r>
-              <a:rPr lang="en-US" dirty="0" smtClean="0"/>
+              <a:rPr lang="en-US" dirty="0"/>
               <a:t>Manually edit </a:t>
             </a:r>
             <a:r>
-              <a:rPr lang="en-US" dirty="0" err="1" smtClean="0">
+              <a:rPr lang="en-US" dirty="0" err="1">
                 <a:latin typeface="Courier"/>
               </a:rPr>
               <a:t>inputs.conf</a:t>
             </a:r>
-            <a:endParaRPr lang="en-US" dirty="0" smtClean="0">
+            <a:endParaRPr lang="en-US" dirty="0">
               <a:latin typeface="Courier"/>
             </a:endParaRPr>
           </a:p>
@@ -6879,16 +6761,9 @@
                 <a:latin typeface="Courier"/>
                 <a:hlinkClick r:id="rId2" action="ppaction://hlinkfile"/>
               </a:rPr>
-              <a:t>C:\</a:t>
-            </a:r>
-            <a:r>
-              <a:rPr lang="en-US" dirty="0" smtClean="0">
-                <a:latin typeface="Courier"/>
-                <a:hlinkClick r:id="rId2" action="ppaction://hlinkfile"/>
-              </a:rPr>
-              <a:t>Splunk\etc\system\local</a:t>
-            </a:r>
-            <a:endParaRPr lang="en-US" dirty="0" smtClean="0">
+              <a:t>C:\Splunk\etc\system\local</a:t>
+            </a:r>
+            <a:endParaRPr lang="en-US" dirty="0">
               <a:latin typeface="Courier"/>
             </a:endParaRPr>
           </a:p>
@@ -6938,13 +6813,6 @@
   <p:clrMapOvr>
     <a:masterClrMapping/>
   </p:clrMapOvr>
-  <p:timing>
-    <p:tnLst>
-      <p:par>
-        <p:cTn id="1" dur="indefinite" restart="never" nodeType="tmRoot"/>
-      </p:par>
-    </p:tnLst>
-  </p:timing>
 </p:sld>
 </file>
 
@@ -6981,10 +6849,9 @@
           <a:lstStyle/>
           <a:p>
             <a:r>
-              <a:rPr lang="en-US" dirty="0" smtClean="0"/>
+              <a:rPr lang="en-US" dirty="0"/>
               <a:t>One-time indexing of files</a:t>
             </a:r>
-            <a:endParaRPr lang="en-US" dirty="0"/>
           </a:p>
         </p:txBody>
       </p:sp>
@@ -7004,22 +6871,21 @@
           <a:lstStyle/>
           <a:p>
             <a:r>
-              <a:rPr lang="en-US" dirty="0" smtClean="0"/>
+              <a:rPr lang="en-US" dirty="0"/>
               <a:t>CLI </a:t>
             </a:r>
             <a:r>
-              <a:rPr lang="en-US" i="1" dirty="0" smtClean="0"/>
+              <a:rPr lang="en-US" i="1" dirty="0"/>
               <a:t>add </a:t>
             </a:r>
             <a:r>
-              <a:rPr lang="en-US" i="1" dirty="0" err="1" smtClean="0"/>
+              <a:rPr lang="en-US" i="1" dirty="0" err="1"/>
               <a:t>oneshot</a:t>
             </a:r>
             <a:r>
-              <a:rPr lang="en-US" dirty="0" smtClean="0"/>
+              <a:rPr lang="en-US" dirty="0"/>
               <a:t> command</a:t>
             </a:r>
-            <a:endParaRPr lang="en-US" dirty="0"/>
           </a:p>
         </p:txBody>
       </p:sp>
@@ -7057,13 +6923,6 @@
   <p:clrMapOvr>
     <a:masterClrMapping/>
   </p:clrMapOvr>
-  <p:timing>
-    <p:tnLst>
-      <p:par>
-        <p:cTn id="1" dur="indefinite" restart="never" nodeType="tmRoot"/>
-      </p:par>
-    </p:tnLst>
-  </p:timing>
 </p:sld>
 </file>
 
@@ -7100,10 +6959,9 @@
           <a:lstStyle/>
           <a:p>
             <a:r>
-              <a:rPr lang="en-US" dirty="0" smtClean="0"/>
+              <a:rPr lang="en-US" dirty="0"/>
               <a:t>Indexing the Windows Event Logs</a:t>
             </a:r>
-            <a:endParaRPr lang="en-US" dirty="0"/>
           </a:p>
         </p:txBody>
       </p:sp>
@@ -7128,33 +6986,33 @@
           <a:lstStyle/>
           <a:p>
             <a:r>
-              <a:rPr lang="en-US" dirty="0" smtClean="0"/>
+              <a:rPr lang="en-US" dirty="0"/>
               <a:t>Local via </a:t>
             </a:r>
             <a:r>
-              <a:rPr lang="en-US" dirty="0" err="1" smtClean="0"/>
+              <a:rPr lang="en-US" dirty="0" err="1"/>
               <a:t>Settings</a:t>
             </a:r>
             <a:r>
-              <a:rPr lang="en-US" dirty="0" err="1" smtClean="0">
+              <a:rPr lang="en-US" dirty="0" err="1">
                 <a:sym typeface="Wingdings" panose="05000000000000000000" pitchFamily="2" charset="2"/>
               </a:rPr>
               <a:t>Data</a:t>
             </a:r>
             <a:r>
-              <a:rPr lang="en-US" dirty="0" smtClean="0">
+              <a:rPr lang="en-US" dirty="0">
                 <a:sym typeface="Wingdings" panose="05000000000000000000" pitchFamily="2" charset="2"/>
               </a:rPr>
               <a:t> </a:t>
             </a:r>
             <a:r>
-              <a:rPr lang="en-US" dirty="0" err="1" smtClean="0">
+              <a:rPr lang="en-US" dirty="0" err="1">
                 <a:sym typeface="Wingdings" panose="05000000000000000000" pitchFamily="2" charset="2"/>
               </a:rPr>
               <a:t>inputsLocal</a:t>
             </a:r>
             <a:r>
-              <a:rPr lang="en-US" dirty="0" smtClean="0">
+              <a:rPr lang="en-US" dirty="0">
                 <a:sym typeface="Wingdings" panose="05000000000000000000" pitchFamily="2" charset="2"/>
               </a:rPr>
               <a:t> event log collection</a:t>
@@ -7162,13 +7020,13 @@
           </a:p>
           <a:p>
             <a:r>
-              <a:rPr lang="en-US" dirty="0" smtClean="0">
+              <a:rPr lang="en-US" dirty="0">
                 <a:sym typeface="Wingdings" panose="05000000000000000000" pitchFamily="2" charset="2"/>
               </a:rPr>
               <a:t>Remote via </a:t>
             </a:r>
             <a:r>
-              <a:rPr lang="en-US" i="1" dirty="0" smtClean="0">
+              <a:rPr lang="en-US" i="1" dirty="0">
                 <a:sym typeface="Wingdings" panose="05000000000000000000" pitchFamily="2" charset="2"/>
               </a:rPr>
               <a:t>Universal Forwarder</a:t>
@@ -7213,13 +7071,6 @@
   <p:clrMapOvr>
     <a:masterClrMapping/>
   </p:clrMapOvr>
-  <p:timing>
-    <p:tnLst>
-      <p:par>
-        <p:cTn id="1" dur="indefinite" restart="never" nodeType="tmRoot"/>
-      </p:par>
-    </p:tnLst>
-  </p:timing>
 </p:sld>
 </file>
 
@@ -7256,10 +7107,9 @@
           <a:lstStyle/>
           <a:p>
             <a:r>
-              <a:rPr lang="en-US" dirty="0" smtClean="0"/>
+              <a:rPr lang="en-US" dirty="0"/>
               <a:t>Getting data through network ports</a:t>
             </a:r>
-            <a:endParaRPr lang="en-US" dirty="0"/>
           </a:p>
         </p:txBody>
       </p:sp>
@@ -7279,20 +7129,20 @@
           <a:lstStyle/>
           <a:p>
             <a:r>
-              <a:rPr lang="en-US" dirty="0" smtClean="0">
+              <a:rPr lang="en-US" dirty="0">
                 <a:hlinkClick r:id="rId2"/>
               </a:rPr>
               <a:t>Settings</a:t>
             </a:r>
             <a:r>
-              <a:rPr lang="en-US" dirty="0" smtClean="0">
+              <a:rPr lang="en-US" dirty="0">
                 <a:sym typeface="Wingdings" panose="05000000000000000000" pitchFamily="2" charset="2"/>
                 <a:hlinkClick r:id="rId2"/>
               </a:rPr>
               <a:t>Data inputs</a:t>
             </a:r>
             <a:r>
-              <a:rPr lang="en-US" dirty="0" smtClean="0">
+              <a:rPr lang="en-US" dirty="0">
                 <a:sym typeface="Wingdings" panose="05000000000000000000" pitchFamily="2" charset="2"/>
               </a:rPr>
               <a:t>[TCP|UDP]+Add new</a:t>
@@ -7300,19 +7150,19 @@
           </a:p>
           <a:p>
             <a:r>
-              <a:rPr lang="en-US" dirty="0" smtClean="0">
+              <a:rPr lang="en-US" dirty="0">
                 <a:sym typeface="Wingdings" panose="05000000000000000000" pitchFamily="2" charset="2"/>
               </a:rPr>
               <a:t>Enter port, </a:t>
             </a:r>
             <a:r>
-              <a:rPr lang="en-US" dirty="0" err="1" smtClean="0">
+              <a:rPr lang="en-US" dirty="0" err="1">
                 <a:sym typeface="Wingdings" panose="05000000000000000000" pitchFamily="2" charset="2"/>
               </a:rPr>
               <a:t>sourcetype</a:t>
             </a:r>
             <a:r>
-              <a:rPr lang="en-US" dirty="0" smtClean="0">
+              <a:rPr lang="en-US" dirty="0">
                 <a:sym typeface="Wingdings" panose="05000000000000000000" pitchFamily="2" charset="2"/>
               </a:rPr>
               <a:t>, optional parameters</a:t>
@@ -7320,13 +7170,13 @@
           </a:p>
           <a:p>
             <a:r>
-              <a:rPr lang="en-US" dirty="0" smtClean="0">
+              <a:rPr lang="en-US" dirty="0">
                 <a:sym typeface="Wingdings" panose="05000000000000000000" pitchFamily="2" charset="2"/>
               </a:rPr>
               <a:t>Can also be done via the CLI, </a:t>
             </a:r>
             <a:r>
-              <a:rPr lang="en-US" dirty="0" err="1" smtClean="0">
+              <a:rPr lang="en-US" dirty="0" err="1">
                 <a:sym typeface="Wingdings" panose="05000000000000000000" pitchFamily="2" charset="2"/>
               </a:rPr>
               <a:t>inputs.conf</a:t>
@@ -7511,13 +7361,6 @@
   <p:clrMapOvr>
     <a:masterClrMapping/>
   </p:clrMapOvr>
-  <p:timing>
-    <p:tnLst>
-      <p:par>
-        <p:cTn id="1" dur="indefinite" restart="never" nodeType="tmRoot"/>
-      </p:par>
-    </p:tnLst>
-  </p:timing>
 </p:sld>
 </file>
 
@@ -7554,10 +7397,9 @@
           <a:lstStyle/>
           <a:p>
             <a:r>
-              <a:rPr lang="en-US" dirty="0" smtClean="0"/>
+              <a:rPr lang="en-US" dirty="0"/>
               <a:t>Scripted inputs</a:t>
             </a:r>
-            <a:endParaRPr lang="en-US" dirty="0"/>
           </a:p>
         </p:txBody>
       </p:sp>
@@ -7582,38 +7424,37 @@
           <a:lstStyle/>
           <a:p>
             <a:r>
-              <a:rPr lang="en-US" dirty="0" smtClean="0"/>
+              <a:rPr lang="en-US" dirty="0"/>
               <a:t>Place your script in $SPLUNK_HOME\bin\scripts</a:t>
             </a:r>
           </a:p>
           <a:p>
             <a:r>
-              <a:rPr lang="en-US" dirty="0" smtClean="0"/>
+              <a:rPr lang="en-US" dirty="0"/>
               <a:t>Specify a .bat, .</a:t>
             </a:r>
             <a:r>
-              <a:rPr lang="en-US" dirty="0" err="1" smtClean="0"/>
+              <a:rPr lang="en-US" dirty="0" err="1"/>
               <a:t>sh</a:t>
             </a:r>
             <a:r>
-              <a:rPr lang="en-US" dirty="0" smtClean="0"/>
+              <a:rPr lang="en-US" dirty="0"/>
               <a:t> or .</a:t>
             </a:r>
             <a:r>
-              <a:rPr lang="en-US" dirty="0" err="1" smtClean="0"/>
+              <a:rPr lang="en-US" dirty="0" err="1"/>
               <a:t>py</a:t>
             </a:r>
             <a:r>
-              <a:rPr lang="en-US" dirty="0" smtClean="0"/>
+              <a:rPr lang="en-US" dirty="0"/>
               <a:t> file</a:t>
             </a:r>
           </a:p>
           <a:p>
             <a:r>
-              <a:rPr lang="en-US" dirty="0" smtClean="0"/>
+              <a:rPr lang="en-US" dirty="0"/>
               <a:t>Specify an interval</a:t>
             </a:r>
-            <a:endParaRPr lang="en-US" dirty="0"/>
           </a:p>
         </p:txBody>
       </p:sp>
@@ -7651,13 +7492,6 @@
   <p:clrMapOvr>
     <a:masterClrMapping/>
   </p:clrMapOvr>
-  <p:timing>
-    <p:tnLst>
-      <p:par>
-        <p:cTn id="1" dur="indefinite" restart="never" nodeType="tmRoot"/>
-      </p:par>
-    </p:tnLst>
-  </p:timing>
 </p:sld>
 </file>
 
@@ -7700,7 +7534,7 @@
           <a:lstStyle/>
           <a:p>
             <a:r>
-              <a:rPr lang="en-US" smtClean="0"/>
+              <a:rPr lang="en-US"/>
               <a:t>Configuring a Universal Forwarder</a:t>
             </a:r>
             <a:endParaRPr lang="en-US" dirty="0"/>
@@ -7729,21 +7563,21 @@
           <a:lstStyle/>
           <a:p>
             <a:r>
-              <a:rPr lang="en-US" dirty="0" smtClean="0"/>
+              <a:rPr lang="en-US" dirty="0"/>
               <a:t>The Splunk Universal Forwarder can be installed on remote machines to forward their data to one or more indexers</a:t>
             </a:r>
           </a:p>
           <a:p>
             <a:r>
-              <a:rPr lang="en-US" dirty="0" smtClean="0">
+              <a:rPr lang="en-US" dirty="0">
                 <a:hlinkClick r:id="rId2"/>
               </a:rPr>
               <a:t>https://www.splunk.com/en_us/resources/videos/splunk-education-getting-data-in-with-forwarders.html</a:t>
             </a:r>
-            <a:endParaRPr lang="en-US" dirty="0" smtClean="0"/>
-          </a:p>
-          <a:p>
-            <a:endParaRPr lang="en-US" dirty="0" smtClean="0"/>
+            <a:endParaRPr lang="en-US" dirty="0"/>
+          </a:p>
+          <a:p>
+            <a:endParaRPr lang="en-US" dirty="0"/>
           </a:p>
           <a:p>
             <a:endParaRPr lang="en-US" dirty="0"/>
@@ -7760,13 +7594,6 @@
   <p:clrMapOvr>
     <a:masterClrMapping/>
   </p:clrMapOvr>
-  <p:timing>
-    <p:tnLst>
-      <p:par>
-        <p:cTn id="1" dur="indefinite" restart="never" nodeType="tmRoot"/>
-      </p:par>
-    </p:tnLst>
-  </p:timing>
 </p:sld>
 </file>
 
@@ -7803,10 +7630,9 @@
           <a:lstStyle/>
           <a:p>
             <a:r>
-              <a:rPr lang="en-US" dirty="0" smtClean="0"/>
+              <a:rPr lang="en-US" dirty="0"/>
               <a:t>Using the HTTP Event Collector (HEC)</a:t>
             </a:r>
-            <a:endParaRPr lang="en-US" dirty="0"/>
           </a:p>
         </p:txBody>
       </p:sp>
@@ -7826,41 +7652,41 @@
           <a:lstStyle/>
           <a:p>
             <a:r>
-              <a:rPr lang="en-US" dirty="0" smtClean="0"/>
+              <a:rPr lang="en-US" dirty="0"/>
               <a:t>Creates an HTTP Endpoint</a:t>
             </a:r>
           </a:p>
           <a:p>
             <a:r>
-              <a:rPr lang="en-US" dirty="0" err="1" smtClean="0"/>
+              <a:rPr lang="en-US" dirty="0" err="1"/>
               <a:t>Settings</a:t>
             </a:r>
             <a:r>
-              <a:rPr lang="en-US" dirty="0" err="1" smtClean="0">
+              <a:rPr lang="en-US" dirty="0" err="1">
                 <a:sym typeface="Wingdings" panose="05000000000000000000" pitchFamily="2" charset="2"/>
               </a:rPr>
               <a:t></a:t>
             </a:r>
             <a:r>
-              <a:rPr lang="en-US" dirty="0" err="1" smtClean="0"/>
+              <a:rPr lang="en-US" dirty="0" err="1"/>
               <a:t>Data</a:t>
             </a:r>
             <a:r>
-              <a:rPr lang="en-US" dirty="0" smtClean="0"/>
+              <a:rPr lang="en-US" dirty="0"/>
               <a:t> </a:t>
             </a:r>
             <a:r>
-              <a:rPr lang="en-US" dirty="0" err="1" smtClean="0"/>
+              <a:rPr lang="en-US" dirty="0" err="1"/>
               <a:t>inputs</a:t>
             </a:r>
             <a:r>
-              <a:rPr lang="en-US" dirty="0" err="1" smtClean="0">
+              <a:rPr lang="en-US" dirty="0" err="1">
                 <a:sym typeface="Wingdings" panose="05000000000000000000" pitchFamily="2" charset="2"/>
               </a:rPr>
               <a:t>Http</a:t>
             </a:r>
             <a:r>
-              <a:rPr lang="en-US" dirty="0" smtClean="0">
+              <a:rPr lang="en-US" dirty="0">
                 <a:sym typeface="Wingdings" panose="05000000000000000000" pitchFamily="2" charset="2"/>
               </a:rPr>
               <a:t> Event Collector+ Add New</a:t>
@@ -7868,7 +7694,7 @@
           </a:p>
           <a:p>
             <a:r>
-              <a:rPr lang="en-US" dirty="0" smtClean="0">
+              <a:rPr lang="en-US" dirty="0">
                 <a:sym typeface="Wingdings" panose="05000000000000000000" pitchFamily="2" charset="2"/>
               </a:rPr>
               <a:t>Configure global settings</a:t>
@@ -7876,7 +7702,7 @@
           </a:p>
           <a:p>
             <a:r>
-              <a:rPr lang="en-US" dirty="0" smtClean="0">
+              <a:rPr lang="en-US" dirty="0">
                 <a:sym typeface="Wingdings" panose="05000000000000000000" pitchFamily="2" charset="2"/>
               </a:rPr>
               <a:t>Create a new token</a:t>
@@ -7885,7 +7711,7 @@
           <a:p>
             <a:pPr lvl="1"/>
             <a:r>
-              <a:rPr lang="en-US" dirty="0" smtClean="0">
+              <a:rPr lang="en-US" dirty="0">
                 <a:sym typeface="Wingdings" panose="05000000000000000000" pitchFamily="2" charset="2"/>
               </a:rPr>
               <a:t>The token identifies the calling application</a:t>
@@ -7940,10 +7766,9 @@
           <a:lstStyle/>
           <a:p>
             <a:r>
-              <a:rPr lang="en-US" dirty="0" smtClean="0"/>
+              <a:rPr lang="en-US" dirty="0"/>
               <a:t>Getting data from databases using DB Connect</a:t>
             </a:r>
-            <a:endParaRPr lang="en-US" dirty="0"/>
           </a:p>
         </p:txBody>
       </p:sp>
@@ -7963,33 +7788,32 @@
           <a:lstStyle/>
           <a:p>
             <a:r>
-              <a:rPr lang="en-US" b="1" dirty="0" smtClean="0"/>
+              <a:rPr lang="en-US" b="1" dirty="0"/>
               <a:t>Splunk DB Connect</a:t>
             </a:r>
             <a:r>
-              <a:rPr lang="en-US" dirty="0" smtClean="0"/>
+              <a:rPr lang="en-US" dirty="0"/>
               <a:t> is available from the </a:t>
             </a:r>
             <a:r>
-              <a:rPr lang="en-US" dirty="0" smtClean="0">
+              <a:rPr lang="en-US" dirty="0">
                 <a:hlinkClick r:id="rId2"/>
               </a:rPr>
               <a:t>Splunkbase</a:t>
             </a:r>
-            <a:endParaRPr lang="en-US" dirty="0" smtClean="0"/>
-          </a:p>
-          <a:p>
-            <a:r>
-              <a:rPr lang="en-US" dirty="0" smtClean="0"/>
+            <a:endParaRPr lang="en-US" dirty="0"/>
+          </a:p>
+          <a:p>
+            <a:r>
+              <a:rPr lang="en-US" dirty="0"/>
               <a:t>Allows connection to popular RDBMSs via JDBC drivers</a:t>
             </a:r>
           </a:p>
           <a:p>
             <a:r>
-              <a:rPr lang="en-US" dirty="0" smtClean="0"/>
+              <a:rPr lang="en-US" dirty="0"/>
               <a:t>Requires install of JRE, necessary drivers</a:t>
             </a:r>
-            <a:endParaRPr lang="en-US" dirty="0"/>
           </a:p>
         </p:txBody>
       </p:sp>
@@ -8003,13 +7827,6 @@
   <p:clrMapOvr>
     <a:masterClrMapping/>
   </p:clrMapOvr>
-  <p:timing>
-    <p:tnLst>
-      <p:par>
-        <p:cTn id="1" dur="indefinite" restart="never" nodeType="tmRoot"/>
-      </p:par>
-    </p:tnLst>
-  </p:timing>
 </p:sld>
 </file>
 
@@ -8138,13 +7955,6 @@
   <p:clrMapOvr>
     <a:masterClrMapping/>
   </p:clrMapOvr>
-  <p:timing>
-    <p:tnLst>
-      <p:par>
-        <p:cTn id="1" dur="indefinite" restart="never" nodeType="tmRoot"/>
-      </p:par>
-    </p:tnLst>
-  </p:timing>
 </p:sld>
 </file>
 
@@ -8425,13 +8235,6 @@
   <p:clrMapOvr>
     <a:masterClrMapping/>
   </p:clrMapOvr>
-  <p:timing>
-    <p:tnLst>
-      <p:par>
-        <p:cTn id="1" dur="indefinite" restart="never" nodeType="tmRoot"/>
-      </p:par>
-    </p:tnLst>
-  </p:timing>
 </p:sld>
 </file>
 
@@ -8468,10 +8271,9 @@
           <a:lstStyle/>
           <a:p>
             <a:r>
-              <a:rPr lang="en-US" dirty="0" smtClean="0"/>
+              <a:rPr lang="en-US" dirty="0"/>
               <a:t>Adding structure to data with field extractions</a:t>
             </a:r>
-            <a:endParaRPr lang="en-US" dirty="0"/>
           </a:p>
         </p:txBody>
       </p:sp>
@@ -8491,26 +8293,25 @@
           <a:lstStyle/>
           <a:p>
             <a:r>
-              <a:rPr lang="en-US" dirty="0" smtClean="0"/>
+              <a:rPr lang="en-US" dirty="0"/>
               <a:t>Field extractions use delimiters or a regex to extract specific data from unstructured data</a:t>
             </a:r>
           </a:p>
           <a:p>
             <a:r>
-              <a:rPr lang="en-US" dirty="0" smtClean="0"/>
+              <a:rPr lang="en-US" dirty="0"/>
               <a:t>Add using wizard or directly from </a:t>
             </a:r>
             <a:r>
-              <a:rPr lang="en-US" dirty="0" smtClean="0">
+              <a:rPr lang="en-US" dirty="0">
                 <a:hlinkClick r:id="rId2"/>
               </a:rPr>
               <a:t>extractions page</a:t>
             </a:r>
             <a:r>
-              <a:rPr lang="en-US" dirty="0" smtClean="0"/>
+              <a:rPr lang="en-US" dirty="0"/>
               <a:t> in settings</a:t>
             </a:r>
-            <a:endParaRPr lang="en-US" dirty="0"/>
           </a:p>
         </p:txBody>
       </p:sp>
@@ -8548,13 +8349,6 @@
   <p:clrMapOvr>
     <a:masterClrMapping/>
   </p:clrMapOvr>
-  <p:timing>
-    <p:tnLst>
-      <p:par>
-        <p:cTn id="1" dur="indefinite" restart="never" nodeType="tmRoot"/>
-      </p:par>
-    </p:tnLst>
-  </p:timing>
 </p:sld>
 </file>
 
@@ -8596,10 +8390,9 @@
           <a:lstStyle/>
           <a:p>
             <a:r>
-              <a:rPr lang="en-US" dirty="0" smtClean="0"/>
+              <a:rPr lang="en-US" dirty="0"/>
               <a:t>Adding meaning to data with event types</a:t>
             </a:r>
-            <a:endParaRPr lang="en-US" dirty="0"/>
           </a:p>
         </p:txBody>
       </p:sp>
@@ -8624,51 +8417,51 @@
           <a:lstStyle/>
           <a:p>
             <a:r>
-              <a:rPr lang="en-US" sz="2800" dirty="0" smtClean="0"/>
+              <a:rPr lang="en-US" sz="2800" dirty="0"/>
               <a:t>Event=one record in a log</a:t>
             </a:r>
           </a:p>
           <a:p>
             <a:r>
-              <a:rPr lang="en-US" sz="2800" dirty="0" smtClean="0"/>
+              <a:rPr lang="en-US" sz="2800" dirty="0"/>
               <a:t>Event types convert a chunk of SPL to a key-value pair</a:t>
             </a:r>
           </a:p>
           <a:p>
             <a:pPr lvl="1"/>
             <a:r>
-              <a:rPr lang="en-US" sz="2400" dirty="0" smtClean="0"/>
+              <a:rPr lang="en-US" sz="2400" dirty="0"/>
               <a:t>Characterize events, e.g. </a:t>
             </a:r>
             <a:r>
-              <a:rPr lang="en-US" sz="2400" dirty="0" err="1" smtClean="0"/>
+              <a:rPr lang="en-US" sz="2400" dirty="0" err="1"/>
               <a:t>eventtype</a:t>
             </a:r>
             <a:r>
-              <a:rPr lang="en-US" sz="2400" dirty="0" smtClean="0"/>
+              <a:rPr lang="en-US" sz="2400" dirty="0"/>
               <a:t>=“</a:t>
             </a:r>
             <a:r>
-              <a:rPr lang="en-US" sz="2400" dirty="0" err="1" smtClean="0"/>
+              <a:rPr lang="en-US" sz="2400" dirty="0" err="1"/>
               <a:t>HttpRequest</a:t>
             </a:r>
             <a:r>
-              <a:rPr lang="en-US" sz="2400" dirty="0" smtClean="0"/>
+              <a:rPr lang="en-US" sz="2400" dirty="0"/>
               <a:t>-Success”</a:t>
             </a:r>
           </a:p>
           <a:p>
             <a:r>
-              <a:rPr lang="en-US" sz="2800" dirty="0" smtClean="0"/>
+              <a:rPr lang="en-US" sz="2800" dirty="0"/>
               <a:t>Created from </a:t>
             </a:r>
             <a:r>
-              <a:rPr lang="en-US" sz="2800" dirty="0" smtClean="0">
+              <a:rPr lang="en-US" sz="2800" dirty="0">
                 <a:hlinkClick r:id="rId2"/>
               </a:rPr>
               <a:t>event types page</a:t>
             </a:r>
-            <a:endParaRPr lang="en-US" sz="2800" dirty="0" smtClean="0"/>
+            <a:endParaRPr lang="en-US" sz="2800" dirty="0"/>
           </a:p>
         </p:txBody>
       </p:sp>
@@ -8706,13 +8499,6 @@
   <p:clrMapOvr>
     <a:masterClrMapping/>
   </p:clrMapOvr>
-  <p:timing>
-    <p:tnLst>
-      <p:par>
-        <p:cTn id="1" dur="indefinite" restart="never" nodeType="tmRoot"/>
-      </p:par>
-    </p:tnLst>
-  </p:timing>
 </p:sld>
 </file>
 
@@ -8749,10 +8535,9 @@
           <a:lstStyle/>
           <a:p>
             <a:r>
-              <a:rPr lang="en-US" dirty="0" smtClean="0"/>
+              <a:rPr lang="en-US" dirty="0"/>
               <a:t>Adding meaning to data with tags</a:t>
             </a:r>
-            <a:endParaRPr lang="en-US" dirty="0"/>
           </a:p>
         </p:txBody>
       </p:sp>
@@ -8772,33 +8557,33 @@
           <a:lstStyle/>
           <a:p>
             <a:r>
-              <a:rPr lang="en-US" dirty="0" smtClean="0"/>
+              <a:rPr lang="en-US" dirty="0"/>
               <a:t>Tags allow grouping of other criteria with a label</a:t>
             </a:r>
           </a:p>
           <a:p>
             <a:r>
-              <a:rPr lang="en-US" dirty="0" smtClean="0"/>
+              <a:rPr lang="en-US" dirty="0"/>
               <a:t>Assigned to </a:t>
             </a:r>
             <a:r>
-              <a:rPr lang="en-US" dirty="0" smtClean="0">
+              <a:rPr lang="en-US" dirty="0">
                 <a:latin typeface="Courier"/>
               </a:rPr>
               <a:t>field=value</a:t>
             </a:r>
             <a:r>
-              <a:rPr lang="en-US" dirty="0" smtClean="0"/>
+              <a:rPr lang="en-US" dirty="0"/>
               <a:t> pairs</a:t>
             </a:r>
           </a:p>
           <a:p>
             <a:r>
-              <a:rPr lang="en-US" dirty="0" smtClean="0"/>
+              <a:rPr lang="en-US" dirty="0"/>
               <a:t>Create on </a:t>
             </a:r>
             <a:r>
-              <a:rPr lang="en-US" dirty="0" smtClean="0">
+              <a:rPr lang="en-US" dirty="0">
                 <a:hlinkClick r:id="rId2"/>
               </a:rPr>
               <a:t>tags page</a:t>
@@ -8817,13 +8602,6 @@
   <p:clrMapOvr>
     <a:masterClrMapping/>
   </p:clrMapOvr>
-  <p:timing>
-    <p:tnLst>
-      <p:par>
-        <p:cTn id="1" dur="indefinite" restart="never" nodeType="tmRoot"/>
-      </p:par>
-    </p:tnLst>
-  </p:timing>
 </p:sld>
 </file>
 
@@ -8860,10 +8638,9 @@
           <a:lstStyle/>
           <a:p>
             <a:r>
-              <a:rPr lang="en-US" dirty="0" smtClean="0"/>
+              <a:rPr lang="en-US" dirty="0"/>
               <a:t>Sample Data for this class</a:t>
             </a:r>
-            <a:endParaRPr lang="en-US" dirty="0"/>
           </a:p>
         </p:txBody>
       </p:sp>
@@ -8883,7 +8660,7 @@
           <a:lstStyle/>
           <a:p>
             <a:r>
-              <a:rPr lang="en-US" dirty="0" smtClean="0"/>
+              <a:rPr lang="en-US" dirty="0"/>
               <a:t>Meant to mimic N-tier e-commerce web application</a:t>
             </a:r>
           </a:p>
@@ -8892,73 +8669,66 @@
               <a:rPr lang="en-US" dirty="0">
                 <a:hlinkClick r:id="rId2" action="ppaction://hlinkfile"/>
               </a:rPr>
-              <a:t>C:\</a:t>
-            </a:r>
-            <a:r>
-              <a:rPr lang="en-US" dirty="0" smtClean="0">
-                <a:hlinkClick r:id="rId2" action="ppaction://hlinkfile"/>
-              </a:rPr>
-              <a:t>Splunk\etc\apps\OpsDataGen\data</a:t>
-            </a:r>
-            <a:endParaRPr lang="en-US" dirty="0" smtClean="0"/>
+              <a:t>C:\Splunk\etc\apps\OpsDataGen\data</a:t>
+            </a:r>
+            <a:endParaRPr lang="en-US" dirty="0"/>
           </a:p>
           <a:p>
             <a:pPr lvl="1"/>
             <a:r>
-              <a:rPr lang="en-US" dirty="0" err="1" smtClean="0"/>
+              <a:rPr lang="en-US" dirty="0" err="1"/>
               <a:t>access_log</a:t>
             </a:r>
             <a:r>
-              <a:rPr lang="en-US" dirty="0" smtClean="0"/>
+              <a:rPr lang="en-US" dirty="0"/>
               <a:t>: web access log, </a:t>
             </a:r>
             <a:r>
-              <a:rPr lang="en-US" i="1" dirty="0" err="1" smtClean="0"/>
+              <a:rPr lang="en-US" i="1" dirty="0" err="1"/>
               <a:t>access_combined</a:t>
             </a:r>
             <a:r>
-              <a:rPr lang="en-US" dirty="0" smtClean="0"/>
+              <a:rPr lang="en-US" dirty="0"/>
               <a:t> source type</a:t>
             </a:r>
           </a:p>
           <a:p>
             <a:pPr lvl="1"/>
             <a:r>
-              <a:rPr lang="en-US" dirty="0" err="1" smtClean="0"/>
+              <a:rPr lang="en-US" dirty="0" err="1"/>
               <a:t>app_log</a:t>
             </a:r>
             <a:r>
-              <a:rPr lang="en-US" dirty="0" smtClean="0"/>
+              <a:rPr lang="en-US" dirty="0"/>
               <a:t>: application log, </a:t>
             </a:r>
             <a:r>
-              <a:rPr lang="en-US" i="1" dirty="0" smtClean="0"/>
+              <a:rPr lang="en-US" i="1" dirty="0"/>
               <a:t>log4j</a:t>
             </a:r>
             <a:r>
-              <a:rPr lang="en-US" dirty="0" smtClean="0"/>
+              <a:rPr lang="en-US" dirty="0"/>
               <a:t> source type</a:t>
             </a:r>
           </a:p>
           <a:p>
             <a:pPr lvl="1"/>
             <a:r>
-              <a:rPr lang="en-US" dirty="0" err="1" smtClean="0"/>
+              <a:rPr lang="en-US" dirty="0" err="1"/>
               <a:t>hvac_log</a:t>
             </a:r>
             <a:r>
-              <a:rPr lang="en-US" dirty="0" smtClean="0"/>
+              <a:rPr lang="en-US" dirty="0"/>
               <a:t>: csv sensor data, </a:t>
             </a:r>
             <a:r>
-              <a:rPr lang="en-US" i="1" dirty="0" err="1" smtClean="0"/>
+              <a:rPr lang="en-US" i="1" dirty="0" err="1"/>
               <a:t>metrics_csv</a:t>
             </a:r>
             <a:r>
-              <a:rPr lang="en-US" dirty="0" smtClean="0"/>
+              <a:rPr lang="en-US" dirty="0"/>
               <a:t> source type</a:t>
             </a:r>
-            <a:endParaRPr lang="en-US" dirty="0"/>
           </a:p>
         </p:txBody>
       </p:sp>
@@ -8972,13 +8742,6 @@
   <p:clrMapOvr>
     <a:masterClrMapping/>
   </p:clrMapOvr>
-  <p:timing>
-    <p:tnLst>
-      <p:par>
-        <p:cTn id="1" dur="indefinite" restart="never" nodeType="tmRoot"/>
-      </p:par>
-    </p:tnLst>
-  </p:timing>
 </p:sld>
 </file>
 
@@ -9020,10 +8783,9 @@
           <a:lstStyle/>
           <a:p>
             <a:r>
-              <a:rPr lang="en-US" dirty="0" smtClean="0"/>
+              <a:rPr lang="en-US" dirty="0"/>
               <a:t>Housekeeping</a:t>
             </a:r>
-            <a:endParaRPr lang="en-US" dirty="0"/>
           </a:p>
         </p:txBody>
       </p:sp>
@@ -9057,11 +8819,7 @@
             </a:pPr>
             <a:r>
               <a:rPr lang="en-US" sz="2000" dirty="0"/>
-              <a:t>Class </a:t>
-            </a:r>
-            <a:r>
-              <a:rPr lang="en-US" sz="2000" dirty="0" smtClean="0"/>
-              <a:t>hours: 10:00-16:45</a:t>
+              <a:t>Class hours: 10:00-16:45</a:t>
             </a:r>
           </a:p>
           <a:p>
@@ -9074,7 +8832,7 @@
               </a:spcAft>
             </a:pPr>
             <a:r>
-              <a:rPr lang="en-US" sz="2000" dirty="0" smtClean="0"/>
+              <a:rPr lang="en-US" sz="2000" dirty="0"/>
               <a:t>A.M./P.M. Breaks: 15 min.</a:t>
             </a:r>
           </a:p>
@@ -9088,10 +8846,9 @@
               </a:spcAft>
             </a:pPr>
             <a:r>
-              <a:rPr lang="en-US" sz="2000" dirty="0" smtClean="0"/>
+              <a:rPr lang="en-US" sz="2000" dirty="0"/>
               <a:t>Lunch Break: 1 hr.</a:t>
             </a:r>
-            <a:endParaRPr lang="en-US" sz="2000" dirty="0"/>
           </a:p>
           <a:p>
             <a:pPr>
@@ -9103,15 +8860,15 @@
               </a:spcAft>
             </a:pPr>
             <a:r>
-              <a:rPr lang="en-US" sz="2000" dirty="0" smtClean="0"/>
+              <a:rPr lang="en-US" sz="2000" dirty="0"/>
               <a:t>ONLC </a:t>
             </a:r>
             <a:r>
-              <a:rPr lang="en-US" sz="2000" dirty="0" err="1" smtClean="0"/>
+              <a:rPr lang="en-US" sz="2000" dirty="0" err="1"/>
               <a:t>Wifi</a:t>
             </a:r>
             <a:r>
-              <a:rPr lang="en-US" sz="2000" dirty="0" smtClean="0"/>
+              <a:rPr lang="en-US" sz="2000" dirty="0"/>
               <a:t> access code (if present): 0123456789</a:t>
             </a:r>
           </a:p>
@@ -9125,18 +8882,17 @@
               </a:spcAft>
             </a:pPr>
             <a:r>
-              <a:rPr lang="en-US" sz="2000" dirty="0" smtClean="0"/>
+              <a:rPr lang="en-US" sz="2000" dirty="0"/>
               <a:t>If you need anything, </a:t>
             </a:r>
             <a:r>
-              <a:rPr lang="en-US" sz="2000" i="1" dirty="0" smtClean="0"/>
+              <a:rPr lang="en-US" sz="2000" i="1" dirty="0"/>
               <a:t>please</a:t>
             </a:r>
             <a:r>
-              <a:rPr lang="en-US" sz="2000" dirty="0" smtClean="0"/>
+              <a:rPr lang="en-US" sz="2000" dirty="0"/>
               <a:t> let us know!</a:t>
             </a:r>
-            <a:endParaRPr lang="en-US" sz="2000" dirty="0"/>
           </a:p>
           <a:p>
             <a:endParaRPr lang="en-CA" sz="2400" dirty="0"/>
@@ -9585,13 +9341,6 @@
   <p:clrMapOvr>
     <a:masterClrMapping/>
   </p:clrMapOvr>
-  <p:timing>
-    <p:tnLst>
-      <p:par>
-        <p:cTn id="1" dur="indefinite" restart="never" nodeType="tmRoot"/>
-      </p:par>
-    </p:tnLst>
-  </p:timing>
 </p:sld>
 </file>
 
@@ -9628,10 +9377,9 @@
           <a:lstStyle/>
           <a:p>
             <a:r>
-              <a:rPr lang="en-US" dirty="0" smtClean="0"/>
+              <a:rPr lang="en-US" dirty="0"/>
               <a:t>Lab 2: Getting Data In</a:t>
             </a:r>
-            <a:endParaRPr lang="en-US" dirty="0"/>
           </a:p>
         </p:txBody>
       </p:sp>
@@ -9753,10 +9501,9 @@
           <a:lstStyle/>
           <a:p>
             <a:r>
-              <a:rPr lang="en-US" dirty="0" smtClean="0"/>
+              <a:rPr lang="en-US" dirty="0"/>
               <a:t>Duration: 75 minutes</a:t>
             </a:r>
-            <a:endParaRPr lang="en-US" dirty="0"/>
           </a:p>
         </p:txBody>
       </p:sp>
@@ -9770,13 +9517,6 @@
   <p:clrMapOvr>
     <a:masterClrMapping/>
   </p:clrMapOvr>
-  <p:timing>
-    <p:tnLst>
-      <p:par>
-        <p:cTn id="1" dur="indefinite" restart="never" nodeType="tmRoot"/>
-      </p:par>
-    </p:tnLst>
-  </p:timing>
 </p:sld>
 </file>
 
@@ -9813,10 +9553,9 @@
           <a:lstStyle/>
           <a:p>
             <a:r>
-              <a:rPr lang="en-US" dirty="0" smtClean="0"/>
+              <a:rPr lang="en-US" dirty="0"/>
               <a:t>Module 3: Building an Application</a:t>
             </a:r>
-            <a:endParaRPr lang="en-US" dirty="0"/>
           </a:p>
         </p:txBody>
       </p:sp>
@@ -9830,13 +9569,6 @@
   <p:clrMapOvr>
     <a:masterClrMapping/>
   </p:clrMapOvr>
-  <p:timing>
-    <p:tnLst>
-      <p:par>
-        <p:cTn id="1" dur="indefinite" restart="never" nodeType="tmRoot"/>
-      </p:par>
-    </p:tnLst>
-  </p:timing>
 </p:sld>
 </file>
 
@@ -9873,10 +9605,9 @@
           <a:lstStyle/>
           <a:p>
             <a:r>
-              <a:rPr lang="en-US" dirty="0" smtClean="0"/>
+              <a:rPr lang="en-US" dirty="0"/>
               <a:t>Application Architecture</a:t>
             </a:r>
-            <a:endParaRPr lang="en-US" dirty="0"/>
           </a:p>
         </p:txBody>
       </p:sp>
@@ -9896,60 +9627,60 @@
           <a:lstStyle/>
           <a:p>
             <a:r>
-              <a:rPr lang="en-US" dirty="0" smtClean="0"/>
+              <a:rPr lang="en-US" dirty="0"/>
               <a:t>A Splunk App is a container for:</a:t>
             </a:r>
           </a:p>
           <a:p>
             <a:pPr lvl="1"/>
             <a:r>
-              <a:rPr lang="en-US" dirty="0" smtClean="0"/>
+              <a:rPr lang="en-US" dirty="0"/>
               <a:t>Reports</a:t>
             </a:r>
           </a:p>
           <a:p>
             <a:pPr lvl="1"/>
             <a:r>
-              <a:rPr lang="en-US" dirty="0" smtClean="0"/>
+              <a:rPr lang="en-US" dirty="0"/>
               <a:t>Dashboards</a:t>
             </a:r>
           </a:p>
           <a:p>
             <a:pPr lvl="1"/>
             <a:r>
-              <a:rPr lang="en-US" dirty="0" smtClean="0"/>
+              <a:rPr lang="en-US" dirty="0"/>
               <a:t>Custom Assets</a:t>
             </a:r>
           </a:p>
           <a:p>
             <a:r>
-              <a:rPr lang="en-US" dirty="0" smtClean="0"/>
+              <a:rPr lang="en-US" dirty="0"/>
               <a:t>Stored as a folder in $SPLUNK_HOME/</a:t>
             </a:r>
             <a:r>
-              <a:rPr lang="en-US" dirty="0" err="1" smtClean="0"/>
+              <a:rPr lang="en-US" dirty="0" err="1"/>
               <a:t>etc</a:t>
             </a:r>
             <a:r>
-              <a:rPr lang="en-US" dirty="0" smtClean="0"/>
+              <a:rPr lang="en-US" dirty="0"/>
               <a:t>/apps</a:t>
             </a:r>
           </a:p>
           <a:p>
             <a:r>
-              <a:rPr lang="en-US" dirty="0" smtClean="0"/>
+              <a:rPr lang="en-US" dirty="0"/>
               <a:t>Can be packaged as .</a:t>
             </a:r>
             <a:r>
-              <a:rPr lang="en-US" dirty="0" err="1" smtClean="0"/>
+              <a:rPr lang="en-US" dirty="0" err="1"/>
               <a:t>tgz</a:t>
             </a:r>
             <a:r>
-              <a:rPr lang="en-US" dirty="0" smtClean="0"/>
+              <a:rPr lang="en-US" dirty="0"/>
               <a:t> or .</a:t>
             </a:r>
             <a:r>
-              <a:rPr lang="en-US" dirty="0" err="1" smtClean="0"/>
+              <a:rPr lang="en-US" dirty="0" err="1"/>
               <a:t>spl</a:t>
             </a:r>
             <a:endParaRPr lang="en-US" dirty="0"/>
@@ -9966,13 +9697,6 @@
   <p:clrMapOvr>
     <a:masterClrMapping/>
   </p:clrMapOvr>
-  <p:timing>
-    <p:tnLst>
-      <p:par>
-        <p:cTn id="1" dur="indefinite" restart="never" nodeType="tmRoot"/>
-      </p:par>
-    </p:tnLst>
-  </p:timing>
 </p:sld>
 </file>
 
@@ -10009,10 +9733,9 @@
           <a:lstStyle/>
           <a:p>
             <a:r>
-              <a:rPr lang="en-US" dirty="0" smtClean="0"/>
+              <a:rPr lang="en-US" dirty="0"/>
               <a:t>App folder structure</a:t>
             </a:r>
-            <a:endParaRPr lang="en-US" dirty="0"/>
           </a:p>
         </p:txBody>
       </p:sp>
@@ -10032,40 +9755,39 @@
           <a:lstStyle/>
           <a:p>
             <a:r>
-              <a:rPr lang="en-US" sz="2800" dirty="0" smtClean="0"/>
+              <a:rPr lang="en-US" sz="2800" dirty="0"/>
               <a:t>bin – binary assets, e.g. Python files</a:t>
             </a:r>
           </a:p>
           <a:p>
             <a:r>
-              <a:rPr lang="en-US" sz="2800" dirty="0" smtClean="0"/>
+              <a:rPr lang="en-US" sz="2800" dirty="0"/>
               <a:t>default – publisher’s configurations &amp; views</a:t>
             </a:r>
           </a:p>
           <a:p>
             <a:r>
-              <a:rPr lang="en-US" sz="2800" dirty="0" smtClean="0"/>
+              <a:rPr lang="en-US" sz="2800" dirty="0"/>
               <a:t>local – end user configurations &amp; views</a:t>
             </a:r>
           </a:p>
           <a:p>
             <a:r>
-              <a:rPr lang="en-US" sz="2800" dirty="0" smtClean="0"/>
+              <a:rPr lang="en-US" sz="2800" dirty="0"/>
               <a:t>lookups – csv files used as lookups for app</a:t>
             </a:r>
           </a:p>
           <a:p>
             <a:r>
-              <a:rPr lang="en-US" sz="2800" dirty="0" smtClean="0"/>
+              <a:rPr lang="en-US" sz="2800" dirty="0"/>
               <a:t>metadata – app permissions</a:t>
             </a:r>
           </a:p>
           <a:p>
             <a:r>
-              <a:rPr lang="en-US" sz="2800" dirty="0" smtClean="0"/>
+              <a:rPr lang="en-US" sz="2800" dirty="0"/>
               <a:t>static – static assets, e.g. icons</a:t>
             </a:r>
-            <a:endParaRPr lang="en-US" sz="2800" dirty="0"/>
           </a:p>
         </p:txBody>
       </p:sp>
@@ -10103,13 +9825,6 @@
   <p:clrMapOvr>
     <a:masterClrMapping/>
   </p:clrMapOvr>
-  <p:timing>
-    <p:tnLst>
-      <p:par>
-        <p:cTn id="1" dur="indefinite" restart="never" nodeType="tmRoot"/>
-      </p:par>
-    </p:tnLst>
-  </p:timing>
 </p:sld>
 </file>
 
@@ -10146,10 +9861,9 @@
           <a:lstStyle/>
           <a:p>
             <a:r>
-              <a:rPr lang="en-US" dirty="0" smtClean="0"/>
+              <a:rPr lang="en-US" dirty="0"/>
               <a:t>Creating an app from the UI</a:t>
             </a:r>
-            <a:endParaRPr lang="en-US" dirty="0"/>
           </a:p>
         </p:txBody>
       </p:sp>
@@ -10178,7 +9892,7 @@
               <a:buAutoNum type="arabicPeriod"/>
             </a:pPr>
             <a:r>
-              <a:rPr lang="en-US" sz="2400" dirty="0" smtClean="0"/>
+              <a:rPr lang="en-US" sz="2400" dirty="0"/>
               <a:t>Manage Apps</a:t>
             </a:r>
           </a:p>
@@ -10188,7 +9902,7 @@
               <a:buAutoNum type="arabicPeriod"/>
             </a:pPr>
             <a:r>
-              <a:rPr lang="en-US" sz="2400" dirty="0" smtClean="0"/>
+              <a:rPr lang="en-US" sz="2400" dirty="0"/>
               <a:t>Click “Create app”</a:t>
             </a:r>
           </a:p>
@@ -10198,42 +9912,42 @@
               <a:buAutoNum type="arabicPeriod"/>
             </a:pPr>
             <a:r>
-              <a:rPr lang="en-US" sz="2400" dirty="0" smtClean="0"/>
+              <a:rPr lang="en-US" sz="2400" dirty="0"/>
               <a:t>Fill in the form</a:t>
             </a:r>
           </a:p>
           <a:p>
             <a:pPr lvl="1"/>
             <a:r>
-              <a:rPr lang="en-US" sz="2000" dirty="0" smtClean="0"/>
+              <a:rPr lang="en-US" sz="2000" dirty="0"/>
               <a:t>App name</a:t>
             </a:r>
           </a:p>
           <a:p>
             <a:pPr lvl="1"/>
             <a:r>
-              <a:rPr lang="en-US" sz="2000" dirty="0" smtClean="0"/>
+              <a:rPr lang="en-US" sz="2000" dirty="0"/>
               <a:t>App directory</a:t>
             </a:r>
           </a:p>
           <a:p>
             <a:pPr lvl="1"/>
             <a:r>
-              <a:rPr lang="en-US" sz="2000" dirty="0" smtClean="0"/>
+              <a:rPr lang="en-US" sz="2000" dirty="0"/>
               <a:t>Version </a:t>
             </a:r>
           </a:p>
           <a:p>
             <a:pPr lvl="1"/>
             <a:r>
-              <a:rPr lang="en-US" sz="2000" dirty="0" smtClean="0"/>
+              <a:rPr lang="en-US" sz="2000" dirty="0"/>
               <a:t>Author</a:t>
             </a:r>
           </a:p>
           <a:p>
             <a:pPr lvl="1"/>
             <a:r>
-              <a:rPr lang="en-US" sz="2000" dirty="0" smtClean="0"/>
+              <a:rPr lang="en-US" sz="2000" dirty="0"/>
               <a:t>Etc.</a:t>
             </a:r>
           </a:p>
@@ -10324,13 +10038,6 @@
   <p:clrMapOvr>
     <a:masterClrMapping/>
   </p:clrMapOvr>
-  <p:timing>
-    <p:tnLst>
-      <p:par>
-        <p:cTn id="1" dur="indefinite" restart="never" nodeType="tmRoot"/>
-      </p:par>
-    </p:tnLst>
-  </p:timing>
 </p:sld>
 </file>
 
@@ -10367,10 +10074,9 @@
           <a:lstStyle/>
           <a:p>
             <a:r>
-              <a:rPr lang="en-US" dirty="0" smtClean="0"/>
+              <a:rPr lang="en-US" dirty="0"/>
               <a:t>Creating an app from another app</a:t>
             </a:r>
-            <a:endParaRPr lang="en-US" dirty="0"/>
           </a:p>
         </p:txBody>
       </p:sp>
@@ -10394,7 +10100,7 @@
               <a:buAutoNum type="arabicPeriod"/>
             </a:pPr>
             <a:r>
-              <a:rPr lang="en-US" dirty="0" smtClean="0"/>
+              <a:rPr lang="en-US" dirty="0"/>
               <a:t>Copy app directory</a:t>
             </a:r>
           </a:p>
@@ -10404,14 +10110,14 @@
               <a:buAutoNum type="arabicPeriod"/>
             </a:pPr>
             <a:r>
-              <a:rPr lang="en-US" dirty="0" smtClean="0"/>
+              <a:rPr lang="en-US" dirty="0"/>
               <a:t>Edit default\</a:t>
             </a:r>
             <a:r>
-              <a:rPr lang="en-US" dirty="0" err="1" smtClean="0"/>
+              <a:rPr lang="en-US" dirty="0" err="1"/>
               <a:t>app.conf</a:t>
             </a:r>
-            <a:endParaRPr lang="en-US" dirty="0" smtClean="0"/>
+            <a:endParaRPr lang="en-US" dirty="0"/>
           </a:p>
           <a:p>
             <a:pPr marL="514350" indent="-514350">
@@ -10419,10 +10125,9 @@
               <a:buAutoNum type="arabicPeriod"/>
             </a:pPr>
             <a:r>
-              <a:rPr lang="en-US" dirty="0" smtClean="0"/>
+              <a:rPr lang="en-US" dirty="0"/>
               <a:t>Restart Splunk</a:t>
             </a:r>
-            <a:endParaRPr lang="en-US" dirty="0"/>
           </a:p>
         </p:txBody>
       </p:sp>
@@ -10508,13 +10213,6 @@
   <p:clrMapOvr>
     <a:masterClrMapping/>
   </p:clrMapOvr>
-  <p:timing>
-    <p:tnLst>
-      <p:par>
-        <p:cTn id="1" dur="indefinite" restart="never" nodeType="tmRoot"/>
-      </p:par>
-    </p:tnLst>
-  </p:timing>
 </p:sld>
 </file>
 
@@ -10551,10 +10249,9 @@
           <a:lstStyle/>
           <a:p>
             <a:r>
-              <a:rPr lang="en-US" dirty="0" smtClean="0"/>
+              <a:rPr lang="en-US" dirty="0"/>
               <a:t>Deleting an app</a:t>
             </a:r>
-            <a:endParaRPr lang="en-US" dirty="0"/>
           </a:p>
         </p:txBody>
       </p:sp>
@@ -10578,7 +10275,7 @@
               <a:buAutoNum type="arabicPeriod"/>
             </a:pPr>
             <a:r>
-              <a:rPr lang="en-US" dirty="0" smtClean="0"/>
+              <a:rPr lang="en-US" dirty="0"/>
               <a:t>Delete the app directory</a:t>
             </a:r>
           </a:p>
@@ -10588,10 +10285,9 @@
               <a:buAutoNum type="arabicPeriod"/>
             </a:pPr>
             <a:r>
-              <a:rPr lang="en-US" dirty="0" smtClean="0"/>
+              <a:rPr lang="en-US" dirty="0"/>
               <a:t>Restart Splunk</a:t>
             </a:r>
-            <a:endParaRPr lang="en-US" dirty="0"/>
           </a:p>
         </p:txBody>
       </p:sp>
@@ -10605,13 +10301,6 @@
   <p:clrMapOvr>
     <a:masterClrMapping/>
   </p:clrMapOvr>
-  <p:timing>
-    <p:tnLst>
-      <p:par>
-        <p:cTn id="1" dur="indefinite" restart="never" nodeType="tmRoot"/>
-      </p:par>
-    </p:tnLst>
-  </p:timing>
 </p:sld>
 </file>
 
@@ -10648,10 +10337,9 @@
           <a:lstStyle/>
           <a:p>
             <a:r>
-              <a:rPr lang="en-US" dirty="0" smtClean="0"/>
+              <a:rPr lang="en-US" dirty="0"/>
               <a:t>Adding Assets</a:t>
             </a:r>
-            <a:endParaRPr lang="en-US" dirty="0"/>
           </a:p>
         </p:txBody>
       </p:sp>
@@ -10671,16 +10359,15 @@
           <a:lstStyle/>
           <a:p>
             <a:r>
-              <a:rPr lang="en-US" dirty="0" smtClean="0"/>
+              <a:rPr lang="en-US" dirty="0"/>
               <a:t>Create reports &amp; dashboards</a:t>
             </a:r>
           </a:p>
           <a:p>
             <a:r>
-              <a:rPr lang="en-US" dirty="0" smtClean="0"/>
+              <a:rPr lang="en-US" dirty="0"/>
               <a:t>Copy/move reports &amp; dashboards from existing apps</a:t>
             </a:r>
-            <a:endParaRPr lang="en-US" dirty="0"/>
           </a:p>
         </p:txBody>
       </p:sp>
@@ -10766,13 +10453,6 @@
   <p:clrMapOvr>
     <a:masterClrMapping/>
   </p:clrMapOvr>
-  <p:timing>
-    <p:tnLst>
-      <p:par>
-        <p:cTn id="1" dur="indefinite" restart="never" nodeType="tmRoot"/>
-      </p:par>
-    </p:tnLst>
-  </p:timing>
 </p:sld>
 </file>
 
@@ -10809,10 +10489,9 @@
           <a:lstStyle/>
           <a:p>
             <a:r>
-              <a:rPr lang="en-US" dirty="0" smtClean="0"/>
+              <a:rPr lang="en-US" dirty="0"/>
               <a:t>Changing Object Permissions</a:t>
             </a:r>
-            <a:endParaRPr lang="en-US" dirty="0"/>
           </a:p>
         </p:txBody>
       </p:sp>
@@ -10879,80 +10558,51 @@
               <a:rPr lang="en-US" sz="1800" dirty="0">
                 <a:latin typeface="Courier"/>
               </a:rPr>
-              <a:t>&gt;\</a:t>
-            </a:r>
-            <a:r>
-              <a:rPr lang="en-US" sz="1800" dirty="0" smtClean="0">
-                <a:latin typeface="Courier"/>
-              </a:rPr>
-              <a:t>local\</a:t>
-            </a:r>
-            <a:endParaRPr lang="en-US" sz="1800" dirty="0">
-              <a:latin typeface="Courier"/>
-            </a:endParaRPr>
-          </a:p>
-          <a:p>
-            <a:r>
-              <a:rPr lang="en-US" dirty="0" smtClean="0"/>
-              <a:t>App=visible </a:t>
-            </a:r>
-            <a:r>
-              <a:rPr lang="en-US" dirty="0"/>
-              <a:t>to </a:t>
-            </a:r>
-            <a:r>
-              <a:rPr lang="en-US" dirty="0" smtClean="0"/>
-              <a:t>all users of the app</a:t>
-            </a:r>
-            <a:endParaRPr lang="en-US" dirty="0"/>
+              <a:t>&gt;\local\</a:t>
+            </a:r>
+          </a:p>
+          <a:p>
+            <a:r>
+              <a:rPr lang="en-US" dirty="0"/>
+              <a:t>App=visible to all users of the app</a:t>
+            </a:r>
           </a:p>
           <a:p>
             <a:pPr lvl="1"/>
             <a:r>
-              <a:rPr lang="en-US" sz="1800" dirty="0" smtClean="0"/>
+              <a:rPr lang="en-US" sz="1800" dirty="0"/>
               <a:t>“Part of” the app</a:t>
             </a:r>
           </a:p>
           <a:p>
             <a:pPr lvl="1"/>
             <a:r>
-              <a:rPr lang="en-US" sz="1800" dirty="0" smtClean="0"/>
-              <a:t>Stored </a:t>
-            </a:r>
-            <a:r>
               <a:rPr lang="en-US" sz="1800" dirty="0"/>
-              <a:t>in </a:t>
+              <a:t>Stored in </a:t>
             </a:r>
             <a:r>
               <a:rPr lang="en-US" sz="1800" dirty="0">
                 <a:latin typeface="Courier"/>
                 <a:hlinkClick r:id="rId3" action="ppaction://hlinkfile"/>
               </a:rPr>
-              <a:t>$</a:t>
-            </a:r>
-            <a:r>
-              <a:rPr lang="en-US" sz="1800" dirty="0" smtClean="0">
-                <a:latin typeface="Courier"/>
-                <a:hlinkClick r:id="rId3" action="ppaction://hlinkfile"/>
-              </a:rPr>
-              <a:t>SPLUNK_HOME\</a:t>
-            </a:r>
-            <a:r>
-              <a:rPr lang="en-US" sz="1800" dirty="0" err="1" smtClean="0">
+              <a:t>$SPLUNK_HOME\</a:t>
+            </a:r>
+            <a:r>
+              <a:rPr lang="en-US" sz="1800" dirty="0" err="1">
                 <a:latin typeface="Courier"/>
                 <a:hlinkClick r:id="rId3" action="ppaction://hlinkfile"/>
               </a:rPr>
               <a:t>etc</a:t>
             </a:r>
             <a:r>
-              <a:rPr lang="en-US" sz="1800" dirty="0" smtClean="0">
+              <a:rPr lang="en-US" sz="1800" dirty="0">
                 <a:latin typeface="Courier"/>
                 <a:hlinkClick r:id="rId3" action="ppaction://hlinkfile"/>
               </a:rPr>
               <a:t>\apps</a:t>
             </a:r>
             <a:r>
-              <a:rPr lang="en-US" sz="1800" dirty="0" smtClean="0">
+              <a:rPr lang="en-US" sz="1800" dirty="0">
                 <a:latin typeface="Courier"/>
               </a:rPr>
               <a:t>\&lt;</a:t>
@@ -10967,17 +10617,8 @@
               <a:rPr lang="en-US" sz="1800" dirty="0">
                 <a:latin typeface="Courier"/>
               </a:rPr>
-              <a:t>&gt;\</a:t>
-            </a:r>
-            <a:r>
-              <a:rPr lang="en-US" sz="1800" dirty="0" smtClean="0">
-                <a:latin typeface="Courier"/>
-              </a:rPr>
-              <a:t>local\</a:t>
-            </a:r>
-            <a:endParaRPr lang="en-US" sz="1800" dirty="0">
-              <a:latin typeface="Courier"/>
-            </a:endParaRPr>
+              <a:t>&gt;\local\</a:t>
+            </a:r>
           </a:p>
           <a:p>
             <a:endParaRPr lang="en-US" dirty="0"/>
@@ -11109,13 +10750,6 @@
   <p:clrMapOvr>
     <a:masterClrMapping/>
   </p:clrMapOvr>
-  <p:timing>
-    <p:tnLst>
-      <p:par>
-        <p:cTn id="1" dur="indefinite" restart="never" nodeType="tmRoot"/>
-      </p:par>
-    </p:tnLst>
-  </p:timing>
 </p:sld>
 </file>
 
@@ -11152,10 +10786,9 @@
           <a:lstStyle/>
           <a:p>
             <a:r>
-              <a:rPr lang="en-US" dirty="0" smtClean="0"/>
+              <a:rPr lang="en-US" dirty="0"/>
               <a:t>Customizing Dashboards</a:t>
             </a:r>
-            <a:endParaRPr lang="en-US" dirty="0"/>
           </a:p>
         </p:txBody>
       </p:sp>
@@ -11175,16 +10808,15 @@
           <a:lstStyle/>
           <a:p>
             <a:r>
-              <a:rPr lang="en-US" dirty="0" smtClean="0"/>
+              <a:rPr lang="en-US" dirty="0"/>
               <a:t>In the UI using the integrated editor</a:t>
             </a:r>
           </a:p>
           <a:p>
             <a:r>
-              <a:rPr lang="en-US" dirty="0" smtClean="0"/>
+              <a:rPr lang="en-US" dirty="0"/>
               <a:t>By directly modifying the Simple XML</a:t>
             </a:r>
-            <a:endParaRPr lang="en-US" dirty="0"/>
           </a:p>
         </p:txBody>
       </p:sp>
@@ -11222,13 +10854,6 @@
   <p:clrMapOvr>
     <a:masterClrMapping/>
   </p:clrMapOvr>
-  <p:timing>
-    <p:tnLst>
-      <p:par>
-        <p:cTn id="1" dur="indefinite" restart="never" nodeType="tmRoot"/>
-      </p:par>
-    </p:tnLst>
-  </p:timing>
 </p:sld>
 </file>
 
@@ -11317,29 +10942,25 @@
           <a:p>
             <a:r>
               <a:rPr lang="en-US" dirty="0"/>
-              <a:t>Improving Your Splunk </a:t>
-            </a:r>
-            <a:r>
-              <a:rPr lang="en-US" dirty="0" smtClean="0"/>
-              <a:t>Skills</a:t>
+              <a:t>Improving Your Splunk Skills</a:t>
             </a:r>
           </a:p>
           <a:p>
             <a:pPr lvl="1"/>
             <a:r>
-              <a:rPr lang="en-US" dirty="0" smtClean="0"/>
+              <a:rPr lang="en-US" dirty="0"/>
               <a:t>Contains selected material from </a:t>
             </a:r>
             <a:r>
-              <a:rPr lang="en-US" i="1" dirty="0" smtClean="0"/>
+              <a:rPr lang="en-US" i="1" dirty="0"/>
               <a:t>Implementing Splunk 7</a:t>
             </a:r>
             <a:r>
-              <a:rPr lang="en-US" dirty="0" smtClean="0"/>
+              <a:rPr lang="en-US" dirty="0"/>
               <a:t> and </a:t>
             </a:r>
             <a:r>
-              <a:rPr lang="en-US" i="1" dirty="0" smtClean="0"/>
+              <a:rPr lang="en-US" i="1" dirty="0"/>
               <a:t>Splunk Operational Intelligence Cookbook</a:t>
             </a:r>
             <a:endParaRPr lang="en-US" dirty="0"/>
@@ -11435,13 +11056,6 @@
   <p:clrMapOvr>
     <a:masterClrMapping/>
   </p:clrMapOvr>
-  <p:timing>
-    <p:tnLst>
-      <p:par>
-        <p:cTn id="1" dur="indefinite" restart="never" nodeType="tmRoot"/>
-      </p:par>
-    </p:tnLst>
-  </p:timing>
 </p:sld>
 </file>
 
@@ -11478,10 +11092,9 @@
           <a:lstStyle/>
           <a:p>
             <a:r>
-              <a:rPr lang="en-US" dirty="0" smtClean="0"/>
+              <a:rPr lang="en-US" dirty="0"/>
               <a:t>Dynamic Drilldown</a:t>
             </a:r>
-            <a:endParaRPr lang="en-US" dirty="0"/>
           </a:p>
         </p:txBody>
       </p:sp>
@@ -11501,16 +11114,15 @@
           <a:lstStyle/>
           <a:p>
             <a:r>
-              <a:rPr lang="en-US" dirty="0" smtClean="0"/>
+              <a:rPr lang="en-US" dirty="0"/>
               <a:t>Run a search when a row or cell is clicked</a:t>
             </a:r>
           </a:p>
           <a:p>
             <a:r>
-              <a:rPr lang="en-US" dirty="0" smtClean="0"/>
+              <a:rPr lang="en-US" dirty="0"/>
               <a:t>Enable from UI or XML</a:t>
             </a:r>
-            <a:endParaRPr lang="en-US" dirty="0"/>
           </a:p>
         </p:txBody>
       </p:sp>
@@ -11633,13 +11245,6 @@
   <p:clrMapOvr>
     <a:masterClrMapping/>
   </p:clrMapOvr>
-  <p:timing>
-    <p:tnLst>
-      <p:par>
-        <p:cTn id="1" dur="indefinite" restart="never" nodeType="tmRoot"/>
-      </p:par>
-    </p:tnLst>
-  </p:timing>
 </p:sld>
 </file>
 
@@ -11676,10 +11281,9 @@
           <a:lstStyle/>
           <a:p>
             <a:r>
-              <a:rPr lang="en-US" dirty="0" smtClean="0"/>
+              <a:rPr lang="en-US" dirty="0"/>
               <a:t>Adding a form to your dashboard</a:t>
             </a:r>
-            <a:endParaRPr lang="en-US" dirty="0"/>
           </a:p>
         </p:txBody>
       </p:sp>
@@ -11704,16 +11308,15 @@
           <a:lstStyle/>
           <a:p>
             <a:r>
-              <a:rPr lang="en-US" dirty="0" smtClean="0"/>
+              <a:rPr lang="en-US" dirty="0"/>
               <a:t>Add controls</a:t>
             </a:r>
           </a:p>
           <a:p>
             <a:r>
-              <a:rPr lang="en-US" dirty="0" smtClean="0"/>
+              <a:rPr lang="en-US" dirty="0"/>
               <a:t>Modify search to include tokens</a:t>
             </a:r>
-            <a:endParaRPr lang="en-US" dirty="0"/>
           </a:p>
         </p:txBody>
       </p:sp>
@@ -11775,13 +11378,6 @@
   <p:clrMapOvr>
     <a:masterClrMapping/>
   </p:clrMapOvr>
-  <p:timing>
-    <p:tnLst>
-      <p:par>
-        <p:cTn id="1" dur="indefinite" restart="never" nodeType="tmRoot"/>
-      </p:par>
-    </p:tnLst>
-  </p:timing>
 </p:sld>
 </file>
 
@@ -11818,10 +11414,9 @@
           <a:lstStyle/>
           <a:p>
             <a:r>
-              <a:rPr lang="en-US" dirty="0" smtClean="0"/>
+              <a:rPr lang="en-US" dirty="0"/>
               <a:t>Adding geographical maps</a:t>
             </a:r>
-            <a:endParaRPr lang="en-US" dirty="0"/>
           </a:p>
         </p:txBody>
       </p:sp>
@@ -11878,21 +11473,6 @@
   <p:clrMapOvr>
     <a:masterClrMapping/>
   </p:clrMapOvr>
-  <mc:AlternateContent xmlns:mc="http://schemas.openxmlformats.org/markup-compatibility/2006" xmlns:p14="http://schemas.microsoft.com/office/powerpoint/2010/main">
-    <mc:Choice Requires="p14">
-      <p:transition p14:dur="0"/>
-    </mc:Choice>
-    <mc:Fallback xmlns="">
-      <p:transition/>
-    </mc:Fallback>
-  </mc:AlternateContent>
-  <p:timing>
-    <p:tnLst>
-      <p:par>
-        <p:cTn id="1" dur="indefinite" restart="never" nodeType="tmRoot"/>
-      </p:par>
-    </p:tnLst>
-  </p:timing>
 </p:sld>
 </file>
 
@@ -11929,10 +11509,9 @@
           <a:lstStyle/>
           <a:p>
             <a:r>
-              <a:rPr lang="en-US" dirty="0" smtClean="0"/>
+              <a:rPr lang="en-US" dirty="0"/>
               <a:t>Adding geographical maps</a:t>
             </a:r>
-            <a:endParaRPr lang="en-US" dirty="0"/>
           </a:p>
         </p:txBody>
       </p:sp>
@@ -11957,57 +11536,56 @@
           <a:lstStyle/>
           <a:p>
             <a:r>
-              <a:rPr lang="en-US" dirty="0" err="1" smtClean="0"/>
+              <a:rPr lang="en-US" dirty="0" err="1"/>
               <a:t>iplocation</a:t>
             </a:r>
             <a:r>
-              <a:rPr lang="en-US" dirty="0" smtClean="0"/>
+              <a:rPr lang="en-US" dirty="0"/>
               <a:t> – look up location information</a:t>
             </a:r>
           </a:p>
           <a:p>
             <a:pPr lvl="1"/>
             <a:r>
-              <a:rPr lang="en-US" dirty="0" smtClean="0"/>
+              <a:rPr lang="en-US" dirty="0"/>
               <a:t>City, country, metro code, region, time zone, latitude, longitude</a:t>
             </a:r>
           </a:p>
           <a:p>
             <a:r>
-              <a:rPr lang="en-US" dirty="0" err="1" smtClean="0"/>
+              <a:rPr lang="en-US" dirty="0" err="1"/>
               <a:t>geostats</a:t>
             </a:r>
             <a:r>
-              <a:rPr lang="en-US" dirty="0" smtClean="0"/>
+              <a:rPr lang="en-US" dirty="0"/>
               <a:t> – generates statistics for rendering maps, e.g., “count of occurrences in geographical area”</a:t>
             </a:r>
           </a:p>
           <a:p>
             <a:r>
-              <a:rPr lang="en-US" dirty="0" err="1" smtClean="0"/>
+              <a:rPr lang="en-US" dirty="0" err="1"/>
               <a:t>geom</a:t>
             </a:r>
             <a:r>
-              <a:rPr lang="en-US" dirty="0" smtClean="0"/>
+              <a:rPr lang="en-US" dirty="0"/>
               <a:t> – adds a “</a:t>
             </a:r>
             <a:r>
-              <a:rPr lang="en-US" dirty="0" err="1" smtClean="0"/>
+              <a:rPr lang="en-US" dirty="0" err="1"/>
               <a:t>geom</a:t>
             </a:r>
             <a:r>
-              <a:rPr lang="en-US" dirty="0" smtClean="0"/>
+              <a:rPr lang="en-US" dirty="0"/>
               <a:t>” field containing polygons to be used by </a:t>
             </a:r>
             <a:r>
-              <a:rPr lang="en-US" dirty="0" err="1" smtClean="0"/>
+              <a:rPr lang="en-US" dirty="0" err="1"/>
               <a:t>chloropleth</a:t>
             </a:r>
             <a:r>
-              <a:rPr lang="en-US" dirty="0" smtClean="0"/>
+              <a:rPr lang="en-US" dirty="0"/>
               <a:t> maps</a:t>
             </a:r>
-            <a:endParaRPr lang="en-US" dirty="0"/>
           </a:p>
         </p:txBody>
       </p:sp>
@@ -12057,13 +11635,6 @@
       </p:transition>
     </mc:Fallback>
   </mc:AlternateContent>
-  <p:timing>
-    <p:tnLst>
-      <p:par>
-        <p:cTn id="1" dur="indefinite" restart="never" nodeType="tmRoot"/>
-      </p:par>
-    </p:tnLst>
-  </p:timing>
 </p:sld>
 </file>
 
@@ -12100,14 +11671,13 @@
           <a:lstStyle/>
           <a:p>
             <a:r>
-              <a:rPr lang="en-US" dirty="0" err="1" smtClean="0"/>
+              <a:rPr lang="en-US" dirty="0" err="1"/>
               <a:t>Chloropleth</a:t>
             </a:r>
             <a:r>
-              <a:rPr lang="en-US" dirty="0" smtClean="0"/>
+              <a:rPr lang="en-US" dirty="0"/>
               <a:t> maps</a:t>
             </a:r>
-            <a:endParaRPr lang="en-US" dirty="0"/>
           </a:p>
         </p:txBody>
       </p:sp>
@@ -12132,36 +11702,35 @@
           <a:lstStyle/>
           <a:p>
             <a:r>
-              <a:rPr lang="en-US" dirty="0" smtClean="0"/>
+              <a:rPr lang="en-US" dirty="0"/>
               <a:t>Show regions with color density</a:t>
             </a:r>
           </a:p>
           <a:p>
             <a:r>
-              <a:rPr lang="en-US" dirty="0" err="1" smtClean="0"/>
+              <a:rPr lang="en-US" dirty="0" err="1"/>
               <a:t>geom</a:t>
             </a:r>
             <a:r>
-              <a:rPr lang="en-US" dirty="0" smtClean="0"/>
+              <a:rPr lang="en-US" dirty="0"/>
               <a:t> – adds a “</a:t>
             </a:r>
             <a:r>
-              <a:rPr lang="en-US" dirty="0" err="1" smtClean="0"/>
+              <a:rPr lang="en-US" dirty="0" err="1"/>
               <a:t>geom</a:t>
             </a:r>
             <a:r>
-              <a:rPr lang="en-US" dirty="0" smtClean="0"/>
+              <a:rPr lang="en-US" dirty="0"/>
               <a:t>” field containing polygons to be used by </a:t>
             </a:r>
             <a:r>
-              <a:rPr lang="en-US" dirty="0" err="1" smtClean="0"/>
+              <a:rPr lang="en-US" dirty="0" err="1"/>
               <a:t>chloropleth</a:t>
             </a:r>
             <a:r>
-              <a:rPr lang="en-US" dirty="0" smtClean="0"/>
+              <a:rPr lang="en-US" dirty="0"/>
               <a:t> maps</a:t>
             </a:r>
-            <a:endParaRPr lang="en-US" dirty="0"/>
           </a:p>
         </p:txBody>
       </p:sp>
@@ -12248,13 +11817,6 @@
       </p:transition>
     </mc:Fallback>
   </mc:AlternateContent>
-  <p:timing>
-    <p:tnLst>
-      <p:par>
-        <p:cTn id="1" dur="indefinite" restart="never" nodeType="tmRoot"/>
-      </p:par>
-    </p:tnLst>
-  </p:timing>
 </p:sld>
 </file>
 
@@ -12291,10 +11853,9 @@
           <a:lstStyle/>
           <a:p>
             <a:r>
-              <a:rPr lang="en-US" dirty="0" smtClean="0"/>
+              <a:rPr lang="en-US" dirty="0"/>
               <a:t>Highlighting Data by Range</a:t>
             </a:r>
-            <a:endParaRPr lang="en-US" dirty="0"/>
           </a:p>
         </p:txBody>
       </p:sp>
@@ -12380,13 +11941,6 @@
   <p:clrMapOvr>
     <a:masterClrMapping/>
   </p:clrMapOvr>
-  <p:timing>
-    <p:tnLst>
-      <p:par>
-        <p:cTn id="1" dur="indefinite" restart="never" nodeType="tmRoot"/>
-      </p:par>
-    </p:tnLst>
-  </p:timing>
 </p:sld>
 </file>
 
@@ -12423,10 +11977,9 @@
           <a:lstStyle/>
           <a:p>
             <a:r>
-              <a:rPr lang="en-US" dirty="0" smtClean="0"/>
+              <a:rPr lang="en-US" dirty="0"/>
               <a:t>Scheduling PDF Delivery</a:t>
             </a:r>
-            <a:endParaRPr lang="en-US" dirty="0"/>
           </a:p>
         </p:txBody>
       </p:sp>
@@ -12451,11 +12004,11 @@
           <a:lstStyle/>
           <a:p>
             <a:r>
-              <a:rPr lang="en-US" dirty="0" smtClean="0"/>
+              <a:rPr lang="en-US" dirty="0"/>
               <a:t>Export </a:t>
             </a:r>
             <a:r>
-              <a:rPr lang="en-US" dirty="0" smtClean="0">
+              <a:rPr lang="en-US" dirty="0">
                 <a:sym typeface="Wingdings" panose="05000000000000000000" pitchFamily="2" charset="2"/>
               </a:rPr>
               <a:t> Schedule PDF Delivery</a:t>
@@ -12463,7 +12016,7 @@
           </a:p>
           <a:p>
             <a:r>
-              <a:rPr lang="en-US" dirty="0" smtClean="0">
+              <a:rPr lang="en-US" dirty="0">
                 <a:sym typeface="Wingdings" panose="05000000000000000000" pitchFamily="2" charset="2"/>
               </a:rPr>
               <a:t>Populate form fields</a:t>
@@ -12471,7 +12024,7 @@
           </a:p>
           <a:p>
             <a:r>
-              <a:rPr lang="en-US" dirty="0" smtClean="0">
+              <a:rPr lang="en-US" dirty="0">
                 <a:sym typeface="Wingdings" panose="05000000000000000000" pitchFamily="2" charset="2"/>
               </a:rPr>
               <a:t>Requires valid SMTP server configuration</a:t>
@@ -12538,13 +12091,6 @@
   <p:clrMapOvr>
     <a:masterClrMapping/>
   </p:clrMapOvr>
-  <p:timing>
-    <p:tnLst>
-      <p:par>
-        <p:cTn id="1" dur="indefinite" restart="never" nodeType="tmRoot"/>
-      </p:par>
-    </p:tnLst>
-  </p:timing>
 </p:sld>
 </file>
 
@@ -12586,10 +12132,9 @@
           <a:lstStyle/>
           <a:p>
             <a:r>
-              <a:rPr lang="en-US" dirty="0" smtClean="0"/>
+              <a:rPr lang="en-US" dirty="0"/>
               <a:t>Lab 3: Building an Operational Intelligence Application</a:t>
             </a:r>
-            <a:endParaRPr lang="en-US" dirty="0"/>
           </a:p>
         </p:txBody>
       </p:sp>
@@ -12686,10 +12231,9 @@
           <a:lstStyle/>
           <a:p>
             <a:r>
-              <a:rPr lang="en-US" dirty="0" smtClean="0"/>
+              <a:rPr lang="en-US" dirty="0"/>
               <a:t>Duration: 75 minutes</a:t>
             </a:r>
-            <a:endParaRPr lang="en-US" dirty="0"/>
           </a:p>
         </p:txBody>
       </p:sp>
@@ -12808,10 +12352,9 @@
           <a:lstStyle/>
           <a:p>
             <a:r>
-              <a:rPr lang="en-US" dirty="0" smtClean="0"/>
+              <a:rPr lang="en-US" dirty="0"/>
               <a:t>Module 4: Advanced Search</a:t>
             </a:r>
-            <a:endParaRPr lang="en-US" dirty="0"/>
           </a:p>
         </p:txBody>
       </p:sp>
@@ -12825,13 +12368,6 @@
   <p:clrMapOvr>
     <a:masterClrMapping/>
   </p:clrMapOvr>
-  <p:timing>
-    <p:tnLst>
-      <p:par>
-        <p:cTn id="1" dur="indefinite" restart="never" nodeType="tmRoot"/>
-      </p:par>
-    </p:tnLst>
-  </p:timing>
 </p:sld>
 </file>
 
@@ -12868,65 +12404,64 @@
           <a:lstStyle/>
           <a:p>
             <a:r>
-              <a:rPr lang="en-US" dirty="0" smtClean="0"/>
+              <a:rPr lang="en-US" dirty="0"/>
               <a:t>The </a:t>
             </a:r>
             <a:r>
-              <a:rPr lang="en-US" dirty="0" smtClean="0">
+              <a:rPr lang="en-US" dirty="0">
                 <a:latin typeface="Courier"/>
               </a:rPr>
               <a:t>search</a:t>
             </a:r>
             <a:r>
-              <a:rPr lang="en-US" dirty="0" smtClean="0"/>
+              <a:rPr lang="en-US" dirty="0"/>
               <a:t> command</a:t>
             </a:r>
+          </a:p>
+        </p:txBody>
+      </p:sp>
+      <p:sp>
+        <p:nvSpPr>
+          <p:cNvPr id="3" name="Text Placeholder 2"/>
+          <p:cNvSpPr>
+            <a:spLocks noGrp="1"/>
+          </p:cNvSpPr>
+          <p:nvPr>
+            <p:ph type="body" sz="quarter" idx="10"/>
+          </p:nvPr>
+        </p:nvSpPr>
+        <p:spPr/>
+        <p:txBody>
+          <a:bodyPr/>
+          <a:lstStyle/>
+          <a:p>
+            <a:r>
+              <a:rPr lang="en-US" dirty="0"/>
+              <a:t>Implied at the beginning of a search, generative</a:t>
+            </a:r>
+          </a:p>
+          <a:p>
+            <a:pPr lvl="1"/>
+            <a:r>
+              <a:rPr lang="en-US" dirty="0"/>
+              <a:t>Also used in </a:t>
+            </a:r>
+            <a:r>
+              <a:rPr lang="en-US" dirty="0" err="1"/>
+              <a:t>subsearches</a:t>
+            </a:r>
             <a:endParaRPr lang="en-US" dirty="0"/>
           </a:p>
-        </p:txBody>
-      </p:sp>
-      <p:sp>
-        <p:nvSpPr>
-          <p:cNvPr id="3" name="Text Placeholder 2"/>
-          <p:cNvSpPr>
-            <a:spLocks noGrp="1"/>
-          </p:cNvSpPr>
-          <p:nvPr>
-            <p:ph type="body" sz="quarter" idx="10"/>
-          </p:nvPr>
-        </p:nvSpPr>
-        <p:spPr/>
-        <p:txBody>
-          <a:bodyPr/>
-          <a:lstStyle/>
-          <a:p>
-            <a:r>
-              <a:rPr lang="en-US" dirty="0" smtClean="0"/>
-              <a:t>Implied at the beginning of a search, generative</a:t>
+          <a:p>
+            <a:r>
+              <a:rPr lang="en-US" dirty="0"/>
+              <a:t>In the pipeline adds an inline filter, streaming</a:t>
             </a:r>
           </a:p>
           <a:p>
             <a:pPr lvl="1"/>
             <a:r>
-              <a:rPr lang="en-US" dirty="0" smtClean="0"/>
-              <a:t>Also used in </a:t>
-            </a:r>
-            <a:r>
-              <a:rPr lang="en-US" dirty="0" err="1" smtClean="0"/>
-              <a:t>subsearches</a:t>
-            </a:r>
-            <a:endParaRPr lang="en-US" dirty="0" smtClean="0"/>
-          </a:p>
-          <a:p>
-            <a:r>
-              <a:rPr lang="en-US" dirty="0" smtClean="0"/>
-              <a:t>In the pipeline adds an inline filter, streaming</a:t>
-            </a:r>
-          </a:p>
-          <a:p>
-            <a:pPr lvl="1"/>
-            <a:r>
-              <a:rPr lang="en-US" dirty="0" smtClean="0"/>
+              <a:rPr lang="en-US" dirty="0"/>
               <a:t>Allows for inline SPL semantics</a:t>
             </a:r>
           </a:p>
@@ -12966,13 +12501,6 @@
   <p:clrMapOvr>
     <a:masterClrMapping/>
   </p:clrMapOvr>
-  <p:timing>
-    <p:tnLst>
-      <p:par>
-        <p:cTn id="1" dur="indefinite" restart="never" nodeType="tmRoot"/>
-      </p:par>
-    </p:tnLst>
-  </p:timing>
 </p:sld>
 </file>
 
@@ -13062,11 +12590,11 @@
           <a:p>
             <a:pPr lvl="1"/>
             <a:r>
-              <a:rPr lang="en-US" dirty="0" smtClean="0"/>
+              <a:rPr lang="en-US" dirty="0"/>
               <a:t>Machine username: </a:t>
             </a:r>
             <a:r>
-              <a:rPr lang="en-US" dirty="0" smtClean="0">
+              <a:rPr lang="en-US" dirty="0">
                 <a:latin typeface="Courier"/>
               </a:rPr>
               <a:t>student</a:t>
@@ -13075,11 +12603,11 @@
           <a:p>
             <a:pPr lvl="1"/>
             <a:r>
-              <a:rPr lang="en-US" dirty="0" smtClean="0"/>
+              <a:rPr lang="en-US" dirty="0"/>
               <a:t>Machine password: </a:t>
             </a:r>
             <a:r>
-              <a:rPr lang="en-US" dirty="0" smtClean="0">
+              <a:rPr lang="en-US" dirty="0">
                 <a:latin typeface="Courier"/>
               </a:rPr>
               <a:t>Pa55w.rd</a:t>
@@ -13088,26 +12616,18 @@
           <a:p>
             <a:pPr lvl="1"/>
             <a:r>
-              <a:rPr lang="en-US" dirty="0" smtClean="0"/>
-              <a:t>Splunk </a:t>
-            </a:r>
-            <a:r>
-              <a:rPr lang="en-US" dirty="0"/>
-              <a:t>8.01, Python 2 (for compatibility w/book files</a:t>
-            </a:r>
-            <a:r>
-              <a:rPr lang="en-US" dirty="0" smtClean="0"/>
-              <a:t>)</a:t>
+              <a:rPr lang="en-US" dirty="0"/>
+              <a:t>Splunk 8.01, Python 2 (for compatibility w/book files)</a:t>
             </a:r>
           </a:p>
           <a:p>
             <a:pPr lvl="2"/>
             <a:r>
-              <a:rPr lang="en-US" dirty="0" smtClean="0"/>
+              <a:rPr lang="en-US" dirty="0"/>
               <a:t>Splunk username: </a:t>
             </a:r>
             <a:r>
-              <a:rPr lang="en-US" dirty="0" smtClean="0">
+              <a:rPr lang="en-US" dirty="0">
                 <a:latin typeface="Courier"/>
               </a:rPr>
               <a:t>admin</a:t>
@@ -13116,11 +12636,11 @@
           <a:p>
             <a:pPr lvl="2"/>
             <a:r>
-              <a:rPr lang="en-US" dirty="0" smtClean="0"/>
+              <a:rPr lang="en-US" dirty="0"/>
               <a:t>Splunk password: </a:t>
             </a:r>
             <a:r>
-              <a:rPr lang="en-US" dirty="0" smtClean="0">
+              <a:rPr lang="en-US" dirty="0">
                 <a:latin typeface="Courier"/>
               </a:rPr>
               <a:t>password</a:t>
@@ -13130,27 +12650,22 @@
           <a:p>
             <a:r>
               <a:rPr lang="en-US" dirty="0"/>
-              <a:t>Course </a:t>
-            </a:r>
-            <a:r>
-              <a:rPr lang="en-US" dirty="0" smtClean="0"/>
-              <a:t>Files:</a:t>
+              <a:t>Course Files:</a:t>
             </a:r>
           </a:p>
           <a:p>
             <a:pPr lvl="1"/>
             <a:r>
-              <a:rPr lang="en-US" dirty="0" smtClean="0"/>
+              <a:rPr lang="en-US" dirty="0"/>
               <a:t>C:\Improving-your-Splunk-skills-master</a:t>
             </a:r>
           </a:p>
           <a:p>
             <a:pPr lvl="1"/>
             <a:r>
-              <a:rPr lang="en-US" dirty="0" smtClean="0"/>
+              <a:rPr lang="en-US" dirty="0"/>
               <a:t>C:\XSPLK2ClassFiles</a:t>
             </a:r>
-            <a:endParaRPr lang="en-US" dirty="0"/>
           </a:p>
         </p:txBody>
       </p:sp>
@@ -13164,13 +12679,6 @@
   <p:clrMapOvr>
     <a:masterClrMapping/>
   </p:clrMapOvr>
-  <p:timing>
-    <p:tnLst>
-      <p:par>
-        <p:cTn id="1" dur="indefinite" restart="never" nodeType="tmRoot"/>
-      </p:par>
-    </p:tnLst>
-  </p:timing>
 </p:sld>
 </file>
 
@@ -13207,24 +12715,23 @@
           <a:lstStyle/>
           <a:p>
             <a:r>
-              <a:rPr lang="en-US" smtClean="0"/>
+              <a:rPr lang="en-US"/>
               <a:t>The </a:t>
             </a:r>
             <a:r>
-              <a:rPr lang="en-US" smtClean="0">
+              <a:rPr lang="en-US">
                 <a:latin typeface="Courier"/>
               </a:rPr>
               <a:t>where</a:t>
             </a:r>
             <a:r>
-              <a:rPr lang="en-US" smtClean="0"/>
+              <a:rPr lang="en-US"/>
               <a:t> </a:t>
             </a:r>
             <a:r>
-              <a:rPr lang="en-US" dirty="0" smtClean="0"/>
+              <a:rPr lang="en-US" dirty="0"/>
               <a:t>command</a:t>
             </a:r>
-            <a:endParaRPr lang="en-US" dirty="0"/>
           </a:p>
         </p:txBody>
       </p:sp>
@@ -13244,19 +12751,19 @@
           <a:lstStyle/>
           <a:p>
             <a:r>
-              <a:rPr lang="en-US" dirty="0" smtClean="0"/>
+              <a:rPr lang="en-US" dirty="0"/>
               <a:t>Another way of adding an inline filter</a:t>
             </a:r>
           </a:p>
           <a:p>
             <a:r>
-              <a:rPr lang="en-US" dirty="0" smtClean="0"/>
+              <a:rPr lang="en-US" dirty="0"/>
               <a:t>SQL-like semantics</a:t>
             </a:r>
           </a:p>
           <a:p>
             <a:r>
-              <a:rPr lang="en-US" dirty="0" smtClean="0"/>
+              <a:rPr lang="en-US" dirty="0"/>
               <a:t>Case-sensitive</a:t>
             </a:r>
           </a:p>
@@ -13298,13 +12805,6 @@
   <p:clrMapOvr>
     <a:masterClrMapping/>
   </p:clrMapOvr>
-  <p:timing>
-    <p:tnLst>
-      <p:par>
-        <p:cTn id="1" dur="indefinite" restart="never" nodeType="tmRoot"/>
-      </p:par>
-    </p:tnLst>
-  </p:timing>
 </p:sld>
 </file>
 
@@ -13341,20 +12841,19 @@
           <a:lstStyle/>
           <a:p>
             <a:r>
-              <a:rPr lang="en-US" dirty="0" smtClean="0"/>
+              <a:rPr lang="en-US" dirty="0"/>
               <a:t>The </a:t>
             </a:r>
             <a:r>
-              <a:rPr lang="en-US" dirty="0" err="1" smtClean="0">
+              <a:rPr lang="en-US" dirty="0" err="1">
                 <a:latin typeface="Courier"/>
               </a:rPr>
               <a:t>eval</a:t>
             </a:r>
             <a:r>
-              <a:rPr lang="en-US" dirty="0" smtClean="0"/>
+              <a:rPr lang="en-US" dirty="0"/>
               <a:t> command</a:t>
             </a:r>
-            <a:endParaRPr lang="en-US" dirty="0"/>
           </a:p>
         </p:txBody>
       </p:sp>
@@ -13374,34 +12873,34 @@
           <a:lstStyle/>
           <a:p>
             <a:r>
-              <a:rPr lang="en-US" dirty="0" smtClean="0"/>
+              <a:rPr lang="en-US" dirty="0"/>
               <a:t>General-purpose command for</a:t>
             </a:r>
           </a:p>
           <a:p>
             <a:pPr lvl="1"/>
             <a:r>
-              <a:rPr lang="en-US" dirty="0" smtClean="0"/>
+              <a:rPr lang="en-US" dirty="0"/>
               <a:t>Performing calculations</a:t>
             </a:r>
           </a:p>
           <a:p>
             <a:pPr lvl="1"/>
             <a:r>
-              <a:rPr lang="en-US" dirty="0" smtClean="0"/>
+              <a:rPr lang="en-US" dirty="0"/>
               <a:t>Formatting, data conversion</a:t>
             </a:r>
           </a:p>
           <a:p>
             <a:pPr lvl="1"/>
             <a:r>
-              <a:rPr lang="en-US" dirty="0" smtClean="0"/>
+              <a:rPr lang="en-US" dirty="0"/>
               <a:t>Branching logic</a:t>
             </a:r>
           </a:p>
           <a:p>
             <a:r>
-              <a:rPr lang="en-US" dirty="0" smtClean="0"/>
+              <a:rPr lang="en-US" dirty="0"/>
               <a:t>Allows in-line generation of new fields</a:t>
             </a:r>
           </a:p>
@@ -13469,13 +12968,6 @@
   <p:clrMapOvr>
     <a:masterClrMapping/>
   </p:clrMapOvr>
-  <p:timing>
-    <p:tnLst>
-      <p:par>
-        <p:cTn id="1" dur="indefinite" restart="never" nodeType="tmRoot"/>
-      </p:par>
-    </p:tnLst>
-  </p:timing>
 </p:sld>
 </file>
 
@@ -13512,20 +13004,19 @@
           <a:lstStyle/>
           <a:p>
             <a:r>
-              <a:rPr lang="en-US" dirty="0" smtClean="0"/>
+              <a:rPr lang="en-US" dirty="0"/>
               <a:t>The </a:t>
             </a:r>
             <a:r>
-              <a:rPr lang="en-US" dirty="0" smtClean="0">
+              <a:rPr lang="en-US" dirty="0">
                 <a:latin typeface="Courier"/>
               </a:rPr>
               <a:t>fields</a:t>
             </a:r>
             <a:r>
-              <a:rPr lang="en-US" dirty="0" smtClean="0"/>
+              <a:rPr lang="en-US" dirty="0"/>
               <a:t> command</a:t>
             </a:r>
-            <a:endParaRPr lang="en-US" dirty="0"/>
           </a:p>
         </p:txBody>
       </p:sp>
@@ -13548,29 +13039,28 @@
               <a:rPr lang="en-US" dirty="0"/>
               <a:t>Keeps or removes fields from search results based on the field list criteria</a:t>
             </a:r>
-            <a:endParaRPr lang="en-US" dirty="0" smtClean="0"/>
           </a:p>
           <a:p>
             <a:pPr lvl="1"/>
             <a:r>
-              <a:rPr lang="en-US" dirty="0" smtClean="0">
+              <a:rPr lang="en-US" dirty="0">
                 <a:latin typeface="Courier"/>
               </a:rPr>
               <a:t>Fields [+/-] &lt;</a:t>
             </a:r>
             <a:r>
-              <a:rPr lang="en-US" dirty="0" err="1" smtClean="0">
+              <a:rPr lang="en-US" dirty="0" err="1">
                 <a:latin typeface="Courier"/>
               </a:rPr>
               <a:t>fieldlist</a:t>
             </a:r>
             <a:r>
-              <a:rPr lang="en-US" dirty="0" smtClean="0">
+              <a:rPr lang="en-US" dirty="0">
                 <a:latin typeface="Courier"/>
               </a:rPr>
               <a:t>&gt;</a:t>
             </a:r>
-            <a:endParaRPr lang="en-US" dirty="0" smtClean="0"/>
+            <a:endParaRPr lang="en-US" dirty="0"/>
           </a:p>
         </p:txBody>
       </p:sp>
@@ -13584,13 +13074,6 @@
   <p:clrMapOvr>
     <a:masterClrMapping/>
   </p:clrMapOvr>
-  <p:timing>
-    <p:tnLst>
-      <p:par>
-        <p:cTn id="1" dur="indefinite" restart="never" nodeType="tmRoot"/>
-      </p:par>
-    </p:tnLst>
-  </p:timing>
 </p:sld>
 </file>
 
@@ -13627,20 +13110,19 @@
           <a:lstStyle/>
           <a:p>
             <a:r>
-              <a:rPr lang="en-US" dirty="0" smtClean="0"/>
+              <a:rPr lang="en-US" dirty="0"/>
               <a:t>The </a:t>
             </a:r>
             <a:r>
-              <a:rPr lang="en-US" dirty="0" err="1" smtClean="0">
+              <a:rPr lang="en-US" dirty="0" err="1">
                 <a:latin typeface="Courier"/>
               </a:rPr>
               <a:t>fillnull</a:t>
             </a:r>
             <a:r>
-              <a:rPr lang="en-US" dirty="0" smtClean="0"/>
+              <a:rPr lang="en-US" dirty="0"/>
               <a:t> command</a:t>
             </a:r>
-            <a:endParaRPr lang="en-US" dirty="0"/>
           </a:p>
         </p:txBody>
       </p:sp>
@@ -13660,19 +13142,19 @@
           <a:lstStyle/>
           <a:p>
             <a:r>
-              <a:rPr lang="en-US" dirty="0" smtClean="0"/>
+              <a:rPr lang="en-US" dirty="0"/>
               <a:t>Replaces null values in fields</a:t>
             </a:r>
           </a:p>
           <a:p>
             <a:r>
-              <a:rPr lang="en-US" sz="2800" dirty="0" err="1" smtClean="0">
+              <a:rPr lang="en-US" sz="2800" dirty="0" err="1">
                 <a:latin typeface="Courier"/>
               </a:rPr>
               <a:t>fillnull</a:t>
             </a:r>
             <a:r>
-              <a:rPr lang="en-US" sz="2800" dirty="0" smtClean="0">
+              <a:rPr lang="en-US" sz="2800" dirty="0">
                 <a:latin typeface="Courier"/>
               </a:rPr>
               <a:t> value=“&lt;string&gt;” &lt;field1&gt; &lt;field2&gt; …</a:t>
@@ -13716,13 +13198,6 @@
   <p:clrMapOvr>
     <a:masterClrMapping/>
   </p:clrMapOvr>
-  <p:timing>
-    <p:tnLst>
-      <p:par>
-        <p:cTn id="1" dur="indefinite" restart="never" nodeType="tmRoot"/>
-      </p:par>
-    </p:tnLst>
-  </p:timing>
 </p:sld>
 </file>
 
@@ -13759,17 +13234,17 @@
           <a:lstStyle/>
           <a:p>
             <a:r>
-              <a:rPr lang="en-US" dirty="0" smtClean="0"/>
+              <a:rPr lang="en-US" dirty="0"/>
               <a:t>The </a:t>
             </a:r>
             <a:r>
-              <a:rPr lang="en-US" dirty="0" smtClean="0">
+              <a:rPr lang="en-US" dirty="0">
                 <a:latin typeface="Courier"/>
               </a:rPr>
               <a:t>transaction</a:t>
             </a:r>
             <a:r>
-              <a:rPr lang="en-US" dirty="0" smtClean="0"/>
+              <a:rPr lang="en-US" dirty="0"/>
               <a:t> and </a:t>
             </a:r>
             <a:r>
@@ -13779,10 +13254,9 @@
               <a:t>stats</a:t>
             </a:r>
             <a:r>
-              <a:rPr lang="en-US" dirty="0" smtClean="0"/>
+              <a:rPr lang="en-US" dirty="0"/>
               <a:t> commands</a:t>
             </a:r>
-            <a:endParaRPr lang="en-US" dirty="0"/>
           </a:p>
         </p:txBody>
       </p:sp>
@@ -13802,20 +13276,20 @@
           <a:lstStyle/>
           <a:p>
             <a:r>
-              <a:rPr lang="en-US" dirty="0" smtClean="0">
+              <a:rPr lang="en-US" dirty="0">
                 <a:latin typeface="Courier"/>
               </a:rPr>
               <a:t>transaction</a:t>
             </a:r>
             <a:r>
-              <a:rPr lang="en-US" dirty="0" smtClean="0"/>
+              <a:rPr lang="en-US" dirty="0"/>
               <a:t> – group events based on attribute</a:t>
             </a:r>
           </a:p>
           <a:p>
             <a:pPr lvl="1"/>
             <a:r>
-              <a:rPr lang="en-US" dirty="0" smtClean="0"/>
+              <a:rPr lang="en-US" dirty="0"/>
               <a:t>Adds a “duration” field = time between first and last events</a:t>
             </a:r>
           </a:p>
@@ -13827,17 +13301,16 @@
               <a:t>stats</a:t>
             </a:r>
             <a:r>
-              <a:rPr lang="en-US" dirty="0" smtClean="0"/>
+              <a:rPr lang="en-US" dirty="0"/>
               <a:t> – aggregates values</a:t>
             </a:r>
           </a:p>
           <a:p>
             <a:pPr lvl="1"/>
             <a:r>
-              <a:rPr lang="en-US" dirty="0" smtClean="0"/>
+              <a:rPr lang="en-US" dirty="0"/>
               <a:t>SUM(), AVG(), MIN(), MAX(), COUNT(), etc…</a:t>
             </a:r>
-            <a:endParaRPr lang="en-US" dirty="0"/>
           </a:p>
         </p:txBody>
       </p:sp>
@@ -13877,13 +13350,6 @@
   <p:clrMapOvr>
     <a:masterClrMapping/>
   </p:clrMapOvr>
-  <p:timing>
-    <p:tnLst>
-      <p:par>
-        <p:cTn id="1" dur="indefinite" restart="never" nodeType="tmRoot"/>
-      </p:par>
-    </p:tnLst>
-  </p:timing>
 </p:sld>
 </file>
 
@@ -13920,16 +13386,15 @@
           <a:lstStyle/>
           <a:p>
             <a:r>
-              <a:rPr lang="en-US" dirty="0" smtClean="0">
+              <a:rPr lang="en-US" dirty="0">
                 <a:latin typeface="Courier"/>
               </a:rPr>
               <a:t>transaction</a:t>
             </a:r>
             <a:r>
-              <a:rPr lang="en-US" dirty="0" smtClean="0"/>
+              <a:rPr lang="en-US" dirty="0"/>
               <a:t> parameters</a:t>
             </a:r>
-            <a:endParaRPr lang="en-US" dirty="0"/>
           </a:p>
         </p:txBody>
       </p:sp>
@@ -13949,14 +13414,13 @@
           <a:lstStyle/>
           <a:p>
             <a:r>
-              <a:rPr lang="en-US" dirty="0" err="1" smtClean="0"/>
+              <a:rPr lang="en-US" dirty="0" err="1"/>
               <a:t>startswith,endswith</a:t>
             </a:r>
             <a:r>
-              <a:rPr lang="en-US" dirty="0" smtClean="0"/>
+              <a:rPr lang="en-US" dirty="0"/>
               <a:t> – define transaction boundaries</a:t>
             </a:r>
-            <a:endParaRPr lang="en-US" dirty="0"/>
           </a:p>
         </p:txBody>
       </p:sp>
@@ -13996,13 +13460,6 @@
   <p:clrMapOvr>
     <a:masterClrMapping/>
   </p:clrMapOvr>
-  <p:timing>
-    <p:tnLst>
-      <p:par>
-        <p:cTn id="1" dur="indefinite" restart="never" nodeType="tmRoot"/>
-      </p:par>
-    </p:tnLst>
-  </p:timing>
 </p:sld>
 </file>
 
@@ -14039,16 +13496,15 @@
           <a:lstStyle/>
           <a:p>
             <a:r>
-              <a:rPr lang="en-US" dirty="0" smtClean="0">
+              <a:rPr lang="en-US" dirty="0">
                 <a:latin typeface="Courier"/>
               </a:rPr>
               <a:t>transaction</a:t>
             </a:r>
             <a:r>
-              <a:rPr lang="en-US" dirty="0" smtClean="0"/>
+              <a:rPr lang="en-US" dirty="0"/>
               <a:t> parameters</a:t>
             </a:r>
-            <a:endParaRPr lang="en-US" dirty="0"/>
           </a:p>
         </p:txBody>
       </p:sp>
@@ -14068,34 +13524,33 @@
           <a:lstStyle/>
           <a:p>
             <a:r>
-              <a:rPr lang="en-US" dirty="0" err="1" smtClean="0"/>
+              <a:rPr lang="en-US" dirty="0" err="1"/>
               <a:t>maxpause</a:t>
             </a:r>
             <a:r>
-              <a:rPr lang="en-US" dirty="0" smtClean="0"/>
+              <a:rPr lang="en-US" dirty="0"/>
               <a:t> – limit pause between events for grouping</a:t>
             </a:r>
           </a:p>
           <a:p>
             <a:r>
-              <a:rPr lang="en-US" dirty="0" err="1" smtClean="0"/>
+              <a:rPr lang="en-US" dirty="0" err="1"/>
               <a:t>maxspan</a:t>
             </a:r>
             <a:r>
-              <a:rPr lang="en-US" dirty="0" smtClean="0"/>
+              <a:rPr lang="en-US" dirty="0"/>
               <a:t> – limit transaction duration</a:t>
             </a:r>
           </a:p>
           <a:p>
             <a:r>
-              <a:rPr lang="en-US" dirty="0" err="1" smtClean="0"/>
+              <a:rPr lang="en-US" dirty="0" err="1"/>
               <a:t>maxevents</a:t>
             </a:r>
             <a:r>
-              <a:rPr lang="en-US" dirty="0" smtClean="0"/>
+              <a:rPr lang="en-US" dirty="0"/>
               <a:t> – limit total # of events per transaction</a:t>
             </a:r>
-            <a:endParaRPr lang="en-US" dirty="0"/>
           </a:p>
         </p:txBody>
       </p:sp>
@@ -14135,13 +13590,6 @@
   <p:clrMapOvr>
     <a:masterClrMapping/>
   </p:clrMapOvr>
-  <p:timing>
-    <p:tnLst>
-      <p:par>
-        <p:cTn id="1" dur="indefinite" restart="never" nodeType="tmRoot"/>
-      </p:par>
-    </p:tnLst>
-  </p:timing>
 </p:sld>
 </file>
 
@@ -14178,60 +13626,58 @@
           <a:lstStyle/>
           <a:p>
             <a:r>
-              <a:rPr lang="en-US" dirty="0" smtClean="0"/>
+              <a:rPr lang="en-US" dirty="0"/>
               <a:t>The </a:t>
             </a:r>
             <a:r>
-              <a:rPr lang="en-US" dirty="0" smtClean="0">
+              <a:rPr lang="en-US" dirty="0">
                 <a:latin typeface="Courier"/>
               </a:rPr>
               <a:t>join</a:t>
             </a:r>
             <a:r>
-              <a:rPr lang="en-US" dirty="0" smtClean="0"/>
+              <a:rPr lang="en-US" dirty="0"/>
               <a:t> command</a:t>
             </a:r>
+          </a:p>
+        </p:txBody>
+      </p:sp>
+      <p:sp>
+        <p:nvSpPr>
+          <p:cNvPr id="3" name="Text Placeholder 2"/>
+          <p:cNvSpPr>
+            <a:spLocks noGrp="1"/>
+          </p:cNvSpPr>
+          <p:nvPr>
+            <p:ph type="body" sz="quarter" idx="10"/>
+          </p:nvPr>
+        </p:nvSpPr>
+        <p:spPr/>
+        <p:txBody>
+          <a:bodyPr/>
+          <a:lstStyle/>
+          <a:p>
+            <a:r>
+              <a:rPr lang="en-US" dirty="0"/>
+              <a:t>Matches events between searches based on a specified field</a:t>
+            </a:r>
+          </a:p>
+          <a:p>
+            <a:r>
+              <a:rPr lang="en-US" dirty="0"/>
+              <a:t>Can be used with </a:t>
+            </a:r>
+            <a:r>
+              <a:rPr lang="en-US" dirty="0" err="1"/>
+              <a:t>subsearches</a:t>
+            </a:r>
             <a:endParaRPr lang="en-US" dirty="0"/>
           </a:p>
-        </p:txBody>
-      </p:sp>
-      <p:sp>
-        <p:nvSpPr>
-          <p:cNvPr id="3" name="Text Placeholder 2"/>
-          <p:cNvSpPr>
-            <a:spLocks noGrp="1"/>
-          </p:cNvSpPr>
-          <p:nvPr>
-            <p:ph type="body" sz="quarter" idx="10"/>
-          </p:nvPr>
-        </p:nvSpPr>
-        <p:spPr/>
-        <p:txBody>
-          <a:bodyPr/>
-          <a:lstStyle/>
-          <a:p>
-            <a:r>
-              <a:rPr lang="en-US" dirty="0" smtClean="0"/>
-              <a:t>Matches events between searches based on a specified field</a:t>
-            </a:r>
-          </a:p>
-          <a:p>
-            <a:r>
-              <a:rPr lang="en-US" dirty="0" smtClean="0"/>
-              <a:t>Can be used with </a:t>
-            </a:r>
-            <a:r>
-              <a:rPr lang="en-US" dirty="0" err="1" smtClean="0"/>
-              <a:t>subsearches</a:t>
-            </a:r>
-            <a:endParaRPr lang="en-US" dirty="0" smtClean="0"/>
-          </a:p>
-          <a:p>
-            <a:r>
-              <a:rPr lang="en-US" dirty="0" smtClean="0"/>
+          <a:p>
+            <a:r>
+              <a:rPr lang="en-US" dirty="0"/>
               <a:t>Possible (probable) performance concerns</a:t>
             </a:r>
-            <a:endParaRPr lang="en-US" dirty="0"/>
           </a:p>
         </p:txBody>
       </p:sp>
@@ -14271,13 +13717,6 @@
   <p:clrMapOvr>
     <a:masterClrMapping/>
   </p:clrMapOvr>
-  <p:timing>
-    <p:tnLst>
-      <p:par>
-        <p:cTn id="1" dur="indefinite" restart="never" nodeType="tmRoot"/>
-      </p:par>
-    </p:tnLst>
-  </p:timing>
 </p:sld>
 </file>
 
@@ -14314,20 +13753,19 @@
           <a:lstStyle/>
           <a:p>
             <a:r>
-              <a:rPr lang="en-US" dirty="0" smtClean="0"/>
+              <a:rPr lang="en-US" dirty="0"/>
               <a:t>The </a:t>
             </a:r>
             <a:r>
-              <a:rPr lang="en-US" dirty="0" smtClean="0">
+              <a:rPr lang="en-US" dirty="0">
                 <a:latin typeface="Courier"/>
               </a:rPr>
               <a:t>concurrency</a:t>
             </a:r>
             <a:r>
-              <a:rPr lang="en-US" dirty="0" smtClean="0"/>
+              <a:rPr lang="en-US" dirty="0"/>
               <a:t> command</a:t>
             </a:r>
-            <a:endParaRPr lang="en-US" dirty="0"/>
           </a:p>
         </p:txBody>
       </p:sp>
@@ -14347,16 +13785,15 @@
           <a:lstStyle/>
           <a:p>
             <a:r>
-              <a:rPr lang="en-US" dirty="0" smtClean="0"/>
+              <a:rPr lang="en-US" dirty="0"/>
               <a:t>Find concurrent number of events of given duration with the same start time</a:t>
             </a:r>
           </a:p>
           <a:p>
             <a:r>
-              <a:rPr lang="en-US" dirty="0" smtClean="0"/>
+              <a:rPr lang="en-US" dirty="0"/>
               <a:t>Generates a “concurrency” field with number of concurrent events</a:t>
             </a:r>
-            <a:endParaRPr lang="en-US" dirty="0"/>
           </a:p>
         </p:txBody>
       </p:sp>
@@ -14370,13 +13807,6 @@
   <p:clrMapOvr>
     <a:masterClrMapping/>
   </p:clrMapOvr>
-  <p:timing>
-    <p:tnLst>
-      <p:par>
-        <p:cTn id="1" dur="indefinite" restart="never" nodeType="tmRoot"/>
-      </p:par>
-    </p:tnLst>
-  </p:timing>
 </p:sld>
 </file>
 
@@ -14413,20 +13843,19 @@
           <a:lstStyle/>
           <a:p>
             <a:r>
-              <a:rPr lang="en-US" dirty="0" smtClean="0"/>
+              <a:rPr lang="en-US" dirty="0"/>
               <a:t>The </a:t>
             </a:r>
             <a:r>
-              <a:rPr lang="en-US" dirty="0" smtClean="0">
+              <a:rPr lang="en-US" dirty="0">
                 <a:latin typeface="Courier"/>
               </a:rPr>
               <a:t>associate</a:t>
             </a:r>
             <a:r>
-              <a:rPr lang="en-US" dirty="0" smtClean="0"/>
+              <a:rPr lang="en-US" dirty="0"/>
               <a:t> command</a:t>
             </a:r>
-            <a:endParaRPr lang="en-US" dirty="0"/>
           </a:p>
         </p:txBody>
       </p:sp>
@@ -14446,20 +13875,20 @@
           <a:lstStyle/>
           <a:p>
             <a:r>
-              <a:rPr lang="en-US" dirty="0" smtClean="0"/>
+              <a:rPr lang="en-US" dirty="0"/>
               <a:t>Identify correlations between fields</a:t>
             </a:r>
           </a:p>
           <a:p>
             <a:pPr lvl="1"/>
             <a:r>
-              <a:rPr lang="en-US" dirty="0" err="1" smtClean="0">
+              <a:rPr lang="en-US" dirty="0" err="1">
                 <a:latin typeface="Courier"/>
               </a:rPr>
               <a:t>Reference_Key</a:t>
             </a:r>
             <a:r>
-              <a:rPr lang="en-US" dirty="0" smtClean="0"/>
+              <a:rPr lang="en-US" dirty="0"/>
               <a:t>, </a:t>
             </a:r>
             <a:r>
@@ -14469,7 +13898,7 @@
               <a:t>Reference_Value</a:t>
             </a:r>
             <a:r>
-              <a:rPr lang="en-US" dirty="0" smtClean="0"/>
+              <a:rPr lang="en-US" dirty="0"/>
               <a:t>, </a:t>
             </a:r>
             <a:r>
@@ -14479,7 +13908,7 @@
               <a:t>Target_Key</a:t>
             </a:r>
             <a:r>
-              <a:rPr lang="en-US" dirty="0" smtClean="0"/>
+              <a:rPr lang="en-US" dirty="0"/>
               <a:t> fields = fields being analyzed</a:t>
             </a:r>
           </a:p>
@@ -14492,10 +13921,9 @@
               <a:t>Description</a:t>
             </a:r>
             <a:r>
-              <a:rPr lang="en-US" dirty="0" smtClean="0"/>
+              <a:rPr lang="en-US" dirty="0"/>
               <a:t> field = more easily readable result</a:t>
             </a:r>
-            <a:endParaRPr lang="en-US" dirty="0"/>
           </a:p>
         </p:txBody>
       </p:sp>
@@ -14559,13 +13987,6 @@
   <p:clrMapOvr>
     <a:masterClrMapping/>
   </p:clrMapOvr>
-  <p:timing>
-    <p:tnLst>
-      <p:par>
-        <p:cTn id="1" dur="indefinite" restart="never" nodeType="tmRoot"/>
-      </p:par>
-    </p:tnLst>
-  </p:timing>
 </p:sld>
 </file>
 
@@ -14653,40 +14074,39 @@
           <a:lstStyle/>
           <a:p>
             <a:r>
-              <a:rPr lang="en-US" sz="1800" dirty="0" smtClean="0"/>
+              <a:rPr lang="en-US" sz="1800" dirty="0"/>
               <a:t>Module 1: Introduction and review</a:t>
             </a:r>
           </a:p>
           <a:p>
             <a:r>
-              <a:rPr lang="en-US" sz="1800" dirty="0" smtClean="0"/>
+              <a:rPr lang="en-US" sz="1800" dirty="0"/>
               <a:t>Module 2: Getting data into Splunk</a:t>
             </a:r>
           </a:p>
           <a:p>
             <a:r>
-              <a:rPr lang="en-US" sz="1800" dirty="0" smtClean="0"/>
+              <a:rPr lang="en-US" sz="1800" dirty="0"/>
               <a:t>Module 3: Building an Operational Intelligence App</a:t>
             </a:r>
           </a:p>
           <a:p>
             <a:r>
-              <a:rPr lang="en-US" sz="1800" dirty="0" smtClean="0"/>
+              <a:rPr lang="en-US" sz="1800" dirty="0"/>
               <a:t>Module 4: Advanced Querying</a:t>
             </a:r>
           </a:p>
           <a:p>
             <a:r>
-              <a:rPr lang="en-US" sz="1800" dirty="0" smtClean="0"/>
+              <a:rPr lang="en-US" sz="1800" dirty="0"/>
               <a:t>Module 5: Analytics and Machine Learning</a:t>
             </a:r>
           </a:p>
           <a:p>
             <a:r>
-              <a:rPr lang="en-US" sz="1800" dirty="0" smtClean="0"/>
+              <a:rPr lang="en-US" sz="1800" dirty="0"/>
               <a:t>Module 6: Optimization</a:t>
             </a:r>
-            <a:endParaRPr lang="en-US" sz="1800" dirty="0"/>
           </a:p>
         </p:txBody>
       </p:sp>
@@ -14700,13 +14120,6 @@
   <p:clrMapOvr>
     <a:masterClrMapping/>
   </p:clrMapOvr>
-  <p:timing>
-    <p:tnLst>
-      <p:par>
-        <p:cTn id="1" dur="indefinite" restart="never" nodeType="tmRoot"/>
-      </p:par>
-    </p:tnLst>
-  </p:timing>
 </p:sld>
 </file>
 
@@ -14743,20 +14156,19 @@
           <a:lstStyle/>
           <a:p>
             <a:r>
-              <a:rPr lang="en-US" dirty="0" smtClean="0"/>
+              <a:rPr lang="en-US" dirty="0"/>
               <a:t>The </a:t>
             </a:r>
             <a:r>
-              <a:rPr lang="en-US" dirty="0" err="1" smtClean="0">
+              <a:rPr lang="en-US" dirty="0" err="1">
                 <a:latin typeface="Courier"/>
               </a:rPr>
               <a:t>trendline</a:t>
             </a:r>
             <a:r>
-              <a:rPr lang="en-US" dirty="0" smtClean="0"/>
+              <a:rPr lang="en-US" dirty="0"/>
               <a:t> command</a:t>
             </a:r>
-            <a:endParaRPr lang="en-US" dirty="0"/>
           </a:p>
         </p:txBody>
       </p:sp>
@@ -14776,83 +14188,79 @@
           <a:lstStyle/>
           <a:p>
             <a:r>
-              <a:rPr lang="en-US" dirty="0" smtClean="0"/>
+              <a:rPr lang="en-US" dirty="0"/>
               <a:t>Generates a moving average</a:t>
             </a:r>
           </a:p>
           <a:p>
             <a:pPr lvl="1"/>
             <a:r>
-              <a:rPr lang="en-US" dirty="0" err="1" smtClean="0">
+              <a:rPr lang="en-US" dirty="0" err="1">
                 <a:latin typeface="Courier"/>
               </a:rPr>
               <a:t>trendline</a:t>
             </a:r>
             <a:r>
-              <a:rPr lang="en-US" dirty="0" smtClean="0">
+              <a:rPr lang="en-US" dirty="0">
                 <a:latin typeface="Courier"/>
               </a:rPr>
               <a:t> &lt;</a:t>
             </a:r>
             <a:r>
-              <a:rPr lang="en-US" dirty="0" err="1" smtClean="0">
+              <a:rPr lang="en-US" dirty="0" err="1">
                 <a:latin typeface="Courier"/>
               </a:rPr>
               <a:t>trendtype</a:t>
             </a:r>
             <a:r>
-              <a:rPr lang="en-US" dirty="0" smtClean="0">
+              <a:rPr lang="en-US" dirty="0">
                 <a:latin typeface="Courier"/>
               </a:rPr>
               <a:t>&gt;&lt;lag&gt;(field)</a:t>
             </a:r>
-            <a:endParaRPr lang="en-US" dirty="0" smtClean="0"/>
+            <a:endParaRPr lang="en-US" dirty="0"/>
           </a:p>
           <a:p>
             <a:pPr lvl="1"/>
             <a:r>
-              <a:rPr lang="en-US" dirty="0" err="1" smtClean="0"/>
+              <a:rPr lang="en-US" dirty="0" err="1"/>
               <a:t>Trendtype</a:t>
             </a:r>
             <a:r>
-              <a:rPr lang="en-US" dirty="0" smtClean="0"/>
+              <a:rPr lang="en-US" dirty="0"/>
               <a:t>:</a:t>
             </a:r>
           </a:p>
           <a:p>
             <a:pPr lvl="2"/>
             <a:r>
-              <a:rPr lang="en-US" dirty="0" err="1" smtClean="0"/>
+              <a:rPr lang="en-US" dirty="0" err="1"/>
               <a:t>sma</a:t>
             </a:r>
             <a:r>
               <a:rPr lang="en-US" dirty="0"/>
-              <a:t> </a:t>
-            </a:r>
-            <a:r>
-              <a:rPr lang="en-US" dirty="0" smtClean="0"/>
-              <a:t>= simple moving average</a:t>
+              <a:t> = simple moving average</a:t>
             </a:r>
           </a:p>
           <a:p>
             <a:pPr lvl="2"/>
             <a:r>
-              <a:rPr lang="en-US" dirty="0" err="1" smtClean="0"/>
+              <a:rPr lang="en-US" dirty="0" err="1"/>
               <a:t>ema</a:t>
             </a:r>
             <a:r>
-              <a:rPr lang="en-US" dirty="0" smtClean="0"/>
+              <a:rPr lang="en-US" dirty="0"/>
               <a:t> = exponential moving average</a:t>
             </a:r>
           </a:p>
           <a:p>
             <a:pPr lvl="2"/>
             <a:r>
-              <a:rPr lang="en-US" dirty="0" err="1" smtClean="0"/>
+              <a:rPr lang="en-US" dirty="0" err="1"/>
               <a:t>wma</a:t>
             </a:r>
             <a:r>
-              <a:rPr lang="en-US" dirty="0" smtClean="0"/>
+              <a:rPr lang="en-US" dirty="0"/>
               <a:t> = weighted moving average</a:t>
             </a:r>
           </a:p>
@@ -14918,13 +14326,6 @@
   <p:clrMapOvr>
     <a:masterClrMapping/>
   </p:clrMapOvr>
-  <p:timing>
-    <p:tnLst>
-      <p:par>
-        <p:cTn id="1" dur="indefinite" restart="never" nodeType="tmRoot"/>
-      </p:par>
-    </p:tnLst>
-  </p:timing>
 </p:sld>
 </file>
 
@@ -14961,10 +14362,9 @@
           <a:lstStyle/>
           <a:p>
             <a:r>
-              <a:rPr lang="en-US" dirty="0" smtClean="0"/>
+              <a:rPr lang="en-US" dirty="0"/>
               <a:t>Using the Job Inspector to optimize your search</a:t>
             </a:r>
-            <a:endParaRPr lang="en-US" dirty="0"/>
           </a:p>
         </p:txBody>
       </p:sp>
@@ -14989,13 +14389,13 @@
           <a:lstStyle/>
           <a:p>
             <a:r>
-              <a:rPr lang="en-US" dirty="0" smtClean="0"/>
+              <a:rPr lang="en-US" dirty="0"/>
               <a:t>Shows execution costs &amp; job properties</a:t>
             </a:r>
           </a:p>
           <a:p>
             <a:r>
-              <a:rPr lang="en-US" dirty="0" smtClean="0"/>
+              <a:rPr lang="en-US" dirty="0"/>
               <a:t>Allows identification of longest-running steps in a search</a:t>
             </a:r>
           </a:p>
@@ -15030,15 +14430,9 @@
               <a:rPr lang="en-US" dirty="0">
                 <a:hlinkClick r:id="rId2"/>
               </a:rPr>
-              <a:t>https://</a:t>
-            </a:r>
-            <a:r>
-              <a:rPr lang="en-US" dirty="0" smtClean="0">
-                <a:hlinkClick r:id="rId2"/>
-              </a:rPr>
-              <a:t>docs.splunk.com/Documentation/Splunk/8.0.0/Search/ViewsearchjobpropertieswiththeJobInspector</a:t>
-            </a:r>
-            <a:endParaRPr lang="en-US" dirty="0" smtClean="0"/>
+              <a:t>https://docs.splunk.com/Documentation/Splunk/8.0.0/Search/ViewsearchjobpropertieswiththeJobInspector</a:t>
+            </a:r>
+            <a:endParaRPr lang="en-US" dirty="0"/>
           </a:p>
         </p:txBody>
       </p:sp>
@@ -15076,13 +14470,6 @@
   <p:clrMapOvr>
     <a:masterClrMapping/>
   </p:clrMapOvr>
-  <p:timing>
-    <p:tnLst>
-      <p:par>
-        <p:cTn id="1" dur="indefinite" restart="never" nodeType="tmRoot"/>
-      </p:par>
-    </p:tnLst>
-  </p:timing>
 </p:sld>
 </file>
 
@@ -15119,10 +14506,9 @@
           <a:lstStyle/>
           <a:p>
             <a:r>
-              <a:rPr lang="en-US" dirty="0" smtClean="0"/>
+              <a:rPr lang="en-US" dirty="0"/>
               <a:t>Lab 4: Advanced Search</a:t>
             </a:r>
-            <a:endParaRPr lang="en-US" dirty="0"/>
           </a:p>
         </p:txBody>
       </p:sp>
@@ -15182,10 +14568,9 @@
           <a:lstStyle/>
           <a:p>
             <a:r>
-              <a:rPr lang="en-US" dirty="0" smtClean="0"/>
+              <a:rPr lang="en-US" dirty="0"/>
               <a:t>Duration: 60 minutes</a:t>
             </a:r>
-            <a:endParaRPr lang="en-US" dirty="0"/>
           </a:p>
         </p:txBody>
       </p:sp>
@@ -15235,10 +14620,9 @@
           <a:lstStyle/>
           <a:p>
             <a:r>
-              <a:rPr lang="en-US" dirty="0" smtClean="0"/>
+              <a:rPr lang="en-US" dirty="0"/>
               <a:t>Module 5: Analytics and Machine Learning</a:t>
             </a:r>
-            <a:endParaRPr lang="en-US" dirty="0"/>
           </a:p>
         </p:txBody>
       </p:sp>
@@ -15288,54 +14672,52 @@
           <a:lstStyle/>
           <a:p>
             <a:r>
-              <a:rPr lang="en-US" dirty="0" smtClean="0"/>
+              <a:rPr lang="en-US" dirty="0"/>
               <a:t>The </a:t>
             </a:r>
             <a:r>
-              <a:rPr lang="en-US" dirty="0" smtClean="0">
+              <a:rPr lang="en-US" dirty="0">
                 <a:latin typeface="Courier"/>
               </a:rPr>
               <a:t>predict</a:t>
             </a:r>
             <a:r>
-              <a:rPr lang="en-US" dirty="0" smtClean="0"/>
+              <a:rPr lang="en-US" dirty="0"/>
               <a:t> command</a:t>
             </a:r>
+          </a:p>
+        </p:txBody>
+      </p:sp>
+      <p:sp>
+        <p:nvSpPr>
+          <p:cNvPr id="3" name="Text Placeholder 2"/>
+          <p:cNvSpPr>
+            <a:spLocks noGrp="1"/>
+          </p:cNvSpPr>
+          <p:nvPr>
+            <p:ph type="body" sz="quarter" idx="10"/>
+          </p:nvPr>
+        </p:nvSpPr>
+        <p:spPr/>
+        <p:txBody>
+          <a:bodyPr/>
+          <a:lstStyle/>
+          <a:p>
+            <a:r>
+              <a:rPr lang="en-US" dirty="0"/>
+              <a:t>Linear regression on </a:t>
+            </a:r>
+            <a:r>
+              <a:rPr lang="en-US" dirty="0" err="1"/>
+              <a:t>timeseries</a:t>
+            </a:r>
             <a:endParaRPr lang="en-US" dirty="0"/>
           </a:p>
-        </p:txBody>
-      </p:sp>
-      <p:sp>
-        <p:nvSpPr>
-          <p:cNvPr id="3" name="Text Placeholder 2"/>
-          <p:cNvSpPr>
-            <a:spLocks noGrp="1"/>
-          </p:cNvSpPr>
-          <p:nvPr>
-            <p:ph type="body" sz="quarter" idx="10"/>
-          </p:nvPr>
-        </p:nvSpPr>
-        <p:spPr/>
-        <p:txBody>
-          <a:bodyPr/>
-          <a:lstStyle/>
-          <a:p>
-            <a:r>
-              <a:rPr lang="en-US" dirty="0" smtClean="0"/>
-              <a:t>Linear regression on </a:t>
-            </a:r>
-            <a:r>
-              <a:rPr lang="en-US" dirty="0" err="1" smtClean="0"/>
-              <a:t>timeseries</a:t>
-            </a:r>
-            <a:endParaRPr lang="en-US" dirty="0" smtClean="0"/>
-          </a:p>
-          <a:p>
-            <a:r>
-              <a:rPr lang="en-US" dirty="0" smtClean="0"/>
+          <a:p>
+            <a:r>
+              <a:rPr lang="en-US" dirty="0"/>
               <a:t>Confidence interval</a:t>
             </a:r>
-            <a:endParaRPr lang="en-US" dirty="0"/>
           </a:p>
         </p:txBody>
       </p:sp>
@@ -15399,13 +14781,6 @@
   <p:clrMapOvr>
     <a:masterClrMapping/>
   </p:clrMapOvr>
-  <p:timing>
-    <p:tnLst>
-      <p:par>
-        <p:cTn id="1" dur="indefinite" restart="never" nodeType="tmRoot"/>
-      </p:par>
-    </p:tnLst>
-  </p:timing>
 </p:sld>
 </file>
 
@@ -15442,20 +14817,19 @@
           <a:lstStyle/>
           <a:p>
             <a:r>
-              <a:rPr lang="en-US" dirty="0" smtClean="0"/>
+              <a:rPr lang="en-US" dirty="0"/>
               <a:t>The </a:t>
             </a:r>
             <a:r>
-              <a:rPr lang="en-US" dirty="0" smtClean="0">
+              <a:rPr lang="en-US" dirty="0">
                 <a:latin typeface="Courier"/>
               </a:rPr>
               <a:t>fit</a:t>
             </a:r>
             <a:r>
-              <a:rPr lang="en-US" dirty="0" smtClean="0"/>
+              <a:rPr lang="en-US" dirty="0"/>
               <a:t> command</a:t>
             </a:r>
-            <a:endParaRPr lang="en-US" dirty="0"/>
           </a:p>
         </p:txBody>
       </p:sp>
@@ -15475,36 +14849,33 @@
           <a:lstStyle/>
           <a:p>
             <a:r>
-              <a:rPr lang="en-US" dirty="0" smtClean="0"/>
+              <a:rPr lang="en-US" dirty="0"/>
               <a:t>From the Machine Learning Toolkit</a:t>
             </a:r>
           </a:p>
           <a:p>
             <a:r>
-              <a:rPr lang="en-US" dirty="0" smtClean="0"/>
+              <a:rPr lang="en-US" dirty="0"/>
               <a:t>Fits a machine learning model to search results</a:t>
             </a:r>
           </a:p>
           <a:p>
             <a:r>
-              <a:rPr lang="en-US" dirty="0" smtClean="0"/>
+              <a:rPr lang="en-US" dirty="0"/>
               <a:t>Linear or logistic regression</a:t>
             </a:r>
           </a:p>
           <a:p>
             <a:r>
-              <a:rPr lang="en-US" dirty="0" smtClean="0"/>
+              <a:rPr lang="en-US" dirty="0"/>
               <a:t>Use “into” to store model for use with </a:t>
             </a:r>
             <a:r>
-              <a:rPr lang="en-US" dirty="0" smtClean="0">
+              <a:rPr lang="en-US" dirty="0">
                 <a:latin typeface="Courier"/>
               </a:rPr>
               <a:t>apply</a:t>
             </a:r>
-            <a:endParaRPr lang="en-US" dirty="0">
-              <a:latin typeface="Courier"/>
-            </a:endParaRPr>
           </a:p>
         </p:txBody>
       </p:sp>
@@ -15544,13 +14915,6 @@
   <p:clrMapOvr>
     <a:masterClrMapping/>
   </p:clrMapOvr>
-  <p:timing>
-    <p:tnLst>
-      <p:par>
-        <p:cTn id="1" dur="indefinite" restart="never" nodeType="tmRoot"/>
-      </p:par>
-    </p:tnLst>
-  </p:timing>
 </p:sld>
 </file>
 
@@ -15587,20 +14951,19 @@
           <a:lstStyle/>
           <a:p>
             <a:r>
-              <a:rPr lang="en-US" dirty="0" smtClean="0"/>
+              <a:rPr lang="en-US" dirty="0"/>
               <a:t>The </a:t>
             </a:r>
             <a:r>
-              <a:rPr lang="en-US" dirty="0" smtClean="0">
+              <a:rPr lang="en-US" dirty="0">
                 <a:latin typeface="Courier"/>
               </a:rPr>
               <a:t>apply</a:t>
             </a:r>
             <a:r>
-              <a:rPr lang="en-US" dirty="0" smtClean="0"/>
+              <a:rPr lang="en-US" dirty="0"/>
               <a:t> command</a:t>
             </a:r>
-            <a:endParaRPr lang="en-US" dirty="0"/>
           </a:p>
         </p:txBody>
       </p:sp>
@@ -15620,36 +14983,33 @@
           <a:lstStyle/>
           <a:p>
             <a:r>
-              <a:rPr lang="en-US" dirty="0" smtClean="0"/>
+              <a:rPr lang="en-US" dirty="0"/>
               <a:t>From the Machine Learning Toolkit</a:t>
             </a:r>
           </a:p>
           <a:p>
             <a:r>
-              <a:rPr lang="en-US" dirty="0" smtClean="0"/>
+              <a:rPr lang="en-US" dirty="0"/>
               <a:t>Fits a machine learning model to search results</a:t>
             </a:r>
           </a:p>
           <a:p>
             <a:r>
-              <a:rPr lang="en-US" dirty="0" smtClean="0"/>
+              <a:rPr lang="en-US" dirty="0"/>
               <a:t>Linear or logistic regression</a:t>
             </a:r>
           </a:p>
           <a:p>
             <a:r>
-              <a:rPr lang="en-US" dirty="0" smtClean="0"/>
+              <a:rPr lang="en-US" dirty="0"/>
               <a:t>Use “into” to store model for use with </a:t>
             </a:r>
             <a:r>
-              <a:rPr lang="en-US" dirty="0" smtClean="0">
+              <a:rPr lang="en-US" dirty="0">
                 <a:latin typeface="Courier"/>
               </a:rPr>
               <a:t>apply</a:t>
             </a:r>
-            <a:endParaRPr lang="en-US" dirty="0">
-              <a:latin typeface="Courier"/>
-            </a:endParaRPr>
           </a:p>
         </p:txBody>
       </p:sp>
@@ -15689,13 +15049,6 @@
   <p:clrMapOvr>
     <a:masterClrMapping/>
   </p:clrMapOvr>
-  <p:timing>
-    <p:tnLst>
-      <p:par>
-        <p:cTn id="1" dur="indefinite" restart="never" nodeType="tmRoot"/>
-      </p:par>
-    </p:tnLst>
-  </p:timing>
 </p:sld>
 </file>
 
@@ -15732,20 +15085,19 @@
           <a:lstStyle/>
           <a:p>
             <a:r>
-              <a:rPr lang="en-US" dirty="0" smtClean="0"/>
+              <a:rPr lang="en-US" dirty="0"/>
               <a:t>The </a:t>
             </a:r>
             <a:r>
-              <a:rPr lang="en-US" dirty="0" err="1" smtClean="0">
+              <a:rPr lang="en-US" dirty="0" err="1">
                 <a:latin typeface="Courier"/>
               </a:rPr>
               <a:t>eventstats</a:t>
             </a:r>
             <a:r>
-              <a:rPr lang="en-US" dirty="0" smtClean="0"/>
+              <a:rPr lang="en-US" dirty="0"/>
               <a:t> command</a:t>
             </a:r>
-            <a:endParaRPr lang="en-US" dirty="0"/>
           </a:p>
         </p:txBody>
       </p:sp>
@@ -15765,10 +15117,9 @@
           <a:lstStyle/>
           <a:p>
             <a:r>
-              <a:rPr lang="en-US" dirty="0" smtClean="0"/>
+              <a:rPr lang="en-US" dirty="0"/>
               <a:t>Compute summary information</a:t>
             </a:r>
-            <a:endParaRPr lang="en-US" dirty="0"/>
           </a:p>
         </p:txBody>
       </p:sp>
@@ -15808,13 +15159,6 @@
   <p:clrMapOvr>
     <a:masterClrMapping/>
   </p:clrMapOvr>
-  <p:timing>
-    <p:tnLst>
-      <p:par>
-        <p:cTn id="1" dur="indefinite" restart="never" nodeType="tmRoot"/>
-      </p:par>
-    </p:tnLst>
-  </p:timing>
 </p:sld>
 </file>
 
@@ -15851,20 +15195,19 @@
           <a:lstStyle/>
           <a:p>
             <a:r>
-              <a:rPr lang="en-US" dirty="0" smtClean="0"/>
+              <a:rPr lang="en-US" dirty="0"/>
               <a:t>The </a:t>
             </a:r>
             <a:r>
-              <a:rPr lang="en-US" dirty="0" smtClean="0">
+              <a:rPr lang="en-US" dirty="0">
                 <a:latin typeface="Courier"/>
               </a:rPr>
               <a:t>anomalies</a:t>
             </a:r>
             <a:r>
-              <a:rPr lang="en-US" dirty="0" smtClean="0"/>
+              <a:rPr lang="en-US" dirty="0"/>
               <a:t> command</a:t>
             </a:r>
-            <a:endParaRPr lang="en-US" dirty="0"/>
           </a:p>
         </p:txBody>
       </p:sp>
@@ -15884,16 +15227,15 @@
           <a:lstStyle/>
           <a:p>
             <a:r>
-              <a:rPr lang="en-US" dirty="0" smtClean="0"/>
+              <a:rPr lang="en-US" dirty="0"/>
               <a:t>Assigns an “unexpectedness score” to each event</a:t>
             </a:r>
           </a:p>
           <a:p>
             <a:r>
-              <a:rPr lang="en-US" dirty="0" smtClean="0"/>
+              <a:rPr lang="en-US" dirty="0"/>
               <a:t>Uses a proprietary algorithm</a:t>
             </a:r>
-            <a:endParaRPr lang="en-US" dirty="0"/>
           </a:p>
         </p:txBody>
       </p:sp>
@@ -15933,13 +15275,6 @@
   <p:clrMapOvr>
     <a:masterClrMapping/>
   </p:clrMapOvr>
-  <p:timing>
-    <p:tnLst>
-      <p:par>
-        <p:cTn id="1" dur="indefinite" restart="never" nodeType="tmRoot"/>
-      </p:par>
-    </p:tnLst>
-  </p:timing>
 </p:sld>
 </file>
 
@@ -15976,20 +15311,19 @@
           <a:lstStyle/>
           <a:p>
             <a:r>
-              <a:rPr lang="en-US" dirty="0" smtClean="0"/>
+              <a:rPr lang="en-US" dirty="0"/>
               <a:t>The </a:t>
             </a:r>
             <a:r>
-              <a:rPr lang="en-US" dirty="0" err="1" smtClean="0">
+              <a:rPr lang="en-US" dirty="0" err="1">
                 <a:latin typeface="Courier"/>
               </a:rPr>
               <a:t>anomalousvalues</a:t>
             </a:r>
             <a:r>
-              <a:rPr lang="en-US" dirty="0" smtClean="0"/>
+              <a:rPr lang="en-US" dirty="0"/>
               <a:t> command</a:t>
             </a:r>
-            <a:endParaRPr lang="en-US" dirty="0"/>
           </a:p>
         </p:txBody>
       </p:sp>
@@ -16009,16 +15343,8 @@
           <a:lstStyle/>
           <a:p>
             <a:r>
-              <a:rPr lang="en-US" dirty="0" smtClean="0"/>
-              <a:t>Computes </a:t>
-            </a:r>
-            <a:r>
-              <a:rPr lang="en-US" dirty="0"/>
-              <a:t>an anomaly score for each field of each event, relative to the values of this field across other </a:t>
-            </a:r>
-            <a:r>
-              <a:rPr lang="en-US" dirty="0" smtClean="0"/>
-              <a:t>events</a:t>
+              <a:rPr lang="en-US" dirty="0"/>
+              <a:t>Computes an anomaly score for each field of each event, relative to the values of this field across other events</a:t>
             </a:r>
           </a:p>
           <a:p>
@@ -16062,13 +15388,6 @@
   <p:clrMapOvr>
     <a:masterClrMapping/>
   </p:clrMapOvr>
-  <p:timing>
-    <p:tnLst>
-      <p:par>
-        <p:cTn id="1" dur="indefinite" restart="never" nodeType="tmRoot"/>
-      </p:par>
-    </p:tnLst>
-  </p:timing>
 </p:sld>
 </file>
 
@@ -16228,13 +15547,6 @@
   <p:clrMapOvr>
     <a:masterClrMapping/>
   </p:clrMapOvr>
-  <p:timing>
-    <p:tnLst>
-      <p:par>
-        <p:cTn id="1" dur="indefinite" restart="never" nodeType="tmRoot"/>
-      </p:par>
-    </p:tnLst>
-  </p:timing>
 </p:sld>
 </file>
 
@@ -16271,20 +15583,19 @@
           <a:lstStyle/>
           <a:p>
             <a:r>
-              <a:rPr lang="en-US" dirty="0" smtClean="0"/>
+              <a:rPr lang="en-US" dirty="0"/>
               <a:t>The </a:t>
             </a:r>
             <a:r>
-              <a:rPr lang="en-US" dirty="0" err="1" smtClean="0">
+              <a:rPr lang="en-US" dirty="0" err="1">
                 <a:latin typeface="Courier"/>
               </a:rPr>
               <a:t>anomalydetection</a:t>
             </a:r>
             <a:r>
-              <a:rPr lang="en-US" dirty="0" smtClean="0"/>
+              <a:rPr lang="en-US" dirty="0"/>
               <a:t> command</a:t>
             </a:r>
-            <a:endParaRPr lang="en-US" dirty="0"/>
           </a:p>
         </p:txBody>
       </p:sp>
@@ -16304,38 +15615,38 @@
           <a:lstStyle/>
           <a:p>
             <a:r>
-              <a:rPr lang="en-US" dirty="0" smtClean="0"/>
+              <a:rPr lang="en-US" dirty="0"/>
               <a:t>Identifies anomalous events</a:t>
             </a:r>
           </a:p>
           <a:p>
             <a:r>
-              <a:rPr lang="en-US" dirty="0" smtClean="0"/>
+              <a:rPr lang="en-US" dirty="0"/>
               <a:t>Combines capabilities of </a:t>
             </a:r>
             <a:r>
-              <a:rPr lang="en-US" dirty="0" err="1" smtClean="0">
+              <a:rPr lang="en-US" dirty="0" err="1">
                 <a:latin typeface="Courier"/>
               </a:rPr>
               <a:t>anomalousvalue</a:t>
             </a:r>
             <a:r>
-              <a:rPr lang="en-US" dirty="0" smtClean="0">
+              <a:rPr lang="en-US" dirty="0">
                 <a:latin typeface="Courier"/>
               </a:rPr>
               <a:t> </a:t>
             </a:r>
             <a:r>
-              <a:rPr lang="en-US" dirty="0" smtClean="0"/>
+              <a:rPr lang="en-US" dirty="0"/>
               <a:t>and</a:t>
             </a:r>
             <a:r>
-              <a:rPr lang="en-US" dirty="0" smtClean="0">
+              <a:rPr lang="en-US" dirty="0">
                 <a:latin typeface="Courier"/>
               </a:rPr>
               <a:t> outlier</a:t>
             </a:r>
-            <a:endParaRPr lang="en-US" dirty="0" smtClean="0"/>
+            <a:endParaRPr lang="en-US" dirty="0"/>
           </a:p>
         </p:txBody>
       </p:sp>
@@ -16364,15 +15675,9 @@
               <a:rPr lang="en-US" sz="1600" dirty="0">
                 <a:hlinkClick r:id="rId2"/>
               </a:rPr>
-              <a:t>https://</a:t>
-            </a:r>
-            <a:r>
-              <a:rPr lang="en-US" sz="1600" dirty="0" smtClean="0">
-                <a:hlinkClick r:id="rId2"/>
-              </a:rPr>
-              <a:t>docs.splunk.com/Documentation/Splunk/latest/SearchReference/Anomalydetection</a:t>
-            </a:r>
-            <a:endParaRPr lang="en-US" sz="1600" dirty="0" smtClean="0"/>
+              <a:t>https://docs.splunk.com/Documentation/Splunk/latest/SearchReference/Anomalydetection</a:t>
+            </a:r>
+            <a:endParaRPr lang="en-US" sz="1600" dirty="0"/>
           </a:p>
         </p:txBody>
       </p:sp>
@@ -16412,13 +15717,6 @@
   <p:clrMapOvr>
     <a:masterClrMapping/>
   </p:clrMapOvr>
-  <p:timing>
-    <p:tnLst>
-      <p:par>
-        <p:cTn id="1" dur="indefinite" restart="never" nodeType="tmRoot"/>
-      </p:par>
-    </p:tnLst>
-  </p:timing>
 </p:sld>
 </file>
 
@@ -16455,20 +15753,19 @@
           <a:lstStyle/>
           <a:p>
             <a:r>
-              <a:rPr lang="en-US" dirty="0" smtClean="0"/>
+              <a:rPr lang="en-US" dirty="0"/>
               <a:t>The </a:t>
             </a:r>
             <a:r>
-              <a:rPr lang="en-US" dirty="0" smtClean="0">
+              <a:rPr lang="en-US" dirty="0">
                 <a:latin typeface="Courier"/>
               </a:rPr>
               <a:t>cluster</a:t>
             </a:r>
             <a:r>
-              <a:rPr lang="en-US" dirty="0" smtClean="0"/>
+              <a:rPr lang="en-US" dirty="0"/>
               <a:t> command</a:t>
             </a:r>
-            <a:endParaRPr lang="en-US" dirty="0"/>
           </a:p>
         </p:txBody>
       </p:sp>
@@ -16488,21 +15785,13 @@
           <a:lstStyle/>
           <a:p>
             <a:r>
-              <a:rPr lang="en-US" dirty="0" smtClean="0"/>
-              <a:t>Groups </a:t>
-            </a:r>
-            <a:r>
-              <a:rPr lang="en-US" dirty="0"/>
-              <a:t>events together based on how similar they are to each </a:t>
-            </a:r>
-            <a:r>
-              <a:rPr lang="en-US" dirty="0" smtClean="0"/>
-              <a:t>other</a:t>
-            </a:r>
-          </a:p>
-          <a:p>
-            <a:r>
-              <a:rPr lang="en-US" dirty="0" smtClean="0"/>
+              <a:rPr lang="en-US" dirty="0"/>
+              <a:t>Groups events together based on how similar they are to each other</a:t>
+            </a:r>
+          </a:p>
+          <a:p>
+            <a:r>
+              <a:rPr lang="en-US" dirty="0"/>
               <a:t>Use to identify patterns</a:t>
             </a:r>
           </a:p>
@@ -16533,15 +15822,9 @@
               <a:rPr lang="en-US" sz="1600" dirty="0">
                 <a:hlinkClick r:id="rId2"/>
               </a:rPr>
-              <a:t>https://</a:t>
-            </a:r>
-            <a:r>
-              <a:rPr lang="en-US" sz="1600" dirty="0" smtClean="0">
-                <a:hlinkClick r:id="rId2"/>
-              </a:rPr>
-              <a:t>docs.splunk.com/Documentation/Splunk/latest/SearchReference/Cluster</a:t>
-            </a:r>
-            <a:endParaRPr lang="en-US" sz="1600" dirty="0" smtClean="0"/>
+              <a:t>https://docs.splunk.com/Documentation/Splunk/latest/SearchReference/Cluster</a:t>
+            </a:r>
+            <a:endParaRPr lang="en-US" sz="1600" dirty="0"/>
           </a:p>
         </p:txBody>
       </p:sp>
@@ -16581,13 +15864,6 @@
   <p:clrMapOvr>
     <a:masterClrMapping/>
   </p:clrMapOvr>
-  <p:timing>
-    <p:tnLst>
-      <p:par>
-        <p:cTn id="1" dur="indefinite" restart="never" nodeType="tmRoot"/>
-      </p:par>
-    </p:tnLst>
-  </p:timing>
 </p:sld>
 </file>
 
@@ -16624,10 +15900,9 @@
           <a:lstStyle/>
           <a:p>
             <a:r>
-              <a:rPr lang="en-US" dirty="0" smtClean="0"/>
+              <a:rPr lang="en-US" dirty="0"/>
               <a:t>Detecting outliers</a:t>
             </a:r>
-            <a:endParaRPr lang="en-US" dirty="0"/>
           </a:p>
         </p:txBody>
       </p:sp>
@@ -16653,28 +15928,28 @@
           </a:p>
           <a:p>
             <a:r>
-              <a:rPr lang="en-US" dirty="0" smtClean="0"/>
+              <a:rPr lang="en-US" dirty="0"/>
               <a:t>Threshold methods (numeric):</a:t>
             </a:r>
           </a:p>
           <a:p>
             <a:pPr lvl="1"/>
             <a:r>
-              <a:rPr lang="en-US" dirty="0" smtClean="0"/>
+              <a:rPr lang="en-US" dirty="0"/>
               <a:t>Standard deviation</a:t>
             </a:r>
           </a:p>
           <a:p>
             <a:pPr lvl="1"/>
             <a:r>
-              <a:rPr lang="en-US" dirty="0" smtClean="0"/>
+              <a:rPr lang="en-US" dirty="0"/>
               <a:t>Median absolute deviation</a:t>
             </a:r>
           </a:p>
           <a:p>
             <a:pPr lvl="1"/>
             <a:r>
-              <a:rPr lang="en-US" dirty="0" smtClean="0"/>
+              <a:rPr lang="en-US" dirty="0"/>
               <a:t>Interquartile range</a:t>
             </a:r>
           </a:p>
@@ -16760,10 +16035,9 @@
           <a:lstStyle/>
           <a:p>
             <a:r>
-              <a:rPr lang="en-US" dirty="0" smtClean="0"/>
+              <a:rPr lang="en-US" dirty="0"/>
               <a:t>Detecting outliers</a:t>
             </a:r>
-            <a:endParaRPr lang="en-US" dirty="0"/>
           </a:p>
         </p:txBody>
       </p:sp>
@@ -16783,10 +16057,9 @@
           <a:lstStyle/>
           <a:p>
             <a:r>
-              <a:rPr lang="en-US" dirty="0" smtClean="0"/>
+              <a:rPr lang="en-US" dirty="0"/>
               <a:t>Create a search, specify method and multiplier</a:t>
             </a:r>
-            <a:endParaRPr lang="en-US" dirty="0"/>
           </a:p>
         </p:txBody>
       </p:sp>
@@ -16845,15 +16118,9 @@
               <a:rPr lang="en-US" sz="1600" dirty="0">
                 <a:hlinkClick r:id="rId3"/>
               </a:rPr>
-              <a:t>http://</a:t>
-            </a:r>
-            <a:r>
-              <a:rPr lang="en-US" sz="1600" dirty="0" smtClean="0">
-                <a:hlinkClick r:id="rId3"/>
-              </a:rPr>
-              <a:t>localhost:8000/en-US/app/Splunk_ML_Toolkit/showcase_outlier_detection</a:t>
-            </a:r>
-            <a:endParaRPr lang="en-US" sz="1600" dirty="0" smtClean="0"/>
+              <a:t>http://localhost:8000/en-US/app/Splunk_ML_Toolkit/showcase_outlier_detection</a:t>
+            </a:r>
+            <a:endParaRPr lang="en-US" sz="1600" dirty="0"/>
           </a:p>
         </p:txBody>
       </p:sp>
@@ -16929,10 +16196,9 @@
           <a:lstStyle/>
           <a:p>
             <a:r>
-              <a:rPr lang="en-US" dirty="0" smtClean="0"/>
+              <a:rPr lang="en-US" dirty="0"/>
               <a:t>Detecting outliers</a:t>
             </a:r>
-            <a:endParaRPr lang="en-US" dirty="0"/>
           </a:p>
         </p:txBody>
       </p:sp>
@@ -16952,59 +16218,59 @@
           <a:lstStyle/>
           <a:p>
             <a:r>
-              <a:rPr lang="en-US" dirty="0" smtClean="0"/>
+              <a:rPr lang="en-US" dirty="0"/>
               <a:t>Conceptual flow:</a:t>
             </a:r>
           </a:p>
           <a:p>
             <a:pPr lvl="1"/>
             <a:r>
-              <a:rPr lang="en-US" sz="2400" dirty="0" smtClean="0"/>
+              <a:rPr lang="en-US" sz="2400" dirty="0"/>
               <a:t>Generate table of values to analyze</a:t>
             </a:r>
           </a:p>
           <a:p>
             <a:pPr lvl="1"/>
             <a:r>
-              <a:rPr lang="en-US" sz="2400" dirty="0" smtClean="0"/>
+              <a:rPr lang="en-US" sz="2400" dirty="0"/>
               <a:t>Find the median, compute absolute deviation from median for each record</a:t>
             </a:r>
           </a:p>
           <a:p>
             <a:pPr lvl="1"/>
             <a:r>
-              <a:rPr lang="en-US" sz="2400" dirty="0" smtClean="0"/>
+              <a:rPr lang="en-US" sz="2400" dirty="0"/>
               <a:t>Find median of all deviations (</a:t>
             </a:r>
             <a:r>
-              <a:rPr lang="en-US" sz="2400" i="1" dirty="0" err="1" smtClean="0"/>
+              <a:rPr lang="en-US" sz="2400" i="1" dirty="0" err="1"/>
               <a:t>medianAbsDev</a:t>
             </a:r>
             <a:r>
-              <a:rPr lang="en-US" sz="2400" i="1" dirty="0" smtClean="0"/>
+              <a:rPr lang="en-US" sz="2400" i="1" dirty="0"/>
               <a:t>)</a:t>
             </a:r>
-            <a:endParaRPr lang="en-US" sz="2400" dirty="0" smtClean="0"/>
+            <a:endParaRPr lang="en-US" sz="2400" dirty="0"/>
           </a:p>
           <a:p>
             <a:pPr lvl="1"/>
             <a:r>
-              <a:rPr lang="en-US" sz="2400" dirty="0" smtClean="0"/>
+              <a:rPr lang="en-US" sz="2400" dirty="0"/>
               <a:t>Multiply </a:t>
             </a:r>
             <a:r>
-              <a:rPr lang="en-US" sz="2400" i="1" dirty="0" err="1" smtClean="0"/>
+              <a:rPr lang="en-US" sz="2400" i="1" dirty="0" err="1"/>
               <a:t>medianAbsDev</a:t>
             </a:r>
             <a:r>
-              <a:rPr lang="en-US" sz="2400" dirty="0" smtClean="0"/>
+              <a:rPr lang="en-US" sz="2400" dirty="0"/>
               <a:t> by a constant to find upper &amp; lower bounds</a:t>
             </a:r>
           </a:p>
           <a:p>
             <a:pPr lvl="1"/>
             <a:r>
-              <a:rPr lang="en-US" sz="2400" dirty="0" smtClean="0"/>
+              <a:rPr lang="en-US" sz="2400" dirty="0"/>
               <a:t>Anything outside the bounds is an outlier</a:t>
             </a:r>
           </a:p>
@@ -17039,15 +16305,9 @@
               <a:rPr lang="en-US" sz="1600" dirty="0">
                 <a:hlinkClick r:id="rId2"/>
               </a:rPr>
-              <a:t>http://</a:t>
-            </a:r>
-            <a:r>
-              <a:rPr lang="en-US" sz="1600" dirty="0" smtClean="0">
-                <a:hlinkClick r:id="rId2"/>
-              </a:rPr>
-              <a:t>localhost:8000/en-US/app/Splunk_ML_Toolkit/showcase_outlier_detection</a:t>
-            </a:r>
-            <a:endParaRPr lang="en-US" sz="1600" dirty="0" smtClean="0"/>
+              <a:t>http://localhost:8000/en-US/app/Splunk_ML_Toolkit/showcase_outlier_detection</a:t>
+            </a:r>
+            <a:endParaRPr lang="en-US" sz="1600" dirty="0"/>
           </a:p>
         </p:txBody>
       </p:sp>
@@ -17153,10 +16413,9 @@
           <a:lstStyle/>
           <a:p>
             <a:r>
-              <a:rPr lang="en-US" dirty="0" smtClean="0"/>
+              <a:rPr lang="en-US" dirty="0"/>
               <a:t>Forecasting Time Series</a:t>
             </a:r>
-            <a:endParaRPr lang="en-US" dirty="0"/>
           </a:p>
         </p:txBody>
       </p:sp>
@@ -17176,10 +16435,9 @@
           <a:lstStyle/>
           <a:p>
             <a:r>
-              <a:rPr lang="en-US" dirty="0" smtClean="0"/>
+              <a:rPr lang="en-US" dirty="0"/>
               <a:t>The Machine Learning Toolkit provide several algorithms for predictive analysis</a:t>
             </a:r>
-            <a:endParaRPr lang="en-US" dirty="0"/>
           </a:p>
         </p:txBody>
       </p:sp>
@@ -17283,10 +16541,9 @@
           <a:lstStyle/>
           <a:p>
             <a:r>
-              <a:rPr lang="en-US" dirty="0" smtClean="0"/>
+              <a:rPr lang="en-US" dirty="0"/>
               <a:t>Macros</a:t>
             </a:r>
-            <a:endParaRPr lang="en-US" dirty="0"/>
           </a:p>
         </p:txBody>
       </p:sp>
@@ -17311,55 +16568,43 @@
           <a:lstStyle/>
           <a:p>
             <a:r>
-              <a:rPr lang="en-US" sz="2400" dirty="0" smtClean="0"/>
+              <a:rPr lang="en-US" sz="2400" dirty="0"/>
               <a:t>Chunk of SPL with a name</a:t>
             </a:r>
           </a:p>
           <a:p>
             <a:r>
-              <a:rPr lang="en-US" sz="2400" dirty="0" smtClean="0"/>
+              <a:rPr lang="en-US" sz="2400" dirty="0"/>
               <a:t>Can take parameters</a:t>
             </a:r>
           </a:p>
           <a:p>
             <a:r>
-              <a:rPr lang="en-US" sz="2400" dirty="0" smtClean="0"/>
+              <a:rPr lang="en-US" sz="2400" dirty="0"/>
               <a:t>Settings </a:t>
             </a:r>
             <a:r>
-              <a:rPr lang="en-US" sz="2400" dirty="0" smtClean="0">
+              <a:rPr lang="en-US" sz="2400" dirty="0">
                 <a:sym typeface="Wingdings" panose="05000000000000000000" pitchFamily="2" charset="2"/>
               </a:rPr>
               <a:t></a:t>
             </a:r>
             <a:r>
-              <a:rPr lang="en-US" sz="2400" dirty="0" smtClean="0"/>
-              <a:t> </a:t>
-            </a:r>
-            <a:r>
               <a:rPr lang="en-US" sz="2400" dirty="0"/>
-              <a:t>Advanced Search </a:t>
-            </a:r>
-            <a:r>
-              <a:rPr lang="en-US" sz="2400" dirty="0" smtClean="0">
+              <a:t> Advanced Search </a:t>
+            </a:r>
+            <a:r>
+              <a:rPr lang="en-US" sz="2400" dirty="0">
                 <a:sym typeface="Wingdings" panose="05000000000000000000" pitchFamily="2" charset="2"/>
               </a:rPr>
               <a:t></a:t>
             </a:r>
             <a:r>
-              <a:rPr lang="en-US" sz="2400" dirty="0" smtClean="0"/>
-              <a:t> </a:t>
-            </a:r>
-            <a:r>
               <a:rPr lang="en-US" sz="2400" dirty="0"/>
-              <a:t>Search </a:t>
-            </a:r>
-            <a:r>
-              <a:rPr lang="en-US" sz="2400" dirty="0" smtClean="0"/>
-              <a:t>macros </a:t>
-            </a:r>
-            <a:r>
-              <a:rPr lang="en-US" sz="2400" dirty="0" smtClean="0">
+              <a:t> Search macros </a:t>
+            </a:r>
+            <a:r>
+              <a:rPr lang="en-US" sz="2400" dirty="0">
                 <a:sym typeface="Wingdings" panose="05000000000000000000" pitchFamily="2" charset="2"/>
               </a:rPr>
               <a:t>+ Add New</a:t>
@@ -17367,11 +16612,11 @@
           </a:p>
           <a:p>
             <a:r>
-              <a:rPr lang="en-US" sz="2400" dirty="0" smtClean="0"/>
+              <a:rPr lang="en-US" sz="2400" dirty="0"/>
               <a:t>Invoke with `&lt;</a:t>
             </a:r>
             <a:r>
-              <a:rPr lang="en-US" sz="2400" smtClean="0"/>
+              <a:rPr lang="en-US" sz="2400"/>
               <a:t>macro name&gt;`</a:t>
             </a:r>
             <a:endParaRPr lang="en-US" sz="2400" dirty="0"/>
@@ -17448,10 +16693,9 @@
           <a:lstStyle/>
           <a:p>
             <a:r>
-              <a:rPr lang="en-US" dirty="0" smtClean="0"/>
+              <a:rPr lang="en-US" dirty="0"/>
               <a:t>Lab 5: Analytics and Machine Learning</a:t>
             </a:r>
-            <a:endParaRPr lang="en-US" dirty="0"/>
           </a:p>
         </p:txBody>
       </p:sp>
@@ -17517,10 +16761,9 @@
           <a:lstStyle/>
           <a:p>
             <a:r>
-              <a:rPr lang="en-US" dirty="0" smtClean="0"/>
+              <a:rPr lang="en-US" dirty="0"/>
               <a:t>Duration: 60 minutes</a:t>
             </a:r>
-            <a:endParaRPr lang="en-US" dirty="0"/>
           </a:p>
         </p:txBody>
       </p:sp>
@@ -17570,10 +16813,9 @@
           <a:lstStyle/>
           <a:p>
             <a:r>
-              <a:rPr lang="en-US" dirty="0" smtClean="0"/>
+              <a:rPr lang="en-US" dirty="0"/>
               <a:t>Module 6: Optimizing Search</a:t>
             </a:r>
-            <a:endParaRPr lang="en-US" dirty="0"/>
           </a:p>
         </p:txBody>
       </p:sp>
@@ -17623,10 +16865,9 @@
           <a:lstStyle/>
           <a:p>
             <a:r>
-              <a:rPr lang="en-US" dirty="0" smtClean="0"/>
+              <a:rPr lang="en-US" dirty="0"/>
               <a:t>Data summarization</a:t>
             </a:r>
-            <a:endParaRPr lang="en-US" dirty="0"/>
           </a:p>
         </p:txBody>
       </p:sp>
@@ -17646,22 +16887,21 @@
           <a:lstStyle/>
           <a:p>
             <a:r>
-              <a:rPr lang="en-US" dirty="0" smtClean="0"/>
+              <a:rPr lang="en-US" dirty="0"/>
               <a:t>Summary indexing – creation of separate indexes containing pre-aggregated data</a:t>
             </a:r>
           </a:p>
           <a:p>
             <a:r>
-              <a:rPr lang="en-US" dirty="0" smtClean="0"/>
+              <a:rPr lang="en-US" dirty="0"/>
               <a:t>Report acceleration – automates creation of summarized data associated with specific reports</a:t>
             </a:r>
           </a:p>
           <a:p>
             <a:r>
-              <a:rPr lang="en-US" dirty="0" smtClean="0"/>
+              <a:rPr lang="en-US" dirty="0"/>
               <a:t>Data model acceleration – similar to report acceleration but for data models</a:t>
             </a:r>
-            <a:endParaRPr lang="en-US" dirty="0"/>
           </a:p>
         </p:txBody>
       </p:sp>
@@ -17765,13 +17005,6 @@
   <p:clrMapOvr>
     <a:masterClrMapping/>
   </p:clrMapOvr>
-  <p:timing>
-    <p:tnLst>
-      <p:par>
-        <p:cTn id="1" dur="indefinite" restart="never" nodeType="tmRoot"/>
-      </p:par>
-    </p:tnLst>
-  </p:timing>
 </p:sld>
 </file>
 
@@ -17808,10 +17041,9 @@
           <a:lstStyle/>
           <a:p>
             <a:r>
-              <a:rPr lang="en-US" dirty="0" smtClean="0"/>
+              <a:rPr lang="en-US" dirty="0"/>
               <a:t>Summary indexing</a:t>
             </a:r>
-            <a:endParaRPr lang="en-US" dirty="0"/>
           </a:p>
         </p:txBody>
       </p:sp>
@@ -17836,22 +17068,21 @@
           <a:lstStyle/>
           <a:p>
             <a:r>
-              <a:rPr lang="en-US" dirty="0" smtClean="0"/>
+              <a:rPr lang="en-US" dirty="0"/>
               <a:t>Scheduled report that summarizes data</a:t>
             </a:r>
           </a:p>
           <a:p>
             <a:r>
-              <a:rPr lang="en-US" dirty="0" smtClean="0"/>
+              <a:rPr lang="en-US" dirty="0"/>
               <a:t>Summarized values written to a separate index</a:t>
             </a:r>
           </a:p>
           <a:p>
             <a:r>
-              <a:rPr lang="en-US" dirty="0" smtClean="0"/>
+              <a:rPr lang="en-US" dirty="0"/>
               <a:t>Second report generated based on summary index</a:t>
             </a:r>
-            <a:endParaRPr lang="en-US" dirty="0"/>
           </a:p>
         </p:txBody>
       </p:sp>
@@ -17989,10 +17220,9 @@
           <a:lstStyle/>
           <a:p>
             <a:r>
-              <a:rPr lang="en-US" dirty="0" smtClean="0"/>
+              <a:rPr lang="en-US" dirty="0"/>
               <a:t>Backfilling a summary index</a:t>
             </a:r>
-            <a:endParaRPr lang="en-US" dirty="0"/>
           </a:p>
         </p:txBody>
       </p:sp>
@@ -18016,22 +17246,21 @@
               <a:t>The </a:t>
             </a:r>
             <a:r>
-              <a:rPr lang="en-US" dirty="0" smtClean="0">
+              <a:rPr lang="en-US" dirty="0">
                 <a:latin typeface="Courier"/>
               </a:rPr>
               <a:t>fill_summary_index.py</a:t>
             </a:r>
             <a:r>
-              <a:rPr lang="en-US" dirty="0" smtClean="0"/>
+              <a:rPr lang="en-US" dirty="0"/>
               <a:t> script</a:t>
             </a:r>
           </a:p>
           <a:p>
             <a:r>
-              <a:rPr lang="en-US" dirty="0" smtClean="0"/>
+              <a:rPr lang="en-US" dirty="0"/>
               <a:t>Included with Splunk, populates a summary index with historical data</a:t>
             </a:r>
-            <a:endParaRPr lang="en-US" dirty="0"/>
           </a:p>
         </p:txBody>
       </p:sp>
@@ -18104,71 +17333,18 @@
           <a:lstStyle/>
           <a:p>
             <a:r>
-              <a:rPr lang="en-US" dirty="0" smtClean="0"/>
+              <a:rPr lang="en-US" dirty="0"/>
               <a:t>Backfilling with </a:t>
             </a:r>
             <a:r>
-              <a:rPr lang="en-US" dirty="0" err="1" smtClean="0">
+              <a:rPr lang="en-US" dirty="0" err="1">
                 <a:latin typeface="Courier"/>
               </a:rPr>
               <a:t>addinfo</a:t>
             </a:r>
             <a:r>
-              <a:rPr lang="en-US" dirty="0" smtClean="0"/>
+              <a:rPr lang="en-US" dirty="0"/>
               <a:t> and </a:t>
-            </a:r>
-            <a:r>
-              <a:rPr lang="en-US" dirty="0" smtClean="0">
-                <a:latin typeface="Courier"/>
-              </a:rPr>
-              <a:t>collect</a:t>
-            </a:r>
-            <a:endParaRPr lang="en-US" dirty="0">
-              <a:latin typeface="Courier"/>
-            </a:endParaRPr>
-          </a:p>
-        </p:txBody>
-      </p:sp>
-      <p:sp>
-        <p:nvSpPr>
-          <p:cNvPr id="3" name="Text Placeholder 2"/>
-          <p:cNvSpPr>
-            <a:spLocks noGrp="1"/>
-          </p:cNvSpPr>
-          <p:nvPr>
-            <p:ph type="body" sz="quarter" idx="10"/>
-          </p:nvPr>
-        </p:nvSpPr>
-        <p:spPr/>
-        <p:txBody>
-          <a:bodyPr/>
-          <a:lstStyle/>
-          <a:p>
-            <a:r>
-              <a:rPr lang="en-US" dirty="0" smtClean="0"/>
-              <a:t>Execute search over timeframe to index</a:t>
-            </a:r>
-          </a:p>
-          <a:p>
-            <a:r>
-              <a:rPr lang="en-US" dirty="0" smtClean="0"/>
-              <a:t>Use </a:t>
-            </a:r>
-            <a:r>
-              <a:rPr lang="en-US" dirty="0" err="1" smtClean="0">
-                <a:latin typeface="Courier"/>
-              </a:rPr>
-              <a:t>addinfo</a:t>
-            </a:r>
-            <a:r>
-              <a:rPr lang="en-US" dirty="0" smtClean="0"/>
-              <a:t> to add necessary information for summary indexing</a:t>
-            </a:r>
-          </a:p>
-          <a:p>
-            <a:r>
-              <a:rPr lang="en-US" dirty="0" smtClean="0"/>
-              <a:t>Use </a:t>
             </a:r>
             <a:r>
               <a:rPr lang="en-US" dirty="0">
@@ -18176,11 +17352,60 @@
               </a:rPr>
               <a:t>collect</a:t>
             </a:r>
-            <a:r>
-              <a:rPr lang="en-US" dirty="0" smtClean="0"/>
+          </a:p>
+        </p:txBody>
+      </p:sp>
+      <p:sp>
+        <p:nvSpPr>
+          <p:cNvPr id="3" name="Text Placeholder 2"/>
+          <p:cNvSpPr>
+            <a:spLocks noGrp="1"/>
+          </p:cNvSpPr>
+          <p:nvPr>
+            <p:ph type="body" sz="quarter" idx="10"/>
+          </p:nvPr>
+        </p:nvSpPr>
+        <p:spPr/>
+        <p:txBody>
+          <a:bodyPr/>
+          <a:lstStyle/>
+          <a:p>
+            <a:r>
+              <a:rPr lang="en-US" dirty="0"/>
+              <a:t>Execute search over timeframe to index</a:t>
+            </a:r>
+          </a:p>
+          <a:p>
+            <a:r>
+              <a:rPr lang="en-US" dirty="0"/>
+              <a:t>Use </a:t>
+            </a:r>
+            <a:r>
+              <a:rPr lang="en-US" dirty="0" err="1">
+                <a:latin typeface="Courier"/>
+              </a:rPr>
+              <a:t>addinfo</a:t>
+            </a:r>
+            <a:r>
+              <a:rPr lang="en-US" dirty="0"/>
+              <a:t> to add necessary information for summary indexing</a:t>
+            </a:r>
+          </a:p>
+          <a:p>
+            <a:r>
+              <a:rPr lang="en-US" dirty="0"/>
+              <a:t>Use </a:t>
+            </a:r>
+            <a:r>
+              <a:rPr lang="en-US" dirty="0">
+                <a:latin typeface="Courier"/>
+              </a:rPr>
+              <a:t>collect</a:t>
+            </a:r>
+            <a:r>
+              <a:rPr lang="en-US" dirty="0"/>
               <a:t> to insert data from specified report into specified index</a:t>
             </a:r>
-            <a:endParaRPr lang="en-US" dirty="0"/>
           </a:p>
         </p:txBody>
       </p:sp>
@@ -18256,10 +17481,9 @@
           <a:lstStyle/>
           <a:p>
             <a:r>
-              <a:rPr lang="en-US" dirty="0" smtClean="0"/>
+              <a:rPr lang="en-US" dirty="0"/>
               <a:t>Report Acceleration</a:t>
             </a:r>
-            <a:endParaRPr lang="en-US" dirty="0"/>
           </a:p>
         </p:txBody>
       </p:sp>
@@ -18284,29 +17508,29 @@
           <a:lstStyle/>
           <a:p>
             <a:r>
-              <a:rPr lang="en-US" dirty="0" err="1" smtClean="0"/>
+              <a:rPr lang="en-US" dirty="0" err="1"/>
               <a:t>Settings</a:t>
             </a:r>
             <a:r>
-              <a:rPr lang="en-US" dirty="0" err="1" smtClean="0">
+              <a:rPr lang="en-US" dirty="0" err="1">
                 <a:sym typeface="Wingdings" panose="05000000000000000000" pitchFamily="2" charset="2"/>
               </a:rPr>
               <a:t>Searches</a:t>
             </a:r>
             <a:r>
-              <a:rPr lang="en-US" dirty="0" smtClean="0">
+              <a:rPr lang="en-US" dirty="0">
                 <a:sym typeface="Wingdings" panose="05000000000000000000" pitchFamily="2" charset="2"/>
               </a:rPr>
               <a:t>, reports, and alerts&lt;</a:t>
             </a:r>
             <a:r>
-              <a:rPr lang="en-US" dirty="0" err="1" smtClean="0">
+              <a:rPr lang="en-US" dirty="0" err="1">
                 <a:sym typeface="Wingdings" panose="05000000000000000000" pitchFamily="2" charset="2"/>
               </a:rPr>
               <a:t>report_to_accelerate</a:t>
             </a:r>
             <a:r>
-              <a:rPr lang="en-US" dirty="0" smtClean="0">
+              <a:rPr lang="en-US" dirty="0">
                 <a:sym typeface="Wingdings" panose="05000000000000000000" pitchFamily="2" charset="2"/>
               </a:rPr>
               <a:t>&gt;Edit Acceleration</a:t>
@@ -18314,10 +17538,9 @@
           </a:p>
           <a:p>
             <a:r>
-              <a:rPr lang="en-US" dirty="0" smtClean="0"/>
+              <a:rPr lang="en-US" dirty="0"/>
               <a:t>Choose time range to accelerate</a:t>
             </a:r>
-            <a:endParaRPr lang="en-US" dirty="0"/>
           </a:p>
         </p:txBody>
       </p:sp>
@@ -18391,10 +17614,9 @@
           <a:lstStyle/>
           <a:p>
             <a:r>
-              <a:rPr lang="en-US" dirty="0" smtClean="0"/>
+              <a:rPr lang="en-US" dirty="0"/>
               <a:t>Lab 6: Optimization</a:t>
             </a:r>
-            <a:endParaRPr lang="en-US" dirty="0"/>
           </a:p>
         </p:txBody>
       </p:sp>
@@ -18415,11 +17637,7 @@
           <a:p>
             <a:r>
               <a:rPr lang="en-US" dirty="0"/>
-              <a:t>Calculating an hourly count of sessions versus completed transactions p </a:t>
-            </a:r>
-            <a:r>
-              <a:rPr lang="en-US" dirty="0" smtClean="0"/>
-              <a:t>561</a:t>
+              <a:t>Calculating an hourly count of sessions versus completed transactions p 561</a:t>
             </a:r>
           </a:p>
           <a:p>
@@ -18442,13 +17660,8 @@
           <a:p>
             <a:r>
               <a:rPr lang="en-US" dirty="0"/>
-              <a:t>Displaying the maximum number of concurrent sessions over time p </a:t>
-            </a:r>
-            <a:r>
-              <a:rPr lang="en-US" dirty="0" smtClean="0"/>
-              <a:t>584</a:t>
-            </a:r>
-            <a:endParaRPr lang="en-US" dirty="0"/>
+              <a:t>Displaying the maximum number of concurrent sessions over time p 584</a:t>
+            </a:r>
           </a:p>
         </p:txBody>
       </p:sp>
@@ -18468,10 +17681,9 @@
           <a:lstStyle/>
           <a:p>
             <a:r>
-              <a:rPr lang="en-US" dirty="0" smtClean="0"/>
+              <a:rPr lang="en-US" dirty="0"/>
               <a:t>Duration: 45 minutes</a:t>
             </a:r>
-            <a:endParaRPr lang="en-US" dirty="0"/>
           </a:p>
         </p:txBody>
       </p:sp>
@@ -18521,10 +17733,9 @@
           <a:lstStyle/>
           <a:p>
             <a:r>
-              <a:rPr lang="en-US" dirty="0" smtClean="0"/>
+              <a:rPr lang="en-US" dirty="0"/>
               <a:t>Appendix: Customization</a:t>
             </a:r>
-            <a:endParaRPr lang="en-US" dirty="0"/>
           </a:p>
         </p:txBody>
       </p:sp>
@@ -18574,10 +17785,9 @@
           <a:lstStyle/>
           <a:p>
             <a:r>
-              <a:rPr lang="en-US" dirty="0" smtClean="0"/>
+              <a:rPr lang="en-US" dirty="0"/>
               <a:t>Customizing the application navigation</a:t>
             </a:r>
-            <a:endParaRPr lang="en-US" dirty="0"/>
           </a:p>
         </p:txBody>
       </p:sp>
@@ -18646,10 +17856,9 @@
           <a:lstStyle/>
           <a:p>
             <a:r>
-              <a:rPr lang="en-US" dirty="0" smtClean="0"/>
+              <a:rPr lang="en-US" dirty="0"/>
               <a:t>Custom visuals</a:t>
             </a:r>
-            <a:endParaRPr lang="en-US" dirty="0"/>
           </a:p>
         </p:txBody>
       </p:sp>
@@ -18718,18 +17927,17 @@
           <a:lstStyle/>
           <a:p>
             <a:r>
-              <a:rPr lang="en-US" dirty="0" smtClean="0"/>
+              <a:rPr lang="en-US" dirty="0"/>
               <a:t>Remotely querying </a:t>
             </a:r>
             <a:r>
-              <a:rPr lang="en-US" dirty="0" err="1" smtClean="0"/>
+              <a:rPr lang="en-US" dirty="0" err="1"/>
               <a:t>Splunk’s</a:t>
             </a:r>
             <a:r>
-              <a:rPr lang="en-US" smtClean="0"/>
+              <a:rPr lang="en-US"/>
               <a:t> REST API</a:t>
             </a:r>
-            <a:endParaRPr lang="en-US"/>
           </a:p>
         </p:txBody>
       </p:sp>
@@ -18784,12 +17992,18 @@
       </p:grpSpPr>
       <p:sp>
         <p:nvSpPr>
-          <p:cNvPr id="2" name="Title 1"/>
-          <p:cNvSpPr>
-            <a:spLocks noGrp="1"/>
-          </p:cNvSpPr>
-          <p:nvPr>
-            <p:ph type="ctrTitle"/>
+          <p:cNvPr id="2" name="Title 1">
+            <a:extLst>
+              <a:ext uri="{FF2B5EF4-FFF2-40B4-BE49-F238E27FC236}">
+                <a16:creationId xmlns:a16="http://schemas.microsoft.com/office/drawing/2014/main" id="{8F6DC836-B50B-4D37-9245-B653C11EA01D}"/>
+              </a:ext>
+            </a:extLst>
+          </p:cNvPr>
+          <p:cNvSpPr>
+            <a:spLocks noGrp="1"/>
+          </p:cNvSpPr>
+          <p:nvPr>
+            <p:ph type="title"/>
           </p:nvPr>
         </p:nvSpPr>
         <p:spPr/>
@@ -18797,21 +18011,24 @@
           <a:bodyPr/>
           <a:lstStyle/>
           <a:p>
-            <a:r>
-              <a:rPr lang="en-US" dirty="0"/>
-              <a:t>Thank you!</a:t>
-            </a:r>
-          </a:p>
-        </p:txBody>
-      </p:sp>
-      <p:sp>
-        <p:nvSpPr>
-          <p:cNvPr id="5" name="Subtitle 4"/>
-          <p:cNvSpPr>
-            <a:spLocks noGrp="1"/>
-          </p:cNvSpPr>
-          <p:nvPr>
-            <p:ph type="subTitle" idx="1"/>
+            <a:endParaRPr lang="en-US"/>
+          </a:p>
+        </p:txBody>
+      </p:sp>
+      <p:sp>
+        <p:nvSpPr>
+          <p:cNvPr id="3" name="Text Placeholder 2">
+            <a:extLst>
+              <a:ext uri="{FF2B5EF4-FFF2-40B4-BE49-F238E27FC236}">
+                <a16:creationId xmlns:a16="http://schemas.microsoft.com/office/drawing/2014/main" id="{CD65E2F7-F9C9-43A6-8111-33A7D49FB867}"/>
+              </a:ext>
+            </a:extLst>
+          </p:cNvPr>
+          <p:cNvSpPr>
+            <a:spLocks noGrp="1"/>
+          </p:cNvSpPr>
+          <p:nvPr>
+            <p:ph type="body" sz="quarter" idx="10"/>
           </p:nvPr>
         </p:nvSpPr>
         <p:spPr/>
@@ -18819,49 +18036,20 @@
           <a:bodyPr/>
           <a:lstStyle/>
           <a:p>
-            <a:r>
-              <a:rPr lang="en-US" dirty="0"/>
-              <a:t>Questions?</a:t>
-            </a:r>
-          </a:p>
-          <a:p>
-            <a:r>
-              <a:rPr lang="en-US" dirty="0"/>
-              <a:t>Survey: http://</a:t>
-            </a:r>
-            <a:r>
-              <a:rPr lang="en-US" dirty="0" err="1"/>
-              <a:t>www.onlc.com</a:t>
-            </a:r>
-            <a:r>
-              <a:rPr lang="en-US" dirty="0"/>
-              <a:t>/</a:t>
-            </a:r>
-            <a:r>
-              <a:rPr lang="en-US" dirty="0" err="1"/>
-              <a:t>eval</a:t>
-            </a:r>
-            <a:endParaRPr lang="en-US" dirty="0"/>
+            <a:endParaRPr lang="en-US"/>
           </a:p>
         </p:txBody>
       </p:sp>
     </p:spTree>
     <p:extLst>
       <p:ext uri="{BB962C8B-B14F-4D97-AF65-F5344CB8AC3E}">
-        <p14:creationId xmlns:p14="http://schemas.microsoft.com/office/powerpoint/2010/main" val="1768650418"/>
+        <p14:creationId xmlns:p14="http://schemas.microsoft.com/office/powerpoint/2010/main" val="4017342681"/>
       </p:ext>
     </p:extLst>
   </p:cSld>
   <p:clrMapOvr>
     <a:masterClrMapping/>
   </p:clrMapOvr>
-  <p:timing>
-    <p:tnLst>
-      <p:par>
-        <p:cTn id="1" dur="indefinite" restart="never" nodeType="tmRoot"/>
-      </p:par>
-    </p:tnLst>
-  </p:timing>
 </p:sld>
 </file>
 

--- a/ppt/SplunkFundamentals2v1_2.pptx
+++ b/ppt/SplunkFundamentals2v1_2.pptx
@@ -17960,6 +17960,37 @@
           </a:p>
         </p:txBody>
       </p:sp>
+      <p:pic>
+        <p:nvPicPr>
+          <p:cNvPr id="4" name="Picture 3">
+            <a:hlinkClick r:id="rId2" action="ppaction://hlinkfile"/>
+            <a:extLst>
+              <a:ext uri="{FF2B5EF4-FFF2-40B4-BE49-F238E27FC236}">
+                <a16:creationId xmlns:a16="http://schemas.microsoft.com/office/drawing/2014/main" id="{F828083B-E8B3-4248-8611-B52D7EC66816}"/>
+              </a:ext>
+            </a:extLst>
+          </p:cNvPr>
+          <p:cNvPicPr>
+            <a:picLocks noChangeAspect="1"/>
+          </p:cNvPicPr>
+          <p:nvPr/>
+        </p:nvPicPr>
+        <p:blipFill>
+          <a:blip r:embed="rId3"/>
+          <a:stretch>
+            <a:fillRect/>
+          </a:stretch>
+        </p:blipFill>
+        <p:spPr>
+          <a:xfrm>
+            <a:off x="762000" y="4638557"/>
+            <a:ext cx="10698068" cy="847843"/>
+          </a:xfrm>
+          <a:prstGeom prst="rect">
+            <a:avLst/>
+          </a:prstGeom>
+        </p:spPr>
+      </p:pic>
     </p:spTree>
     <p:extLst>
       <p:ext uri="{BB962C8B-B14F-4D97-AF65-F5344CB8AC3E}">
